--- a/합숙_결과_(3주차)_발표.pptx
+++ b/합숙_결과_(3주차)_발표.pptx
@@ -245,7 +245,8 @@
           <a:p>
             <a:fld id="{B83DC249-8826-4EBE-A9C8-7C6671A9CAC4}" type="datetimeFigureOut">
               <a:rPr lang="ko-KR" altLang="en-US" smtClean="0"/>
-              <a:t>2015-12-13</a:t>
+              <a:pPr/>
+              <a:t>2016-07-29</a:t>
             </a:fld>
             <a:endParaRPr lang="ko-KR" altLang="en-US"/>
           </a:p>
@@ -287,6 +288,7 @@
           <a:p>
             <a:fld id="{4C210940-2752-4EEA-A3EB-B484C8587D45}" type="slidenum">
               <a:rPr lang="ko-KR" altLang="en-US" smtClean="0"/>
+              <a:pPr/>
               <a:t>‹#›</a:t>
             </a:fld>
             <a:endParaRPr lang="ko-KR" altLang="en-US"/>
@@ -296,7 +298,7 @@
     </p:spTree>
     <p:extLst>
       <p:ext uri="{BB962C8B-B14F-4D97-AF65-F5344CB8AC3E}">
-        <p14:creationId xmlns:p14="http://schemas.microsoft.com/office/powerpoint/2010/main" val="3763520899"/>
+        <p14:creationId xmlns="" xmlns:p14="http://schemas.microsoft.com/office/powerpoint/2010/main" val="3763520899"/>
       </p:ext>
     </p:extLst>
   </p:cSld>
@@ -415,7 +417,8 @@
           <a:p>
             <a:fld id="{B83DC249-8826-4EBE-A9C8-7C6671A9CAC4}" type="datetimeFigureOut">
               <a:rPr lang="ko-KR" altLang="en-US" smtClean="0"/>
-              <a:t>2015-12-13</a:t>
+              <a:pPr/>
+              <a:t>2016-07-29</a:t>
             </a:fld>
             <a:endParaRPr lang="ko-KR" altLang="en-US"/>
           </a:p>
@@ -457,6 +460,7 @@
           <a:p>
             <a:fld id="{4C210940-2752-4EEA-A3EB-B484C8587D45}" type="slidenum">
               <a:rPr lang="ko-KR" altLang="en-US" smtClean="0"/>
+              <a:pPr/>
               <a:t>‹#›</a:t>
             </a:fld>
             <a:endParaRPr lang="ko-KR" altLang="en-US"/>
@@ -466,7 +470,7 @@
     </p:spTree>
     <p:extLst>
       <p:ext uri="{BB962C8B-B14F-4D97-AF65-F5344CB8AC3E}">
-        <p14:creationId xmlns:p14="http://schemas.microsoft.com/office/powerpoint/2010/main" val="3709884189"/>
+        <p14:creationId xmlns="" xmlns:p14="http://schemas.microsoft.com/office/powerpoint/2010/main" val="3709884189"/>
       </p:ext>
     </p:extLst>
   </p:cSld>
@@ -595,7 +599,8 @@
           <a:p>
             <a:fld id="{B83DC249-8826-4EBE-A9C8-7C6671A9CAC4}" type="datetimeFigureOut">
               <a:rPr lang="ko-KR" altLang="en-US" smtClean="0"/>
-              <a:t>2015-12-13</a:t>
+              <a:pPr/>
+              <a:t>2016-07-29</a:t>
             </a:fld>
             <a:endParaRPr lang="ko-KR" altLang="en-US"/>
           </a:p>
@@ -637,6 +642,7 @@
           <a:p>
             <a:fld id="{4C210940-2752-4EEA-A3EB-B484C8587D45}" type="slidenum">
               <a:rPr lang="ko-KR" altLang="en-US" smtClean="0"/>
+              <a:pPr/>
               <a:t>‹#›</a:t>
             </a:fld>
             <a:endParaRPr lang="ko-KR" altLang="en-US"/>
@@ -646,7 +652,7 @@
     </p:spTree>
     <p:extLst>
       <p:ext uri="{BB962C8B-B14F-4D97-AF65-F5344CB8AC3E}">
-        <p14:creationId xmlns:p14="http://schemas.microsoft.com/office/powerpoint/2010/main" val="606131853"/>
+        <p14:creationId xmlns="" xmlns:p14="http://schemas.microsoft.com/office/powerpoint/2010/main" val="606131853"/>
       </p:ext>
     </p:extLst>
   </p:cSld>
@@ -765,7 +771,8 @@
           <a:p>
             <a:fld id="{B83DC249-8826-4EBE-A9C8-7C6671A9CAC4}" type="datetimeFigureOut">
               <a:rPr lang="ko-KR" altLang="en-US" smtClean="0"/>
-              <a:t>2015-12-13</a:t>
+              <a:pPr/>
+              <a:t>2016-07-29</a:t>
             </a:fld>
             <a:endParaRPr lang="ko-KR" altLang="en-US"/>
           </a:p>
@@ -807,6 +814,7 @@
           <a:p>
             <a:fld id="{4C210940-2752-4EEA-A3EB-B484C8587D45}" type="slidenum">
               <a:rPr lang="ko-KR" altLang="en-US" smtClean="0"/>
+              <a:pPr/>
               <a:t>‹#›</a:t>
             </a:fld>
             <a:endParaRPr lang="ko-KR" altLang="en-US"/>
@@ -816,7 +824,7 @@
     </p:spTree>
     <p:extLst>
       <p:ext uri="{BB962C8B-B14F-4D97-AF65-F5344CB8AC3E}">
-        <p14:creationId xmlns:p14="http://schemas.microsoft.com/office/powerpoint/2010/main" val="4205490417"/>
+        <p14:creationId xmlns="" xmlns:p14="http://schemas.microsoft.com/office/powerpoint/2010/main" val="4205490417"/>
       </p:ext>
     </p:extLst>
   </p:cSld>
@@ -1009,7 +1017,8 @@
           <a:p>
             <a:fld id="{B83DC249-8826-4EBE-A9C8-7C6671A9CAC4}" type="datetimeFigureOut">
               <a:rPr lang="ko-KR" altLang="en-US" smtClean="0"/>
-              <a:t>2015-12-13</a:t>
+              <a:pPr/>
+              <a:t>2016-07-29</a:t>
             </a:fld>
             <a:endParaRPr lang="ko-KR" altLang="en-US"/>
           </a:p>
@@ -1051,6 +1060,7 @@
           <a:p>
             <a:fld id="{4C210940-2752-4EEA-A3EB-B484C8587D45}" type="slidenum">
               <a:rPr lang="ko-KR" altLang="en-US" smtClean="0"/>
+              <a:pPr/>
               <a:t>‹#›</a:t>
             </a:fld>
             <a:endParaRPr lang="ko-KR" altLang="en-US"/>
@@ -1060,7 +1070,7 @@
     </p:spTree>
     <p:extLst>
       <p:ext uri="{BB962C8B-B14F-4D97-AF65-F5344CB8AC3E}">
-        <p14:creationId xmlns:p14="http://schemas.microsoft.com/office/powerpoint/2010/main" val="547074870"/>
+        <p14:creationId xmlns="" xmlns:p14="http://schemas.microsoft.com/office/powerpoint/2010/main" val="547074870"/>
       </p:ext>
     </p:extLst>
   </p:cSld>
@@ -1241,7 +1251,8 @@
           <a:p>
             <a:fld id="{B83DC249-8826-4EBE-A9C8-7C6671A9CAC4}" type="datetimeFigureOut">
               <a:rPr lang="ko-KR" altLang="en-US" smtClean="0"/>
-              <a:t>2015-12-13</a:t>
+              <a:pPr/>
+              <a:t>2016-07-29</a:t>
             </a:fld>
             <a:endParaRPr lang="ko-KR" altLang="en-US"/>
           </a:p>
@@ -1283,6 +1294,7 @@
           <a:p>
             <a:fld id="{4C210940-2752-4EEA-A3EB-B484C8587D45}" type="slidenum">
               <a:rPr lang="ko-KR" altLang="en-US" smtClean="0"/>
+              <a:pPr/>
               <a:t>‹#›</a:t>
             </a:fld>
             <a:endParaRPr lang="ko-KR" altLang="en-US"/>
@@ -1292,7 +1304,7 @@
     </p:spTree>
     <p:extLst>
       <p:ext uri="{BB962C8B-B14F-4D97-AF65-F5344CB8AC3E}">
-        <p14:creationId xmlns:p14="http://schemas.microsoft.com/office/powerpoint/2010/main" val="566375979"/>
+        <p14:creationId xmlns="" xmlns:p14="http://schemas.microsoft.com/office/powerpoint/2010/main" val="566375979"/>
       </p:ext>
     </p:extLst>
   </p:cSld>
@@ -1608,7 +1620,8 @@
           <a:p>
             <a:fld id="{B83DC249-8826-4EBE-A9C8-7C6671A9CAC4}" type="datetimeFigureOut">
               <a:rPr lang="ko-KR" altLang="en-US" smtClean="0"/>
-              <a:t>2015-12-13</a:t>
+              <a:pPr/>
+              <a:t>2016-07-29</a:t>
             </a:fld>
             <a:endParaRPr lang="ko-KR" altLang="en-US"/>
           </a:p>
@@ -1650,6 +1663,7 @@
           <a:p>
             <a:fld id="{4C210940-2752-4EEA-A3EB-B484C8587D45}" type="slidenum">
               <a:rPr lang="ko-KR" altLang="en-US" smtClean="0"/>
+              <a:pPr/>
               <a:t>‹#›</a:t>
             </a:fld>
             <a:endParaRPr lang="ko-KR" altLang="en-US"/>
@@ -1659,7 +1673,7 @@
     </p:spTree>
     <p:extLst>
       <p:ext uri="{BB962C8B-B14F-4D97-AF65-F5344CB8AC3E}">
-        <p14:creationId xmlns:p14="http://schemas.microsoft.com/office/powerpoint/2010/main" val="4172197333"/>
+        <p14:creationId xmlns="" xmlns:p14="http://schemas.microsoft.com/office/powerpoint/2010/main" val="4172197333"/>
       </p:ext>
     </p:extLst>
   </p:cSld>
@@ -1726,7 +1740,8 @@
           <a:p>
             <a:fld id="{B83DC249-8826-4EBE-A9C8-7C6671A9CAC4}" type="datetimeFigureOut">
               <a:rPr lang="ko-KR" altLang="en-US" smtClean="0"/>
-              <a:t>2015-12-13</a:t>
+              <a:pPr/>
+              <a:t>2016-07-29</a:t>
             </a:fld>
             <a:endParaRPr lang="ko-KR" altLang="en-US"/>
           </a:p>
@@ -1768,6 +1783,7 @@
           <a:p>
             <a:fld id="{4C210940-2752-4EEA-A3EB-B484C8587D45}" type="slidenum">
               <a:rPr lang="ko-KR" altLang="en-US" smtClean="0"/>
+              <a:pPr/>
               <a:t>‹#›</a:t>
             </a:fld>
             <a:endParaRPr lang="ko-KR" altLang="en-US"/>
@@ -1777,7 +1793,7 @@
     </p:spTree>
     <p:extLst>
       <p:ext uri="{BB962C8B-B14F-4D97-AF65-F5344CB8AC3E}">
-        <p14:creationId xmlns:p14="http://schemas.microsoft.com/office/powerpoint/2010/main" val="3191797168"/>
+        <p14:creationId xmlns="" xmlns:p14="http://schemas.microsoft.com/office/powerpoint/2010/main" val="3191797168"/>
       </p:ext>
     </p:extLst>
   </p:cSld>
@@ -1821,7 +1837,8 @@
           <a:p>
             <a:fld id="{B83DC249-8826-4EBE-A9C8-7C6671A9CAC4}" type="datetimeFigureOut">
               <a:rPr lang="ko-KR" altLang="en-US" smtClean="0"/>
-              <a:t>2015-12-13</a:t>
+              <a:pPr/>
+              <a:t>2016-07-29</a:t>
             </a:fld>
             <a:endParaRPr lang="ko-KR" altLang="en-US"/>
           </a:p>
@@ -1863,6 +1880,7 @@
           <a:p>
             <a:fld id="{4C210940-2752-4EEA-A3EB-B484C8587D45}" type="slidenum">
               <a:rPr lang="ko-KR" altLang="en-US" smtClean="0"/>
+              <a:pPr/>
               <a:t>‹#›</a:t>
             </a:fld>
             <a:endParaRPr lang="ko-KR" altLang="en-US"/>
@@ -1872,7 +1890,7 @@
     </p:spTree>
     <p:extLst>
       <p:ext uri="{BB962C8B-B14F-4D97-AF65-F5344CB8AC3E}">
-        <p14:creationId xmlns:p14="http://schemas.microsoft.com/office/powerpoint/2010/main" val="4070347072"/>
+        <p14:creationId xmlns="" xmlns:p14="http://schemas.microsoft.com/office/powerpoint/2010/main" val="4070347072"/>
       </p:ext>
     </p:extLst>
   </p:cSld>
@@ -2098,7 +2116,8 @@
           <a:p>
             <a:fld id="{B83DC249-8826-4EBE-A9C8-7C6671A9CAC4}" type="datetimeFigureOut">
               <a:rPr lang="ko-KR" altLang="en-US" smtClean="0"/>
-              <a:t>2015-12-13</a:t>
+              <a:pPr/>
+              <a:t>2016-07-29</a:t>
             </a:fld>
             <a:endParaRPr lang="ko-KR" altLang="en-US"/>
           </a:p>
@@ -2140,6 +2159,7 @@
           <a:p>
             <a:fld id="{4C210940-2752-4EEA-A3EB-B484C8587D45}" type="slidenum">
               <a:rPr lang="ko-KR" altLang="en-US" smtClean="0"/>
+              <a:pPr/>
               <a:t>‹#›</a:t>
             </a:fld>
             <a:endParaRPr lang="ko-KR" altLang="en-US"/>
@@ -2149,7 +2169,7 @@
     </p:spTree>
     <p:extLst>
       <p:ext uri="{BB962C8B-B14F-4D97-AF65-F5344CB8AC3E}">
-        <p14:creationId xmlns:p14="http://schemas.microsoft.com/office/powerpoint/2010/main" val="1942783106"/>
+        <p14:creationId xmlns="" xmlns:p14="http://schemas.microsoft.com/office/powerpoint/2010/main" val="1942783106"/>
       </p:ext>
     </p:extLst>
   </p:cSld>
@@ -2355,7 +2375,8 @@
           <a:p>
             <a:fld id="{B83DC249-8826-4EBE-A9C8-7C6671A9CAC4}" type="datetimeFigureOut">
               <a:rPr lang="ko-KR" altLang="en-US" smtClean="0"/>
-              <a:t>2015-12-13</a:t>
+              <a:pPr/>
+              <a:t>2016-07-29</a:t>
             </a:fld>
             <a:endParaRPr lang="ko-KR" altLang="en-US"/>
           </a:p>
@@ -2397,6 +2418,7 @@
           <a:p>
             <a:fld id="{4C210940-2752-4EEA-A3EB-B484C8587D45}" type="slidenum">
               <a:rPr lang="ko-KR" altLang="en-US" smtClean="0"/>
+              <a:pPr/>
               <a:t>‹#›</a:t>
             </a:fld>
             <a:endParaRPr lang="ko-KR" altLang="en-US"/>
@@ -2406,7 +2428,7 @@
     </p:spTree>
     <p:extLst>
       <p:ext uri="{BB962C8B-B14F-4D97-AF65-F5344CB8AC3E}">
-        <p14:creationId xmlns:p14="http://schemas.microsoft.com/office/powerpoint/2010/main" val="2909691053"/>
+        <p14:creationId xmlns="" xmlns:p14="http://schemas.microsoft.com/office/powerpoint/2010/main" val="2909691053"/>
       </p:ext>
     </p:extLst>
   </p:cSld>
@@ -2575,7 +2597,8 @@
           <a:p>
             <a:fld id="{B83DC249-8826-4EBE-A9C8-7C6671A9CAC4}" type="datetimeFigureOut">
               <a:rPr lang="ko-KR" altLang="en-US" smtClean="0"/>
-              <a:t>2015-12-13</a:t>
+              <a:pPr/>
+              <a:t>2016-07-29</a:t>
             </a:fld>
             <a:endParaRPr lang="ko-KR" altLang="en-US"/>
           </a:p>
@@ -2653,6 +2676,7 @@
           <a:p>
             <a:fld id="{4C210940-2752-4EEA-A3EB-B484C8587D45}" type="slidenum">
               <a:rPr lang="ko-KR" altLang="en-US" smtClean="0"/>
+              <a:pPr/>
               <a:t>‹#›</a:t>
             </a:fld>
             <a:endParaRPr lang="ko-KR" altLang="en-US"/>
@@ -2662,7 +2686,7 @@
     </p:spTree>
     <p:extLst>
       <p:ext uri="{BB962C8B-B14F-4D97-AF65-F5344CB8AC3E}">
-        <p14:creationId xmlns:p14="http://schemas.microsoft.com/office/powerpoint/2010/main" val="3365474829"/>
+        <p14:creationId xmlns="" xmlns:p14="http://schemas.microsoft.com/office/powerpoint/2010/main" val="3365474829"/>
       </p:ext>
     </p:extLst>
   </p:cSld>
@@ -3082,8 +3106,8 @@
         </p:nvSpPr>
         <p:spPr>
           <a:xfrm>
-            <a:off x="3164913" y="2694906"/>
-            <a:ext cx="2814168" cy="954107"/>
+            <a:off x="3254563" y="2694906"/>
+            <a:ext cx="2603340" cy="954107"/>
           </a:xfrm>
           <a:prstGeom prst="rect">
             <a:avLst/>
@@ -3107,7 +3131,7 @@
                   <a:schemeClr val="bg1"/>
                 </a:solidFill>
               </a:rPr>
-              <a:t>ADVERTISING</a:t>
+              <a:t>Eye Make It!!</a:t>
             </a:r>
           </a:p>
           <a:p>
@@ -3118,13 +3142,16 @@
                   <a:schemeClr val="bg1"/>
                 </a:solidFill>
               </a:rPr>
-              <a:t>MANAGEMENT</a:t>
-            </a:r>
-            <a:endParaRPr lang="ko-KR" altLang="en-US" sz="2800" spc="300" dirty="0">
-              <a:solidFill>
-                <a:schemeClr val="bg1"/>
-              </a:solidFill>
-            </a:endParaRPr>
+              <a:t>-</a:t>
+            </a:r>
+            <a:r>
+              <a:rPr lang="en-US" altLang="ko-KR" sz="2800" spc="300" dirty="0" smtClean="0">
+                <a:solidFill>
+                  <a:schemeClr val="bg1"/>
+                </a:solidFill>
+              </a:rPr>
+              <a:t>EMI-</a:t>
+            </a:r>
           </a:p>
         </p:txBody>
       </p:sp>
@@ -3136,7 +3163,7 @@
         </p:nvSpPr>
         <p:spPr>
           <a:xfrm>
-            <a:off x="3666168" y="3886699"/>
+            <a:off x="3684098" y="3886699"/>
             <a:ext cx="1811657" cy="332584"/>
           </a:xfrm>
           <a:prstGeom prst="rect">
@@ -3184,8 +3211,8 @@
         </p:nvSpPr>
         <p:spPr>
           <a:xfrm>
-            <a:off x="3962695" y="3880729"/>
-            <a:ext cx="1218603" cy="338554"/>
+            <a:off x="4222680" y="3880729"/>
+            <a:ext cx="692818" cy="338554"/>
           </a:xfrm>
           <a:prstGeom prst="rect">
             <a:avLst/>
@@ -3204,12 +3231,8 @@
           <a:p>
             <a:pPr algn="ctr"/>
             <a:r>
-              <a:rPr lang="en-US" altLang="ko-KR" sz="1600" spc="-300" dirty="0" smtClean="0"/>
-              <a:t>20120763 </a:t>
-            </a:r>
-            <a:r>
               <a:rPr lang="ko-KR" altLang="en-US" sz="1600" spc="-300" dirty="0" smtClean="0"/>
-              <a:t>홍길동</a:t>
+              <a:t>지체 팀</a:t>
             </a:r>
             <a:endParaRPr lang="ko-KR" altLang="en-US" sz="1600" spc="-300" dirty="0"/>
           </a:p>
@@ -3218,7 +3241,7 @@
     </p:spTree>
     <p:extLst>
       <p:ext uri="{BB962C8B-B14F-4D97-AF65-F5344CB8AC3E}">
-        <p14:creationId xmlns:p14="http://schemas.microsoft.com/office/powerpoint/2010/main" val="1219228571"/>
+        <p14:creationId xmlns="" xmlns:p14="http://schemas.microsoft.com/office/powerpoint/2010/main" val="1219228571"/>
       </p:ext>
     </p:extLst>
   </p:cSld>
@@ -3351,10 +3374,10 @@
         </p:nvGrpSpPr>
         <p:grpSpPr>
           <a:xfrm>
-            <a:off x="1492392" y="3447540"/>
-            <a:ext cx="1146468" cy="984885"/>
-            <a:chOff x="1013515" y="2869322"/>
-            <a:chExt cx="1146468" cy="984885"/>
+            <a:off x="1657731" y="3447540"/>
+            <a:ext cx="815791" cy="984885"/>
+            <a:chOff x="1178854" y="2869322"/>
+            <a:chExt cx="815791" cy="984885"/>
           </a:xfrm>
         </p:grpSpPr>
         <p:sp>
@@ -3365,8 +3388,8 @@
           </p:nvSpPr>
           <p:spPr>
             <a:xfrm>
-              <a:off x="1013515" y="2869322"/>
-              <a:ext cx="1146468" cy="984885"/>
+              <a:off x="1201780" y="2869322"/>
+              <a:ext cx="676788" cy="984885"/>
             </a:xfrm>
             <a:prstGeom prst="rect">
               <a:avLst/>
@@ -3396,12 +3419,20 @@
             <a:p>
               <a:pPr algn="ctr"/>
               <a:r>
+                <a:rPr lang="en-US" altLang="ko-KR" spc="-300" dirty="0" smtClean="0">
+                  <a:solidFill>
+                    <a:schemeClr val="bg1"/>
+                  </a:solidFill>
+                </a:rPr>
+                <a:t>1 </a:t>
+              </a:r>
+              <a:r>
                 <a:rPr lang="ko-KR" altLang="en-US" spc="-300" dirty="0" smtClean="0">
                   <a:solidFill>
                     <a:schemeClr val="bg1"/>
                   </a:solidFill>
                 </a:rPr>
-                <a:t>입력하세요</a:t>
+                <a:t>주 차</a:t>
               </a:r>
               <a:endParaRPr lang="ko-KR" altLang="en-US" spc="-300" dirty="0">
                 <a:solidFill>
@@ -3455,10 +3486,10 @@
         </p:nvGrpSpPr>
         <p:grpSpPr>
           <a:xfrm>
-            <a:off x="3204268" y="3447542"/>
-            <a:ext cx="1146468" cy="984885"/>
-            <a:chOff x="3011150" y="2869321"/>
-            <a:chExt cx="1146468" cy="984885"/>
+            <a:off x="3369606" y="3447542"/>
+            <a:ext cx="815791" cy="984885"/>
+            <a:chOff x="3176488" y="2869321"/>
+            <a:chExt cx="815791" cy="984885"/>
           </a:xfrm>
         </p:grpSpPr>
         <p:sp>
@@ -3469,8 +3500,8 @@
           </p:nvSpPr>
           <p:spPr>
             <a:xfrm>
-              <a:off x="3011150" y="2869321"/>
-              <a:ext cx="1146468" cy="984885"/>
+              <a:off x="3226310" y="2869321"/>
+              <a:ext cx="676788" cy="984885"/>
             </a:xfrm>
             <a:prstGeom prst="rect">
               <a:avLst/>
@@ -3505,12 +3536,20 @@
             <a:p>
               <a:pPr algn="ctr"/>
               <a:r>
+                <a:rPr lang="en-US" altLang="ko-KR" spc="-300" dirty="0" smtClean="0">
+                  <a:solidFill>
+                    <a:schemeClr val="bg1"/>
+                  </a:solidFill>
+                </a:rPr>
+                <a:t>2 </a:t>
+              </a:r>
+              <a:r>
                 <a:rPr lang="ko-KR" altLang="en-US" spc="-300" dirty="0" smtClean="0">
                   <a:solidFill>
                     <a:schemeClr val="bg1"/>
                   </a:solidFill>
                 </a:rPr>
-                <a:t>입력하세요</a:t>
+                <a:t>주 차</a:t>
               </a:r>
               <a:endParaRPr lang="ko-KR" altLang="en-US" spc="-300" dirty="0">
                 <a:solidFill>
@@ -3564,10 +3603,10 @@
         </p:nvGrpSpPr>
         <p:grpSpPr>
           <a:xfrm>
-            <a:off x="4916144" y="3447540"/>
-            <a:ext cx="1146468" cy="984885"/>
-            <a:chOff x="5008785" y="2869321"/>
-            <a:chExt cx="1146468" cy="984885"/>
+            <a:off x="5077514" y="3447540"/>
+            <a:ext cx="819759" cy="984885"/>
+            <a:chOff x="5170155" y="2869321"/>
+            <a:chExt cx="819759" cy="984885"/>
           </a:xfrm>
         </p:grpSpPr>
         <p:sp>
@@ -3578,8 +3617,8 @@
           </p:nvSpPr>
           <p:spPr>
             <a:xfrm>
-              <a:off x="5008785" y="2869321"/>
-              <a:ext cx="1146468" cy="984885"/>
+              <a:off x="5170155" y="2869321"/>
+              <a:ext cx="676787" cy="984885"/>
             </a:xfrm>
             <a:prstGeom prst="rect">
               <a:avLst/>
@@ -3614,12 +3653,20 @@
             <a:p>
               <a:pPr algn="ctr"/>
               <a:r>
+                <a:rPr lang="en-US" altLang="ko-KR" spc="-300" dirty="0" smtClean="0">
+                  <a:solidFill>
+                    <a:schemeClr val="bg1"/>
+                  </a:solidFill>
+                </a:rPr>
+                <a:t>3 </a:t>
+              </a:r>
+              <a:r>
                 <a:rPr lang="ko-KR" altLang="en-US" spc="-300" dirty="0" smtClean="0">
                   <a:solidFill>
                     <a:schemeClr val="bg1"/>
                   </a:solidFill>
                 </a:rPr>
-                <a:t>입력하세요</a:t>
+                <a:t>주 차</a:t>
               </a:r>
               <a:endParaRPr lang="ko-KR" altLang="en-US" spc="-300" dirty="0">
                 <a:solidFill>
@@ -3673,10 +3720,10 @@
         </p:nvGrpSpPr>
         <p:grpSpPr>
           <a:xfrm>
-            <a:off x="6628019" y="3447540"/>
-            <a:ext cx="1146468" cy="984885"/>
-            <a:chOff x="7006421" y="2869320"/>
-            <a:chExt cx="1146468" cy="984885"/>
+            <a:off x="6793357" y="3447540"/>
+            <a:ext cx="815791" cy="984885"/>
+            <a:chOff x="7171759" y="2869320"/>
+            <a:chExt cx="815791" cy="984885"/>
           </a:xfrm>
         </p:grpSpPr>
         <p:sp>
@@ -3687,8 +3734,8 @@
           </p:nvSpPr>
           <p:spPr>
             <a:xfrm>
-              <a:off x="7006421" y="2869320"/>
-              <a:ext cx="1146468" cy="984885"/>
+              <a:off x="7176756" y="2869320"/>
+              <a:ext cx="691215" cy="984885"/>
             </a:xfrm>
             <a:prstGeom prst="rect">
               <a:avLst/>
@@ -3707,12 +3754,12 @@
             <a:p>
               <a:pPr algn="ctr"/>
               <a:r>
-                <a:rPr lang="en-US" altLang="ko-KR" sz="4000" spc="-300" dirty="0">
+                <a:rPr lang="en-US" altLang="ko-KR" sz="4000" spc="-300" dirty="0" smtClean="0">
                   <a:solidFill>
                     <a:schemeClr val="bg1"/>
                   </a:solidFill>
                 </a:rPr>
-                <a:t>4</a:t>
+                <a:t>4 </a:t>
               </a:r>
               <a:endParaRPr lang="en-US" altLang="ko-KR" sz="4000" spc="-300" dirty="0" smtClean="0">
                 <a:solidFill>
@@ -3722,13 +3769,21 @@
             </a:p>
             <a:p>
               <a:pPr algn="ctr"/>
+              <a:r>
+                <a:rPr lang="en-US" altLang="ko-KR" spc="-300" dirty="0" smtClean="0">
+                  <a:solidFill>
+                    <a:schemeClr val="bg1"/>
+                  </a:solidFill>
+                </a:rPr>
+                <a:t> 4 </a:t>
+              </a:r>
               <a:r>
                 <a:rPr lang="ko-KR" altLang="en-US" spc="-300" dirty="0" smtClean="0">
                   <a:solidFill>
                     <a:schemeClr val="bg1"/>
                   </a:solidFill>
                 </a:rPr>
-                <a:t>입력하세요</a:t>
+                <a:t>주 차</a:t>
               </a:r>
               <a:endParaRPr lang="ko-KR" altLang="en-US" spc="-300" dirty="0">
                 <a:solidFill>
@@ -3823,7 +3878,7 @@
     </p:spTree>
     <p:extLst>
       <p:ext uri="{BB962C8B-B14F-4D97-AF65-F5344CB8AC3E}">
-        <p14:creationId xmlns:p14="http://schemas.microsoft.com/office/powerpoint/2010/main" val="2041094422"/>
+        <p14:creationId xmlns="" xmlns:p14="http://schemas.microsoft.com/office/powerpoint/2010/main" val="2041094422"/>
       </p:ext>
     </p:extLst>
   </p:cSld>
@@ -3953,6 +4008,913 @@
           </a:p>
         </p:txBody>
       </p:sp>
+      <p:sp>
+        <p:nvSpPr>
+          <p:cNvPr id="25" name="TextBox 24"/>
+          <p:cNvSpPr txBox="1"/>
+          <p:nvPr/>
+        </p:nvSpPr>
+        <p:spPr>
+          <a:xfrm>
+            <a:off x="1305382" y="3567758"/>
+            <a:ext cx="1454244" cy="369332"/>
+          </a:xfrm>
+          <a:prstGeom prst="rect">
+            <a:avLst/>
+          </a:prstGeom>
+          <a:noFill/>
+        </p:spPr>
+        <p:txBody>
+          <a:bodyPr wrap="none" rtlCol="0">
+            <a:spAutoFit/>
+            <a:scene3d>
+              <a:camera prst="obliqueTopLeft"/>
+              <a:lightRig rig="threePt" dir="t"/>
+            </a:scene3d>
+          </a:bodyPr>
+          <a:lstStyle/>
+          <a:p>
+            <a:pPr algn="ctr"/>
+            <a:r>
+              <a:rPr lang="ko-KR" altLang="en-US" spc="-150" dirty="0" smtClean="0">
+                <a:solidFill>
+                  <a:schemeClr val="bg1"/>
+                </a:solidFill>
+              </a:rPr>
+              <a:t>입력해주세요</a:t>
+            </a:r>
+            <a:endParaRPr lang="ko-KR" altLang="en-US" spc="-150" dirty="0">
+              <a:solidFill>
+                <a:schemeClr val="bg1"/>
+              </a:solidFill>
+            </a:endParaRPr>
+          </a:p>
+        </p:txBody>
+      </p:sp>
+      <p:sp>
+        <p:nvSpPr>
+          <p:cNvPr id="26" name="TextBox 25"/>
+          <p:cNvSpPr txBox="1"/>
+          <p:nvPr/>
+        </p:nvSpPr>
+        <p:spPr>
+          <a:xfrm>
+            <a:off x="1017026" y="4267774"/>
+            <a:ext cx="1989647" cy="954107"/>
+          </a:xfrm>
+          <a:prstGeom prst="rect">
+            <a:avLst/>
+          </a:prstGeom>
+          <a:noFill/>
+        </p:spPr>
+        <p:txBody>
+          <a:bodyPr wrap="none" rtlCol="0">
+            <a:spAutoFit/>
+            <a:scene3d>
+              <a:camera prst="obliqueTopLeft"/>
+              <a:lightRig rig="threePt" dir="t"/>
+            </a:scene3d>
+          </a:bodyPr>
+          <a:lstStyle/>
+          <a:p>
+            <a:pPr algn="ctr"/>
+            <a:r>
+              <a:rPr lang="ko-KR" altLang="en-US" sz="1400" spc="-150" dirty="0" smtClean="0">
+                <a:solidFill>
+                  <a:schemeClr val="bg1"/>
+                </a:solidFill>
+              </a:rPr>
+              <a:t>이곳에 설명을 적어주세요</a:t>
+            </a:r>
+            <a:endParaRPr lang="en-US" altLang="ko-KR" sz="1400" spc="-150" dirty="0" smtClean="0">
+              <a:solidFill>
+                <a:schemeClr val="bg1"/>
+              </a:solidFill>
+            </a:endParaRPr>
+          </a:p>
+          <a:p>
+            <a:pPr algn="ctr"/>
+            <a:r>
+              <a:rPr lang="ko-KR" altLang="en-US" sz="1400" spc="-150" dirty="0" smtClean="0">
+                <a:solidFill>
+                  <a:schemeClr val="bg1"/>
+                </a:solidFill>
+              </a:rPr>
+              <a:t>폰트는 </a:t>
+            </a:r>
+            <a:r>
+              <a:rPr lang="ko-KR" altLang="en-US" sz="1400" spc="-150" dirty="0" err="1" smtClean="0">
+                <a:solidFill>
+                  <a:schemeClr val="bg1"/>
+                </a:solidFill>
+              </a:rPr>
+              <a:t>맑은고딕</a:t>
+            </a:r>
+            <a:r>
+              <a:rPr lang="ko-KR" altLang="en-US" sz="1400" spc="-150" dirty="0" smtClean="0">
+                <a:solidFill>
+                  <a:schemeClr val="bg1"/>
+                </a:solidFill>
+              </a:rPr>
+              <a:t> 폰트에 </a:t>
+            </a:r>
+            <a:endParaRPr lang="en-US" altLang="ko-KR" sz="1400" spc="-150" dirty="0" smtClean="0">
+              <a:solidFill>
+                <a:schemeClr val="bg1"/>
+              </a:solidFill>
+            </a:endParaRPr>
+          </a:p>
+          <a:p>
+            <a:pPr algn="ctr"/>
+            <a:r>
+              <a:rPr lang="ko-KR" altLang="en-US" sz="1400" spc="-150" dirty="0" smtClean="0">
+                <a:solidFill>
+                  <a:schemeClr val="bg1"/>
+                </a:solidFill>
+              </a:rPr>
+              <a:t>글자 간격을</a:t>
+            </a:r>
+            <a:endParaRPr lang="en-US" altLang="ko-KR" sz="1400" spc="-150" dirty="0" smtClean="0">
+              <a:solidFill>
+                <a:schemeClr val="bg1"/>
+              </a:solidFill>
+            </a:endParaRPr>
+          </a:p>
+          <a:p>
+            <a:pPr algn="ctr"/>
+            <a:r>
+              <a:rPr lang="en-US" altLang="ko-KR" sz="1400" spc="-150" dirty="0" smtClean="0">
+                <a:solidFill>
+                  <a:schemeClr val="bg1"/>
+                </a:solidFill>
+              </a:rPr>
+              <a:t>‘</a:t>
+            </a:r>
+            <a:r>
+              <a:rPr lang="ko-KR" altLang="en-US" sz="1400" spc="-150" dirty="0" smtClean="0">
+                <a:solidFill>
+                  <a:schemeClr val="bg1"/>
+                </a:solidFill>
+              </a:rPr>
+              <a:t>좁음</a:t>
+            </a:r>
+            <a:r>
+              <a:rPr lang="en-US" altLang="ko-KR" sz="1400" spc="-150" dirty="0" smtClean="0">
+                <a:solidFill>
+                  <a:schemeClr val="bg1"/>
+                </a:solidFill>
+              </a:rPr>
+              <a:t>’ </a:t>
+            </a:r>
+            <a:r>
+              <a:rPr lang="ko-KR" altLang="en-US" sz="1400" spc="-150" dirty="0" smtClean="0">
+                <a:solidFill>
+                  <a:schemeClr val="bg1"/>
+                </a:solidFill>
+              </a:rPr>
+              <a:t>으로 설정했어요</a:t>
+            </a:r>
+            <a:endParaRPr lang="ko-KR" altLang="en-US" sz="1400" spc="-150" dirty="0">
+              <a:solidFill>
+                <a:schemeClr val="bg1"/>
+              </a:solidFill>
+            </a:endParaRPr>
+          </a:p>
+        </p:txBody>
+      </p:sp>
+      <p:pic>
+        <p:nvPicPr>
+          <p:cNvPr id="7" name="그림 6"/>
+          <p:cNvPicPr>
+            <a:picLocks noChangeAspect="1"/>
+          </p:cNvPicPr>
+          <p:nvPr/>
+        </p:nvPicPr>
+        <p:blipFill>
+          <a:blip r:embed="rId2" cstate="print">
+            <a:extLst>
+              <a:ext uri="{28A0092B-C50C-407E-A947-70E740481C1C}">
+                <a14:useLocalDpi xmlns="" xmlns:a14="http://schemas.microsoft.com/office/drawing/2010/main" val="0"/>
+              </a:ext>
+            </a:extLst>
+          </a:blip>
+          <a:stretch>
+            <a:fillRect/>
+          </a:stretch>
+        </p:blipFill>
+        <p:spPr>
+          <a:xfrm>
+            <a:off x="6726887" y="2208464"/>
+            <a:ext cx="919775" cy="919775"/>
+          </a:xfrm>
+          <a:prstGeom prst="rect">
+            <a:avLst/>
+          </a:prstGeom>
+        </p:spPr>
+      </p:pic>
+      <p:pic>
+        <p:nvPicPr>
+          <p:cNvPr id="8" name="그림 7"/>
+          <p:cNvPicPr>
+            <a:picLocks noChangeAspect="1"/>
+          </p:cNvPicPr>
+          <p:nvPr/>
+        </p:nvPicPr>
+        <p:blipFill>
+          <a:blip r:embed="rId3" cstate="print">
+            <a:extLst>
+              <a:ext uri="{28A0092B-C50C-407E-A947-70E740481C1C}">
+                <a14:useLocalDpi xmlns="" xmlns:a14="http://schemas.microsoft.com/office/drawing/2010/main" val="0"/>
+              </a:ext>
+            </a:extLst>
+          </a:blip>
+          <a:stretch>
+            <a:fillRect/>
+          </a:stretch>
+        </p:blipFill>
+        <p:spPr>
+          <a:xfrm>
+            <a:off x="4175854" y="2290496"/>
+            <a:ext cx="837743" cy="837743"/>
+          </a:xfrm>
+          <a:prstGeom prst="rect">
+            <a:avLst/>
+          </a:prstGeom>
+        </p:spPr>
+      </p:pic>
+      <p:pic>
+        <p:nvPicPr>
+          <p:cNvPr id="27" name="그림 26"/>
+          <p:cNvPicPr>
+            <a:picLocks noChangeAspect="1"/>
+          </p:cNvPicPr>
+          <p:nvPr/>
+        </p:nvPicPr>
+        <p:blipFill>
+          <a:blip r:embed="rId4" cstate="print">
+            <a:lum bright="98000"/>
+            <a:extLst>
+              <a:ext uri="{28A0092B-C50C-407E-A947-70E740481C1C}">
+                <a14:useLocalDpi xmlns="" xmlns:a14="http://schemas.microsoft.com/office/drawing/2010/main" val="0"/>
+              </a:ext>
+            </a:extLst>
+          </a:blip>
+          <a:stretch>
+            <a:fillRect/>
+          </a:stretch>
+        </p:blipFill>
+        <p:spPr>
+          <a:xfrm>
+            <a:off x="1561136" y="2258653"/>
+            <a:ext cx="901429" cy="901429"/>
+          </a:xfrm>
+          <a:prstGeom prst="rect">
+            <a:avLst/>
+          </a:prstGeom>
+        </p:spPr>
+      </p:pic>
+      <p:sp>
+        <p:nvSpPr>
+          <p:cNvPr id="28" name="TextBox 27"/>
+          <p:cNvSpPr txBox="1"/>
+          <p:nvPr/>
+        </p:nvSpPr>
+        <p:spPr>
+          <a:xfrm>
+            <a:off x="3871545" y="3567758"/>
+            <a:ext cx="1454244" cy="369332"/>
+          </a:xfrm>
+          <a:prstGeom prst="rect">
+            <a:avLst/>
+          </a:prstGeom>
+          <a:noFill/>
+        </p:spPr>
+        <p:txBody>
+          <a:bodyPr wrap="none" rtlCol="0">
+            <a:spAutoFit/>
+            <a:scene3d>
+              <a:camera prst="obliqueTopLeft"/>
+              <a:lightRig rig="threePt" dir="t"/>
+            </a:scene3d>
+          </a:bodyPr>
+          <a:lstStyle/>
+          <a:p>
+            <a:pPr algn="ctr"/>
+            <a:r>
+              <a:rPr lang="ko-KR" altLang="en-US" spc="-150" dirty="0" smtClean="0">
+                <a:solidFill>
+                  <a:schemeClr val="bg1"/>
+                </a:solidFill>
+              </a:rPr>
+              <a:t>입력해주세요</a:t>
+            </a:r>
+            <a:endParaRPr lang="ko-KR" altLang="en-US" spc="-150" dirty="0">
+              <a:solidFill>
+                <a:schemeClr val="bg1"/>
+              </a:solidFill>
+            </a:endParaRPr>
+          </a:p>
+        </p:txBody>
+      </p:sp>
+      <p:sp>
+        <p:nvSpPr>
+          <p:cNvPr id="29" name="TextBox 28"/>
+          <p:cNvSpPr txBox="1"/>
+          <p:nvPr/>
+        </p:nvSpPr>
+        <p:spPr>
+          <a:xfrm>
+            <a:off x="3503038" y="4375350"/>
+            <a:ext cx="2149948" cy="738664"/>
+          </a:xfrm>
+          <a:prstGeom prst="rect">
+            <a:avLst/>
+          </a:prstGeom>
+          <a:noFill/>
+        </p:spPr>
+        <p:txBody>
+          <a:bodyPr wrap="none" rtlCol="0">
+            <a:spAutoFit/>
+            <a:scene3d>
+              <a:camera prst="obliqueTopLeft"/>
+              <a:lightRig rig="threePt" dir="t"/>
+            </a:scene3d>
+          </a:bodyPr>
+          <a:lstStyle/>
+          <a:p>
+            <a:pPr algn="ctr"/>
+            <a:r>
+              <a:rPr lang="ko-KR" altLang="en-US" sz="1400" spc="-150" dirty="0" smtClean="0">
+                <a:solidFill>
+                  <a:schemeClr val="bg1"/>
+                </a:solidFill>
+              </a:rPr>
+              <a:t>아이콘은 주제에 맞는</a:t>
+            </a:r>
+            <a:endParaRPr lang="en-US" altLang="ko-KR" sz="1400" spc="-150" dirty="0" smtClean="0">
+              <a:solidFill>
+                <a:schemeClr val="bg1"/>
+              </a:solidFill>
+            </a:endParaRPr>
+          </a:p>
+          <a:p>
+            <a:pPr algn="ctr"/>
+            <a:r>
+              <a:rPr lang="ko-KR" altLang="en-US" sz="1400" spc="-150" dirty="0" smtClean="0">
+                <a:solidFill>
+                  <a:schemeClr val="bg1"/>
+                </a:solidFill>
+              </a:rPr>
+              <a:t>아이콘을 갖다가 붙여주세요</a:t>
+            </a:r>
+            <a:endParaRPr lang="en-US" altLang="ko-KR" sz="1400" spc="-150" dirty="0" smtClean="0">
+              <a:solidFill>
+                <a:schemeClr val="bg1"/>
+              </a:solidFill>
+            </a:endParaRPr>
+          </a:p>
+          <a:p>
+            <a:pPr algn="ctr"/>
+            <a:r>
+              <a:rPr lang="ko-KR" altLang="en-US" sz="1400" spc="-150" dirty="0" smtClean="0">
+                <a:solidFill>
+                  <a:schemeClr val="bg1"/>
+                </a:solidFill>
+              </a:rPr>
+              <a:t>위에 아이콘은 예시입니다</a:t>
+            </a:r>
+            <a:endParaRPr lang="ko-KR" altLang="en-US" sz="1400" spc="-150" dirty="0">
+              <a:solidFill>
+                <a:schemeClr val="bg1"/>
+              </a:solidFill>
+            </a:endParaRPr>
+          </a:p>
+        </p:txBody>
+      </p:sp>
+      <p:sp>
+        <p:nvSpPr>
+          <p:cNvPr id="30" name="TextBox 29"/>
+          <p:cNvSpPr txBox="1"/>
+          <p:nvPr/>
+        </p:nvSpPr>
+        <p:spPr>
+          <a:xfrm>
+            <a:off x="6437708" y="3567758"/>
+            <a:ext cx="1454244" cy="369332"/>
+          </a:xfrm>
+          <a:prstGeom prst="rect">
+            <a:avLst/>
+          </a:prstGeom>
+          <a:noFill/>
+        </p:spPr>
+        <p:txBody>
+          <a:bodyPr wrap="none" rtlCol="0">
+            <a:spAutoFit/>
+            <a:scene3d>
+              <a:camera prst="obliqueTopLeft"/>
+              <a:lightRig rig="threePt" dir="t"/>
+            </a:scene3d>
+          </a:bodyPr>
+          <a:lstStyle/>
+          <a:p>
+            <a:pPr algn="ctr"/>
+            <a:r>
+              <a:rPr lang="ko-KR" altLang="en-US" spc="-150" dirty="0" smtClean="0">
+                <a:solidFill>
+                  <a:schemeClr val="bg1"/>
+                </a:solidFill>
+              </a:rPr>
+              <a:t>입력해주세요</a:t>
+            </a:r>
+            <a:endParaRPr lang="ko-KR" altLang="en-US" spc="-150" dirty="0">
+              <a:solidFill>
+                <a:schemeClr val="bg1"/>
+              </a:solidFill>
+            </a:endParaRPr>
+          </a:p>
+        </p:txBody>
+      </p:sp>
+      <p:sp>
+        <p:nvSpPr>
+          <p:cNvPr id="31" name="TextBox 30"/>
+          <p:cNvSpPr txBox="1"/>
+          <p:nvPr/>
+        </p:nvSpPr>
+        <p:spPr>
+          <a:xfrm>
+            <a:off x="6149352" y="4267774"/>
+            <a:ext cx="1989647" cy="954107"/>
+          </a:xfrm>
+          <a:prstGeom prst="rect">
+            <a:avLst/>
+          </a:prstGeom>
+          <a:noFill/>
+        </p:spPr>
+        <p:txBody>
+          <a:bodyPr wrap="none" rtlCol="0">
+            <a:spAutoFit/>
+            <a:scene3d>
+              <a:camera prst="obliqueTopLeft"/>
+              <a:lightRig rig="threePt" dir="t"/>
+            </a:scene3d>
+          </a:bodyPr>
+          <a:lstStyle/>
+          <a:p>
+            <a:pPr algn="ctr"/>
+            <a:r>
+              <a:rPr lang="ko-KR" altLang="en-US" sz="1400" spc="-150" dirty="0" smtClean="0">
+                <a:solidFill>
+                  <a:schemeClr val="bg1"/>
+                </a:solidFill>
+              </a:rPr>
+              <a:t>이곳에 설명을 적어주세요</a:t>
+            </a:r>
+            <a:endParaRPr lang="en-US" altLang="ko-KR" sz="1400" spc="-150" dirty="0" smtClean="0">
+              <a:solidFill>
+                <a:schemeClr val="bg1"/>
+              </a:solidFill>
+            </a:endParaRPr>
+          </a:p>
+          <a:p>
+            <a:pPr algn="ctr"/>
+            <a:r>
+              <a:rPr lang="ko-KR" altLang="en-US" sz="1400" spc="-150" dirty="0" smtClean="0">
+                <a:solidFill>
+                  <a:schemeClr val="bg1"/>
+                </a:solidFill>
+              </a:rPr>
+              <a:t>폰트는 </a:t>
+            </a:r>
+            <a:r>
+              <a:rPr lang="ko-KR" altLang="en-US" sz="1400" spc="-150" dirty="0" err="1" smtClean="0">
+                <a:solidFill>
+                  <a:schemeClr val="bg1"/>
+                </a:solidFill>
+              </a:rPr>
+              <a:t>맑은고딕</a:t>
+            </a:r>
+            <a:r>
+              <a:rPr lang="ko-KR" altLang="en-US" sz="1400" spc="-150" dirty="0" smtClean="0">
+                <a:solidFill>
+                  <a:schemeClr val="bg1"/>
+                </a:solidFill>
+              </a:rPr>
+              <a:t> 폰트에 </a:t>
+            </a:r>
+            <a:endParaRPr lang="en-US" altLang="ko-KR" sz="1400" spc="-150" dirty="0" smtClean="0">
+              <a:solidFill>
+                <a:schemeClr val="bg1"/>
+              </a:solidFill>
+            </a:endParaRPr>
+          </a:p>
+          <a:p>
+            <a:pPr algn="ctr"/>
+            <a:r>
+              <a:rPr lang="ko-KR" altLang="en-US" sz="1400" spc="-150" dirty="0" smtClean="0">
+                <a:solidFill>
+                  <a:schemeClr val="bg1"/>
+                </a:solidFill>
+              </a:rPr>
+              <a:t>글자 간격을</a:t>
+            </a:r>
+            <a:endParaRPr lang="en-US" altLang="ko-KR" sz="1400" spc="-150" dirty="0" smtClean="0">
+              <a:solidFill>
+                <a:schemeClr val="bg1"/>
+              </a:solidFill>
+            </a:endParaRPr>
+          </a:p>
+          <a:p>
+            <a:pPr algn="ctr"/>
+            <a:r>
+              <a:rPr lang="en-US" altLang="ko-KR" sz="1400" spc="-150" dirty="0" smtClean="0">
+                <a:solidFill>
+                  <a:schemeClr val="bg1"/>
+                </a:solidFill>
+              </a:rPr>
+              <a:t>‘</a:t>
+            </a:r>
+            <a:r>
+              <a:rPr lang="ko-KR" altLang="en-US" sz="1400" spc="-150" dirty="0" smtClean="0">
+                <a:solidFill>
+                  <a:schemeClr val="bg1"/>
+                </a:solidFill>
+              </a:rPr>
+              <a:t>좁음</a:t>
+            </a:r>
+            <a:r>
+              <a:rPr lang="en-US" altLang="ko-KR" sz="1400" spc="-150" dirty="0" smtClean="0">
+                <a:solidFill>
+                  <a:schemeClr val="bg1"/>
+                </a:solidFill>
+              </a:rPr>
+              <a:t>’ </a:t>
+            </a:r>
+            <a:r>
+              <a:rPr lang="ko-KR" altLang="en-US" sz="1400" spc="-150" dirty="0" smtClean="0">
+                <a:solidFill>
+                  <a:schemeClr val="bg1"/>
+                </a:solidFill>
+              </a:rPr>
+              <a:t>으로 설정했어요</a:t>
+            </a:r>
+            <a:endParaRPr lang="ko-KR" altLang="en-US" sz="1400" spc="-150" dirty="0">
+              <a:solidFill>
+                <a:schemeClr val="bg1"/>
+              </a:solidFill>
+            </a:endParaRPr>
+          </a:p>
+        </p:txBody>
+      </p:sp>
+      <p:cxnSp>
+        <p:nvCxnSpPr>
+          <p:cNvPr id="33" name="직선 연결선 32"/>
+          <p:cNvCxnSpPr/>
+          <p:nvPr/>
+        </p:nvCxnSpPr>
+        <p:spPr>
+          <a:xfrm>
+            <a:off x="1129553" y="4101353"/>
+            <a:ext cx="1761565" cy="0"/>
+          </a:xfrm>
+          <a:prstGeom prst="line">
+            <a:avLst/>
+          </a:prstGeom>
+          <a:ln>
+            <a:solidFill>
+              <a:schemeClr val="bg1"/>
+            </a:solidFill>
+          </a:ln>
+        </p:spPr>
+        <p:style>
+          <a:lnRef idx="1">
+            <a:schemeClr val="accent1"/>
+          </a:lnRef>
+          <a:fillRef idx="0">
+            <a:schemeClr val="accent1"/>
+          </a:fillRef>
+          <a:effectRef idx="0">
+            <a:schemeClr val="accent1"/>
+          </a:effectRef>
+          <a:fontRef idx="minor">
+            <a:schemeClr val="tx1"/>
+          </a:fontRef>
+        </p:style>
+      </p:cxnSp>
+      <p:cxnSp>
+        <p:nvCxnSpPr>
+          <p:cNvPr id="34" name="직선 연결선 33"/>
+          <p:cNvCxnSpPr/>
+          <p:nvPr/>
+        </p:nvCxnSpPr>
+        <p:spPr>
+          <a:xfrm>
+            <a:off x="3742765" y="4101353"/>
+            <a:ext cx="1761565" cy="0"/>
+          </a:xfrm>
+          <a:prstGeom prst="line">
+            <a:avLst/>
+          </a:prstGeom>
+          <a:ln>
+            <a:solidFill>
+              <a:schemeClr val="bg1"/>
+            </a:solidFill>
+          </a:ln>
+        </p:spPr>
+        <p:style>
+          <a:lnRef idx="1">
+            <a:schemeClr val="accent1"/>
+          </a:lnRef>
+          <a:fillRef idx="0">
+            <a:schemeClr val="accent1"/>
+          </a:fillRef>
+          <a:effectRef idx="0">
+            <a:schemeClr val="accent1"/>
+          </a:effectRef>
+          <a:fontRef idx="minor">
+            <a:schemeClr val="tx1"/>
+          </a:fontRef>
+        </p:style>
+      </p:cxnSp>
+      <p:cxnSp>
+        <p:nvCxnSpPr>
+          <p:cNvPr id="35" name="직선 연결선 34"/>
+          <p:cNvCxnSpPr/>
+          <p:nvPr/>
+        </p:nvCxnSpPr>
+        <p:spPr>
+          <a:xfrm>
+            <a:off x="6248401" y="4101353"/>
+            <a:ext cx="1761565" cy="0"/>
+          </a:xfrm>
+          <a:prstGeom prst="line">
+            <a:avLst/>
+          </a:prstGeom>
+          <a:ln>
+            <a:solidFill>
+              <a:schemeClr val="bg1"/>
+            </a:solidFill>
+          </a:ln>
+        </p:spPr>
+        <p:style>
+          <a:lnRef idx="1">
+            <a:schemeClr val="accent1"/>
+          </a:lnRef>
+          <a:fillRef idx="0">
+            <a:schemeClr val="accent1"/>
+          </a:fillRef>
+          <a:effectRef idx="0">
+            <a:schemeClr val="accent1"/>
+          </a:effectRef>
+          <a:fontRef idx="minor">
+            <a:schemeClr val="tx1"/>
+          </a:fontRef>
+        </p:style>
+      </p:cxnSp>
+      <p:grpSp>
+        <p:nvGrpSpPr>
+          <p:cNvPr id="20" name="그룹 19"/>
+          <p:cNvGrpSpPr/>
+          <p:nvPr/>
+        </p:nvGrpSpPr>
+        <p:grpSpPr>
+          <a:xfrm>
+            <a:off x="330955" y="318858"/>
+            <a:ext cx="815791" cy="984885"/>
+            <a:chOff x="1178854" y="2869322"/>
+            <a:chExt cx="815791" cy="984885"/>
+          </a:xfrm>
+        </p:grpSpPr>
+        <p:sp>
+          <p:nvSpPr>
+            <p:cNvPr id="24" name="TextBox 23"/>
+            <p:cNvSpPr txBox="1"/>
+            <p:nvPr/>
+          </p:nvSpPr>
+          <p:spPr>
+            <a:xfrm>
+              <a:off x="1201780" y="2869322"/>
+              <a:ext cx="676788" cy="984885"/>
+            </a:xfrm>
+            <a:prstGeom prst="rect">
+              <a:avLst/>
+            </a:prstGeom>
+            <a:noFill/>
+          </p:spPr>
+          <p:txBody>
+            <a:bodyPr wrap="none" rtlCol="0">
+              <a:spAutoFit/>
+              <a:scene3d>
+                <a:camera prst="obliqueTopLeft"/>
+                <a:lightRig rig="threePt" dir="t"/>
+              </a:scene3d>
+            </a:bodyPr>
+            <a:lstStyle/>
+            <a:p>
+              <a:pPr algn="ctr"/>
+              <a:r>
+                <a:rPr lang="en-US" altLang="ko-KR" sz="4000" spc="-300" dirty="0" smtClean="0">
+                  <a:solidFill>
+                    <a:schemeClr val="bg1"/>
+                  </a:solidFill>
+                </a:rPr>
+                <a:t>1</a:t>
+              </a:r>
+            </a:p>
+            <a:p>
+              <a:pPr algn="ctr"/>
+              <a:r>
+                <a:rPr lang="en-US" altLang="ko-KR" spc="-300" dirty="0" smtClean="0">
+                  <a:solidFill>
+                    <a:schemeClr val="bg1"/>
+                  </a:solidFill>
+                </a:rPr>
+                <a:t>1 </a:t>
+              </a:r>
+              <a:r>
+                <a:rPr lang="ko-KR" altLang="en-US" spc="-300" dirty="0" smtClean="0">
+                  <a:solidFill>
+                    <a:schemeClr val="bg1"/>
+                  </a:solidFill>
+                </a:rPr>
+                <a:t>주 차</a:t>
+              </a:r>
+              <a:endParaRPr lang="ko-KR" altLang="en-US" spc="-300" dirty="0">
+                <a:solidFill>
+                  <a:schemeClr val="bg1"/>
+                </a:solidFill>
+              </a:endParaRPr>
+            </a:p>
+          </p:txBody>
+        </p:sp>
+        <p:cxnSp>
+          <p:nvCxnSpPr>
+            <p:cNvPr id="32" name="직선 연결선 31"/>
+            <p:cNvCxnSpPr/>
+            <p:nvPr/>
+          </p:nvCxnSpPr>
+          <p:spPr>
+            <a:xfrm>
+              <a:off x="1178854" y="3455890"/>
+              <a:ext cx="815791" cy="0"/>
+            </a:xfrm>
+            <a:prstGeom prst="line">
+              <a:avLst/>
+            </a:prstGeom>
+            <a:ln>
+              <a:solidFill>
+                <a:schemeClr val="bg1"/>
+              </a:solidFill>
+            </a:ln>
+          </p:spPr>
+          <p:style>
+            <a:lnRef idx="1">
+              <a:schemeClr val="accent1"/>
+            </a:lnRef>
+            <a:fillRef idx="0">
+              <a:schemeClr val="accent1"/>
+            </a:fillRef>
+            <a:effectRef idx="0">
+              <a:schemeClr val="accent1"/>
+            </a:effectRef>
+            <a:fontRef idx="minor">
+              <a:schemeClr val="tx1"/>
+            </a:fontRef>
+          </p:style>
+        </p:cxnSp>
+      </p:grpSp>
+    </p:spTree>
+    <p:extLst>
+      <p:ext uri="{BB962C8B-B14F-4D97-AF65-F5344CB8AC3E}">
+        <p14:creationId xmlns="" xmlns:p14="http://schemas.microsoft.com/office/powerpoint/2010/main" val="1163478258"/>
+      </p:ext>
+    </p:extLst>
+  </p:cSld>
+  <p:clrMapOvr>
+    <a:masterClrMapping/>
+  </p:clrMapOvr>
+  <p:timing>
+    <p:tnLst>
+      <p:par>
+        <p:cTn id="1" dur="indefinite" restart="never" nodeType="tmRoot"/>
+      </p:par>
+    </p:tnLst>
+  </p:timing>
+</p:sld>
+</file>
+
+<file path=ppt/slides/slide4.xml><?xml version="1.0" encoding="utf-8"?>
+<p:sld xmlns:a="http://schemas.openxmlformats.org/drawingml/2006/main" xmlns:r="http://schemas.openxmlformats.org/officeDocument/2006/relationships" xmlns:p="http://schemas.openxmlformats.org/presentationml/2006/main">
+  <p:cSld>
+    <p:spTree>
+      <p:nvGrpSpPr>
+        <p:cNvPr id="1" name=""/>
+        <p:cNvGrpSpPr/>
+        <p:nvPr/>
+      </p:nvGrpSpPr>
+      <p:grpSpPr>
+        <a:xfrm>
+          <a:off x="0" y="0"/>
+          <a:ext cx="0" cy="0"/>
+          <a:chOff x="0" y="0"/>
+          <a:chExt cx="0" cy="0"/>
+        </a:xfrm>
+      </p:grpSpPr>
+      <p:sp>
+        <p:nvSpPr>
+          <p:cNvPr id="6" name="직사각형 5"/>
+          <p:cNvSpPr/>
+          <p:nvPr/>
+        </p:nvSpPr>
+        <p:spPr>
+          <a:xfrm>
+            <a:off x="-6" y="0"/>
+            <a:ext cx="9144000" cy="6858000"/>
+          </a:xfrm>
+          <a:prstGeom prst="rect">
+            <a:avLst/>
+          </a:prstGeom>
+          <a:solidFill>
+            <a:schemeClr val="tx1">
+              <a:alpha val="13000"/>
+            </a:schemeClr>
+          </a:solidFill>
+          <a:ln>
+            <a:noFill/>
+          </a:ln>
+        </p:spPr>
+        <p:style>
+          <a:lnRef idx="2">
+            <a:schemeClr val="accent1">
+              <a:shade val="50000"/>
+            </a:schemeClr>
+          </a:lnRef>
+          <a:fillRef idx="1">
+            <a:schemeClr val="accent1"/>
+          </a:fillRef>
+          <a:effectRef idx="0">
+            <a:schemeClr val="accent1"/>
+          </a:effectRef>
+          <a:fontRef idx="minor">
+            <a:schemeClr val="lt1"/>
+          </a:fontRef>
+        </p:style>
+        <p:txBody>
+          <a:bodyPr rtlCol="0" anchor="ctr"/>
+          <a:lstStyle/>
+          <a:p>
+            <a:pPr algn="ctr"/>
+            <a:endParaRPr lang="ko-KR" altLang="en-US"/>
+          </a:p>
+        </p:txBody>
+      </p:sp>
+      <p:sp>
+        <p:nvSpPr>
+          <p:cNvPr id="16" name="직사각형 15"/>
+          <p:cNvSpPr/>
+          <p:nvPr/>
+        </p:nvSpPr>
+        <p:spPr>
+          <a:xfrm>
+            <a:off x="174813" y="161365"/>
+            <a:ext cx="8794375" cy="6535269"/>
+          </a:xfrm>
+          <a:prstGeom prst="rect">
+            <a:avLst/>
+          </a:prstGeom>
+          <a:solidFill>
+            <a:schemeClr val="tx1">
+              <a:alpha val="65000"/>
+            </a:schemeClr>
+          </a:solidFill>
+          <a:ln w="28575">
+            <a:noFill/>
+          </a:ln>
+        </p:spPr>
+        <p:style>
+          <a:lnRef idx="2">
+            <a:schemeClr val="accent1">
+              <a:shade val="50000"/>
+            </a:schemeClr>
+          </a:lnRef>
+          <a:fillRef idx="1">
+            <a:schemeClr val="accent1"/>
+          </a:fillRef>
+          <a:effectRef idx="0">
+            <a:schemeClr val="accent1"/>
+          </a:effectRef>
+          <a:fontRef idx="minor">
+            <a:schemeClr val="lt1"/>
+          </a:fontRef>
+        </p:style>
+        <p:txBody>
+          <a:bodyPr rtlCol="0" anchor="ctr"/>
+          <a:lstStyle/>
+          <a:p>
+            <a:pPr algn="ctr"/>
+            <a:endParaRPr lang="ko-KR" altLang="en-US"/>
+          </a:p>
+        </p:txBody>
+      </p:sp>
       <p:grpSp>
         <p:nvGrpSpPr>
           <p:cNvPr id="21" name="그룹 20"/>
@@ -3995,13 +4957,18 @@
             <a:p>
               <a:pPr algn="ctr"/>
               <a:r>
-                <a:rPr lang="en-US" altLang="ko-KR" sz="4000" spc="-300" dirty="0" smtClean="0">
+                <a:rPr lang="en-US" altLang="ko-KR" sz="4000" spc="-300" dirty="0">
                   <a:solidFill>
                     <a:schemeClr val="bg1"/>
                   </a:solidFill>
                 </a:rPr>
-                <a:t>1</a:t>
+                <a:t>2</a:t>
               </a:r>
+              <a:endParaRPr lang="en-US" altLang="ko-KR" sz="4000" spc="-300" dirty="0" smtClean="0">
+                <a:solidFill>
+                  <a:schemeClr val="bg1"/>
+                </a:solidFill>
+              </a:endParaRPr>
             </a:p>
             <a:p>
               <a:pPr algn="ctr"/>
@@ -4059,14 +5026,14 @@
       </p:grpSp>
       <p:sp>
         <p:nvSpPr>
-          <p:cNvPr id="25" name="TextBox 24"/>
+          <p:cNvPr id="29" name="TextBox 28"/>
           <p:cNvSpPr txBox="1"/>
           <p:nvPr/>
         </p:nvSpPr>
         <p:spPr>
           <a:xfrm>
-            <a:off x="1305382" y="3567758"/>
-            <a:ext cx="1454244" cy="369332"/>
+            <a:off x="1275882" y="3377526"/>
+            <a:ext cx="1327608" cy="338554"/>
           </a:xfrm>
           <a:prstGeom prst="rect">
             <a:avLst/>
@@ -4085,14 +5052,14 @@
           <a:p>
             <a:pPr algn="ctr"/>
             <a:r>
-              <a:rPr lang="ko-KR" altLang="en-US" spc="-150" dirty="0" smtClean="0">
+              <a:rPr lang="ko-KR" altLang="en-US" sz="1600" spc="-150" dirty="0" smtClean="0">
                 <a:solidFill>
                   <a:schemeClr val="bg1"/>
                 </a:solidFill>
               </a:rPr>
-              <a:t>입력해주세요</a:t>
-            </a:r>
-            <a:endParaRPr lang="ko-KR" altLang="en-US" spc="-150" dirty="0">
+              <a:t>입력해 주세요</a:t>
+            </a:r>
+            <a:endParaRPr lang="ko-KR" altLang="en-US" sz="1600" spc="-150" dirty="0">
               <a:solidFill>
                 <a:schemeClr val="bg1"/>
               </a:solidFill>
@@ -4102,14 +5069,14 @@
       </p:sp>
       <p:sp>
         <p:nvSpPr>
-          <p:cNvPr id="26" name="TextBox 25"/>
+          <p:cNvPr id="57" name="TextBox 56"/>
           <p:cNvSpPr txBox="1"/>
           <p:nvPr/>
         </p:nvSpPr>
         <p:spPr>
           <a:xfrm>
-            <a:off x="1017026" y="4267774"/>
-            <a:ext cx="1989647" cy="954107"/>
+            <a:off x="720922" y="3162795"/>
+            <a:ext cx="554960" cy="1015663"/>
           </a:xfrm>
           <a:prstGeom prst="rect">
             <a:avLst/>
@@ -4128,210 +5095,31 @@
           <a:p>
             <a:pPr algn="ctr"/>
             <a:r>
-              <a:rPr lang="ko-KR" altLang="en-US" sz="1400" spc="-150" dirty="0" smtClean="0">
+              <a:rPr lang="en-US" altLang="ko-KR" sz="6000" spc="-150" dirty="0" smtClean="0">
                 <a:solidFill>
                   <a:schemeClr val="bg1"/>
                 </a:solidFill>
               </a:rPr>
-              <a:t>이곳에 설명을 적어주세요</a:t>
-            </a:r>
-            <a:endParaRPr lang="en-US" altLang="ko-KR" sz="1400" spc="-150" dirty="0" smtClean="0">
+              <a:t>1</a:t>
+            </a:r>
+            <a:endParaRPr lang="ko-KR" altLang="en-US" sz="6000" spc="-150" dirty="0">
               <a:solidFill>
                 <a:schemeClr val="bg1"/>
               </a:solidFill>
             </a:endParaRPr>
           </a:p>
-          <a:p>
-            <a:pPr algn="ctr"/>
-            <a:r>
-              <a:rPr lang="ko-KR" altLang="en-US" sz="1400" spc="-150" dirty="0" smtClean="0">
-                <a:solidFill>
-                  <a:schemeClr val="bg1"/>
-                </a:solidFill>
-              </a:rPr>
-              <a:t>폰트는 </a:t>
-            </a:r>
-            <a:r>
-              <a:rPr lang="ko-KR" altLang="en-US" sz="1400" spc="-150" dirty="0" err="1" smtClean="0">
-                <a:solidFill>
-                  <a:schemeClr val="bg1"/>
-                </a:solidFill>
-              </a:rPr>
-              <a:t>맑은고딕</a:t>
-            </a:r>
-            <a:r>
-              <a:rPr lang="ko-KR" altLang="en-US" sz="1400" spc="-150" dirty="0" smtClean="0">
-                <a:solidFill>
-                  <a:schemeClr val="bg1"/>
-                </a:solidFill>
-              </a:rPr>
-              <a:t> 폰트에 </a:t>
-            </a:r>
-            <a:endParaRPr lang="en-US" altLang="ko-KR" sz="1400" spc="-150" dirty="0" smtClean="0">
-              <a:solidFill>
-                <a:schemeClr val="bg1"/>
-              </a:solidFill>
-            </a:endParaRPr>
-          </a:p>
-          <a:p>
-            <a:pPr algn="ctr"/>
-            <a:r>
-              <a:rPr lang="ko-KR" altLang="en-US" sz="1400" spc="-150" dirty="0" smtClean="0">
-                <a:solidFill>
-                  <a:schemeClr val="bg1"/>
-                </a:solidFill>
-              </a:rPr>
-              <a:t>글자 간격을</a:t>
-            </a:r>
-            <a:endParaRPr lang="en-US" altLang="ko-KR" sz="1400" spc="-150" dirty="0" smtClean="0">
-              <a:solidFill>
-                <a:schemeClr val="bg1"/>
-              </a:solidFill>
-            </a:endParaRPr>
-          </a:p>
-          <a:p>
-            <a:pPr algn="ctr"/>
-            <a:r>
-              <a:rPr lang="en-US" altLang="ko-KR" sz="1400" spc="-150" dirty="0" smtClean="0">
-                <a:solidFill>
-                  <a:schemeClr val="bg1"/>
-                </a:solidFill>
-              </a:rPr>
-              <a:t>‘</a:t>
-            </a:r>
-            <a:r>
-              <a:rPr lang="ko-KR" altLang="en-US" sz="1400" spc="-150" dirty="0" smtClean="0">
-                <a:solidFill>
-                  <a:schemeClr val="bg1"/>
-                </a:solidFill>
-              </a:rPr>
-              <a:t>좁음</a:t>
-            </a:r>
-            <a:r>
-              <a:rPr lang="en-US" altLang="ko-KR" sz="1400" spc="-150" dirty="0" smtClean="0">
-                <a:solidFill>
-                  <a:schemeClr val="bg1"/>
-                </a:solidFill>
-              </a:rPr>
-              <a:t>’ </a:t>
-            </a:r>
-            <a:r>
-              <a:rPr lang="ko-KR" altLang="en-US" sz="1400" spc="-150" dirty="0" smtClean="0">
-                <a:solidFill>
-                  <a:schemeClr val="bg1"/>
-                </a:solidFill>
-              </a:rPr>
-              <a:t>으로 설정했어요</a:t>
-            </a:r>
-            <a:endParaRPr lang="ko-KR" altLang="en-US" sz="1400" spc="-150" dirty="0">
-              <a:solidFill>
-                <a:schemeClr val="bg1"/>
-              </a:solidFill>
-            </a:endParaRPr>
-          </a:p>
-        </p:txBody>
-      </p:sp>
-      <p:pic>
-        <p:nvPicPr>
-          <p:cNvPr id="7" name="그림 6"/>
-          <p:cNvPicPr>
-            <a:picLocks noChangeAspect="1"/>
-          </p:cNvPicPr>
-          <p:nvPr/>
-        </p:nvPicPr>
-        <p:blipFill>
-          <a:blip r:embed="rId2" cstate="print">
-            <a:extLst>
-              <a:ext uri="{28A0092B-C50C-407E-A947-70E740481C1C}">
-                <a14:useLocalDpi xmlns:a14="http://schemas.microsoft.com/office/drawing/2010/main" val="0"/>
-              </a:ext>
-            </a:extLst>
-          </a:blip>
-          <a:stretch>
-            <a:fillRect/>
-          </a:stretch>
-        </p:blipFill>
-        <p:spPr>
-          <a:xfrm>
-            <a:off x="6726887" y="2208464"/>
-            <a:ext cx="919775" cy="919775"/>
-          </a:xfrm>
-          <a:prstGeom prst="rect">
-            <a:avLst/>
-          </a:prstGeom>
-        </p:spPr>
-      </p:pic>
-      <p:pic>
-        <p:nvPicPr>
-          <p:cNvPr id="8" name="그림 7"/>
-          <p:cNvPicPr>
-            <a:picLocks noChangeAspect="1"/>
-          </p:cNvPicPr>
-          <p:nvPr/>
-        </p:nvPicPr>
-        <p:blipFill>
-          <a:blip r:embed="rId3" cstate="print">
-            <a:extLst>
-              <a:ext uri="{28A0092B-C50C-407E-A947-70E740481C1C}">
-                <a14:useLocalDpi xmlns:a14="http://schemas.microsoft.com/office/drawing/2010/main" val="0"/>
-              </a:ext>
-            </a:extLst>
-          </a:blip>
-          <a:stretch>
-            <a:fillRect/>
-          </a:stretch>
-        </p:blipFill>
-        <p:spPr>
-          <a:xfrm>
-            <a:off x="4175854" y="2290496"/>
-            <a:ext cx="837743" cy="837743"/>
-          </a:xfrm>
-          <a:prstGeom prst="rect">
-            <a:avLst/>
-          </a:prstGeom>
-        </p:spPr>
-      </p:pic>
-      <p:pic>
-        <p:nvPicPr>
-          <p:cNvPr id="27" name="그림 26"/>
-          <p:cNvPicPr>
-            <a:picLocks noChangeAspect="1"/>
-          </p:cNvPicPr>
-          <p:nvPr/>
-        </p:nvPicPr>
-        <p:blipFill>
-          <a:blip r:embed="rId4" cstate="print">
-            <a:lum bright="98000"/>
-            <a:extLst>
-              <a:ext uri="{28A0092B-C50C-407E-A947-70E740481C1C}">
-                <a14:useLocalDpi xmlns:a14="http://schemas.microsoft.com/office/drawing/2010/main" val="0"/>
-              </a:ext>
-            </a:extLst>
-          </a:blip>
-          <a:stretch>
-            <a:fillRect/>
-          </a:stretch>
-        </p:blipFill>
-        <p:spPr>
-          <a:xfrm>
-            <a:off x="1561136" y="2258653"/>
-            <a:ext cx="901429" cy="901429"/>
-          </a:xfrm>
-          <a:prstGeom prst="rect">
-            <a:avLst/>
-          </a:prstGeom>
-        </p:spPr>
-      </p:pic>
-      <p:sp>
-        <p:nvSpPr>
-          <p:cNvPr id="28" name="TextBox 27"/>
+        </p:txBody>
+      </p:sp>
+      <p:sp>
+        <p:nvSpPr>
+          <p:cNvPr id="58" name="TextBox 57"/>
           <p:cNvSpPr txBox="1"/>
           <p:nvPr/>
         </p:nvSpPr>
         <p:spPr>
           <a:xfrm>
-            <a:off x="3871545" y="3567758"/>
-            <a:ext cx="1454244" cy="369332"/>
+            <a:off x="1255895" y="3670626"/>
+            <a:ext cx="1808508" cy="307777"/>
           </a:xfrm>
           <a:prstGeom prst="rect">
             <a:avLst/>
@@ -4350,14 +5138,14 @@
           <a:p>
             <a:pPr algn="ctr"/>
             <a:r>
-              <a:rPr lang="ko-KR" altLang="en-US" spc="-150" dirty="0" smtClean="0">
+              <a:rPr lang="ko-KR" altLang="en-US" sz="1400" spc="-150" smtClean="0">
                 <a:solidFill>
                   <a:schemeClr val="bg1"/>
                 </a:solidFill>
               </a:rPr>
-              <a:t>입력해주세요</a:t>
-            </a:r>
-            <a:endParaRPr lang="ko-KR" altLang="en-US" spc="-150" dirty="0">
+              <a:t>부연설명을 적어주세요</a:t>
+            </a:r>
+            <a:endParaRPr lang="ko-KR" altLang="en-US" sz="1400" spc="-150" dirty="0">
               <a:solidFill>
                 <a:schemeClr val="bg1"/>
               </a:solidFill>
@@ -4367,14 +5155,14 @@
       </p:sp>
       <p:sp>
         <p:nvSpPr>
-          <p:cNvPr id="29" name="TextBox 28"/>
+          <p:cNvPr id="59" name="TextBox 58"/>
           <p:cNvSpPr txBox="1"/>
           <p:nvPr/>
         </p:nvSpPr>
         <p:spPr>
           <a:xfrm>
-            <a:off x="3503038" y="4375350"/>
-            <a:ext cx="2149948" cy="738664"/>
+            <a:off x="3937164" y="3377526"/>
+            <a:ext cx="1327608" cy="338554"/>
           </a:xfrm>
           <a:prstGeom prst="rect">
             <a:avLst/>
@@ -4393,63 +5181,31 @@
           <a:p>
             <a:pPr algn="ctr"/>
             <a:r>
-              <a:rPr lang="ko-KR" altLang="en-US" sz="1400" spc="-150" dirty="0" smtClean="0">
+              <a:rPr lang="ko-KR" altLang="en-US" sz="1600" spc="-150" dirty="0" smtClean="0">
                 <a:solidFill>
                   <a:schemeClr val="bg1"/>
                 </a:solidFill>
               </a:rPr>
-              <a:t>아이콘은 주제에 맞는</a:t>
-            </a:r>
-            <a:endParaRPr lang="en-US" altLang="ko-KR" sz="1400" spc="-150" dirty="0" smtClean="0">
+              <a:t>입력해 주세요</a:t>
+            </a:r>
+            <a:endParaRPr lang="ko-KR" altLang="en-US" sz="1600" spc="-150" dirty="0">
               <a:solidFill>
                 <a:schemeClr val="bg1"/>
               </a:solidFill>
             </a:endParaRPr>
           </a:p>
-          <a:p>
-            <a:pPr algn="ctr"/>
-            <a:r>
-              <a:rPr lang="ko-KR" altLang="en-US" sz="1400" spc="-150" dirty="0" smtClean="0">
-                <a:solidFill>
-                  <a:schemeClr val="bg1"/>
-                </a:solidFill>
-              </a:rPr>
-              <a:t>아이콘을 갖다가 붙여주세요</a:t>
-            </a:r>
-            <a:endParaRPr lang="en-US" altLang="ko-KR" sz="1400" spc="-150" dirty="0" smtClean="0">
-              <a:solidFill>
-                <a:schemeClr val="bg1"/>
-              </a:solidFill>
-            </a:endParaRPr>
-          </a:p>
-          <a:p>
-            <a:pPr algn="ctr"/>
-            <a:r>
-              <a:rPr lang="ko-KR" altLang="en-US" sz="1400" spc="-150" dirty="0" smtClean="0">
-                <a:solidFill>
-                  <a:schemeClr val="bg1"/>
-                </a:solidFill>
-              </a:rPr>
-              <a:t>위에 아이콘은 예시입니다</a:t>
-            </a:r>
-            <a:endParaRPr lang="ko-KR" altLang="en-US" sz="1400" spc="-150" dirty="0">
-              <a:solidFill>
-                <a:schemeClr val="bg1"/>
-              </a:solidFill>
-            </a:endParaRPr>
-          </a:p>
-        </p:txBody>
-      </p:sp>
-      <p:sp>
-        <p:nvSpPr>
-          <p:cNvPr id="30" name="TextBox 29"/>
+        </p:txBody>
+      </p:sp>
+      <p:sp>
+        <p:nvSpPr>
+          <p:cNvPr id="60" name="TextBox 59"/>
           <p:cNvSpPr txBox="1"/>
           <p:nvPr/>
         </p:nvSpPr>
         <p:spPr>
           <a:xfrm>
-            <a:off x="6437708" y="3567758"/>
-            <a:ext cx="1454244" cy="369332"/>
+            <a:off x="3382204" y="3162795"/>
+            <a:ext cx="554960" cy="1015663"/>
           </a:xfrm>
           <a:prstGeom prst="rect">
             <a:avLst/>
@@ -4468,14 +5224,14 @@
           <a:p>
             <a:pPr algn="ctr"/>
             <a:r>
-              <a:rPr lang="ko-KR" altLang="en-US" spc="-150" dirty="0" smtClean="0">
+              <a:rPr lang="en-US" altLang="ko-KR" sz="6000" spc="-150" dirty="0">
                 <a:solidFill>
                   <a:schemeClr val="bg1"/>
                 </a:solidFill>
               </a:rPr>
-              <a:t>입력해주세요</a:t>
-            </a:r>
-            <a:endParaRPr lang="ko-KR" altLang="en-US" spc="-150" dirty="0">
+              <a:t>2</a:t>
+            </a:r>
+            <a:endParaRPr lang="ko-KR" altLang="en-US" sz="6000" spc="-150" dirty="0">
               <a:solidFill>
                 <a:schemeClr val="bg1"/>
               </a:solidFill>
@@ -4485,14 +5241,14 @@
       </p:sp>
       <p:sp>
         <p:nvSpPr>
-          <p:cNvPr id="31" name="TextBox 30"/>
+          <p:cNvPr id="61" name="TextBox 60"/>
           <p:cNvSpPr txBox="1"/>
           <p:nvPr/>
         </p:nvSpPr>
         <p:spPr>
           <a:xfrm>
-            <a:off x="6149352" y="4267774"/>
-            <a:ext cx="1989647" cy="954107"/>
+            <a:off x="3917177" y="3670626"/>
+            <a:ext cx="1808508" cy="307777"/>
           </a:xfrm>
           <a:prstGeom prst="rect">
             <a:avLst/>
@@ -4511,100 +5267,12 @@
           <a:p>
             <a:pPr algn="ctr"/>
             <a:r>
-              <a:rPr lang="ko-KR" altLang="en-US" sz="1400" spc="-150" dirty="0" smtClean="0">
+              <a:rPr lang="ko-KR" altLang="en-US" sz="1400" spc="-150" smtClean="0">
                 <a:solidFill>
                   <a:schemeClr val="bg1"/>
                 </a:solidFill>
               </a:rPr>
-              <a:t>이곳에 설명을 적어주세요</a:t>
-            </a:r>
-            <a:endParaRPr lang="en-US" altLang="ko-KR" sz="1400" spc="-150" dirty="0" smtClean="0">
-              <a:solidFill>
-                <a:schemeClr val="bg1"/>
-              </a:solidFill>
-            </a:endParaRPr>
-          </a:p>
-          <a:p>
-            <a:pPr algn="ctr"/>
-            <a:r>
-              <a:rPr lang="ko-KR" altLang="en-US" sz="1400" spc="-150" dirty="0" smtClean="0">
-                <a:solidFill>
-                  <a:schemeClr val="bg1"/>
-                </a:solidFill>
-              </a:rPr>
-              <a:t>폰트는 </a:t>
-            </a:r>
-            <a:r>
-              <a:rPr lang="ko-KR" altLang="en-US" sz="1400" spc="-150" dirty="0" err="1" smtClean="0">
-                <a:solidFill>
-                  <a:schemeClr val="bg1"/>
-                </a:solidFill>
-              </a:rPr>
-              <a:t>맑은고딕</a:t>
-            </a:r>
-            <a:r>
-              <a:rPr lang="ko-KR" altLang="en-US" sz="1400" spc="-150" dirty="0" smtClean="0">
-                <a:solidFill>
-                  <a:schemeClr val="bg1"/>
-                </a:solidFill>
-              </a:rPr>
-              <a:t> 폰트에 </a:t>
-            </a:r>
-            <a:endParaRPr lang="en-US" altLang="ko-KR" sz="1400" spc="-150" dirty="0" smtClean="0">
-              <a:solidFill>
-                <a:schemeClr val="bg1"/>
-              </a:solidFill>
-            </a:endParaRPr>
-          </a:p>
-          <a:p>
-            <a:pPr algn="ctr"/>
-            <a:r>
-              <a:rPr lang="ko-KR" altLang="en-US" sz="1400" spc="-150" dirty="0" smtClean="0">
-                <a:solidFill>
-                  <a:schemeClr val="bg1"/>
-                </a:solidFill>
-              </a:rPr>
-              <a:t>글자 간격을</a:t>
-            </a:r>
-            <a:endParaRPr lang="en-US" altLang="ko-KR" sz="1400" spc="-150" dirty="0" smtClean="0">
-              <a:solidFill>
-                <a:schemeClr val="bg1"/>
-              </a:solidFill>
-            </a:endParaRPr>
-          </a:p>
-          <a:p>
-            <a:pPr algn="ctr"/>
-            <a:r>
-              <a:rPr lang="en-US" altLang="ko-KR" sz="1400" spc="-150" dirty="0" smtClean="0">
-                <a:solidFill>
-                  <a:schemeClr val="bg1"/>
-                </a:solidFill>
-              </a:rPr>
-              <a:t>‘</a:t>
-            </a:r>
-            <a:r>
-              <a:rPr lang="ko-KR" altLang="en-US" sz="1400" spc="-150" dirty="0" smtClean="0">
-                <a:solidFill>
-                  <a:schemeClr val="bg1"/>
-                </a:solidFill>
-              </a:rPr>
-              <a:t>좁음</a:t>
-            </a:r>
-            <a:r>
-              <a:rPr lang="en-US" altLang="ko-KR" sz="1400" spc="-150" dirty="0" smtClean="0">
-                <a:solidFill>
-                  <a:schemeClr val="bg1"/>
-                </a:solidFill>
-              </a:rPr>
-              <a:t>’ </a:t>
-            </a:r>
-            <a:r>
-              <a:rPr lang="ko-KR" altLang="en-US" sz="1400" spc="-150" dirty="0" smtClean="0">
-                <a:solidFill>
-                  <a:schemeClr val="bg1"/>
-                </a:solidFill>
-              </a:rPr>
-              <a:t>으로 설정했어요</a:t>
+              <a:t>부연설명을 적어주세요</a:t>
             </a:r>
             <a:endParaRPr lang="ko-KR" altLang="en-US" sz="1400" spc="-150" dirty="0">
               <a:solidFill>
@@ -4614,362 +5282,15 @@
           </a:p>
         </p:txBody>
       </p:sp>
-      <p:cxnSp>
-        <p:nvCxnSpPr>
-          <p:cNvPr id="33" name="직선 연결선 32"/>
-          <p:cNvCxnSpPr/>
-          <p:nvPr/>
-        </p:nvCxnSpPr>
-        <p:spPr>
-          <a:xfrm>
-            <a:off x="1129553" y="4101353"/>
-            <a:ext cx="1761565" cy="0"/>
-          </a:xfrm>
-          <a:prstGeom prst="line">
-            <a:avLst/>
-          </a:prstGeom>
-          <a:ln>
-            <a:solidFill>
-              <a:schemeClr val="bg1"/>
-            </a:solidFill>
-          </a:ln>
-        </p:spPr>
-        <p:style>
-          <a:lnRef idx="1">
-            <a:schemeClr val="accent1"/>
-          </a:lnRef>
-          <a:fillRef idx="0">
-            <a:schemeClr val="accent1"/>
-          </a:fillRef>
-          <a:effectRef idx="0">
-            <a:schemeClr val="accent1"/>
-          </a:effectRef>
-          <a:fontRef idx="minor">
-            <a:schemeClr val="tx1"/>
-          </a:fontRef>
-        </p:style>
-      </p:cxnSp>
-      <p:cxnSp>
-        <p:nvCxnSpPr>
-          <p:cNvPr id="34" name="직선 연결선 33"/>
-          <p:cNvCxnSpPr/>
-          <p:nvPr/>
-        </p:nvCxnSpPr>
-        <p:spPr>
-          <a:xfrm>
-            <a:off x="3742765" y="4101353"/>
-            <a:ext cx="1761565" cy="0"/>
-          </a:xfrm>
-          <a:prstGeom prst="line">
-            <a:avLst/>
-          </a:prstGeom>
-          <a:ln>
-            <a:solidFill>
-              <a:schemeClr val="bg1"/>
-            </a:solidFill>
-          </a:ln>
-        </p:spPr>
-        <p:style>
-          <a:lnRef idx="1">
-            <a:schemeClr val="accent1"/>
-          </a:lnRef>
-          <a:fillRef idx="0">
-            <a:schemeClr val="accent1"/>
-          </a:fillRef>
-          <a:effectRef idx="0">
-            <a:schemeClr val="accent1"/>
-          </a:effectRef>
-          <a:fontRef idx="minor">
-            <a:schemeClr val="tx1"/>
-          </a:fontRef>
-        </p:style>
-      </p:cxnSp>
-      <p:cxnSp>
-        <p:nvCxnSpPr>
-          <p:cNvPr id="35" name="직선 연결선 34"/>
-          <p:cNvCxnSpPr/>
-          <p:nvPr/>
-        </p:nvCxnSpPr>
-        <p:spPr>
-          <a:xfrm>
-            <a:off x="6248401" y="4101353"/>
-            <a:ext cx="1761565" cy="0"/>
-          </a:xfrm>
-          <a:prstGeom prst="line">
-            <a:avLst/>
-          </a:prstGeom>
-          <a:ln>
-            <a:solidFill>
-              <a:schemeClr val="bg1"/>
-            </a:solidFill>
-          </a:ln>
-        </p:spPr>
-        <p:style>
-          <a:lnRef idx="1">
-            <a:schemeClr val="accent1"/>
-          </a:lnRef>
-          <a:fillRef idx="0">
-            <a:schemeClr val="accent1"/>
-          </a:fillRef>
-          <a:effectRef idx="0">
-            <a:schemeClr val="accent1"/>
-          </a:effectRef>
-          <a:fontRef idx="minor">
-            <a:schemeClr val="tx1"/>
-          </a:fontRef>
-        </p:style>
-      </p:cxnSp>
-    </p:spTree>
-    <p:extLst>
-      <p:ext uri="{BB962C8B-B14F-4D97-AF65-F5344CB8AC3E}">
-        <p14:creationId xmlns:p14="http://schemas.microsoft.com/office/powerpoint/2010/main" val="1163478258"/>
-      </p:ext>
-    </p:extLst>
-  </p:cSld>
-  <p:clrMapOvr>
-    <a:masterClrMapping/>
-  </p:clrMapOvr>
-  <p:timing>
-    <p:tnLst>
-      <p:par>
-        <p:cTn id="1" dur="indefinite" restart="never" nodeType="tmRoot"/>
-      </p:par>
-    </p:tnLst>
-  </p:timing>
-</p:sld>
-</file>
-
-<file path=ppt/slides/slide4.xml><?xml version="1.0" encoding="utf-8"?>
-<p:sld xmlns:a="http://schemas.openxmlformats.org/drawingml/2006/main" xmlns:r="http://schemas.openxmlformats.org/officeDocument/2006/relationships" xmlns:p="http://schemas.openxmlformats.org/presentationml/2006/main">
-  <p:cSld>
-    <p:spTree>
-      <p:nvGrpSpPr>
-        <p:cNvPr id="1" name=""/>
-        <p:cNvGrpSpPr/>
-        <p:nvPr/>
-      </p:nvGrpSpPr>
-      <p:grpSpPr>
-        <a:xfrm>
-          <a:off x="0" y="0"/>
-          <a:ext cx="0" cy="0"/>
-          <a:chOff x="0" y="0"/>
-          <a:chExt cx="0" cy="0"/>
-        </a:xfrm>
-      </p:grpSpPr>
-      <p:sp>
-        <p:nvSpPr>
-          <p:cNvPr id="6" name="직사각형 5"/>
-          <p:cNvSpPr/>
-          <p:nvPr/>
-        </p:nvSpPr>
-        <p:spPr>
-          <a:xfrm>
-            <a:off x="-6" y="0"/>
-            <a:ext cx="9144000" cy="6858000"/>
-          </a:xfrm>
-          <a:prstGeom prst="rect">
-            <a:avLst/>
-          </a:prstGeom>
-          <a:solidFill>
-            <a:schemeClr val="tx1">
-              <a:alpha val="13000"/>
-            </a:schemeClr>
-          </a:solidFill>
-          <a:ln>
-            <a:noFill/>
-          </a:ln>
-        </p:spPr>
-        <p:style>
-          <a:lnRef idx="2">
-            <a:schemeClr val="accent1">
-              <a:shade val="50000"/>
-            </a:schemeClr>
-          </a:lnRef>
-          <a:fillRef idx="1">
-            <a:schemeClr val="accent1"/>
-          </a:fillRef>
-          <a:effectRef idx="0">
-            <a:schemeClr val="accent1"/>
-          </a:effectRef>
-          <a:fontRef idx="minor">
-            <a:schemeClr val="lt1"/>
-          </a:fontRef>
-        </p:style>
-        <p:txBody>
-          <a:bodyPr rtlCol="0" anchor="ctr"/>
-          <a:lstStyle/>
-          <a:p>
-            <a:pPr algn="ctr"/>
-            <a:endParaRPr lang="ko-KR" altLang="en-US"/>
-          </a:p>
-        </p:txBody>
-      </p:sp>
-      <p:sp>
-        <p:nvSpPr>
-          <p:cNvPr id="16" name="직사각형 15"/>
-          <p:cNvSpPr/>
-          <p:nvPr/>
-        </p:nvSpPr>
-        <p:spPr>
-          <a:xfrm>
-            <a:off x="174813" y="161365"/>
-            <a:ext cx="8794375" cy="6535269"/>
-          </a:xfrm>
-          <a:prstGeom prst="rect">
-            <a:avLst/>
-          </a:prstGeom>
-          <a:solidFill>
-            <a:schemeClr val="tx1">
-              <a:alpha val="65000"/>
-            </a:schemeClr>
-          </a:solidFill>
-          <a:ln w="28575">
-            <a:noFill/>
-          </a:ln>
-        </p:spPr>
-        <p:style>
-          <a:lnRef idx="2">
-            <a:schemeClr val="accent1">
-              <a:shade val="50000"/>
-            </a:schemeClr>
-          </a:lnRef>
-          <a:fillRef idx="1">
-            <a:schemeClr val="accent1"/>
-          </a:fillRef>
-          <a:effectRef idx="0">
-            <a:schemeClr val="accent1"/>
-          </a:effectRef>
-          <a:fontRef idx="minor">
-            <a:schemeClr val="lt1"/>
-          </a:fontRef>
-        </p:style>
-        <p:txBody>
-          <a:bodyPr rtlCol="0" anchor="ctr"/>
-          <a:lstStyle/>
-          <a:p>
-            <a:pPr algn="ctr"/>
-            <a:endParaRPr lang="ko-KR" altLang="en-US"/>
-          </a:p>
-        </p:txBody>
-      </p:sp>
-      <p:grpSp>
-        <p:nvGrpSpPr>
-          <p:cNvPr id="21" name="그룹 20"/>
-          <p:cNvGrpSpPr/>
-          <p:nvPr/>
-        </p:nvGrpSpPr>
-        <p:grpSpPr>
-          <a:xfrm>
-            <a:off x="403181" y="368163"/>
-            <a:ext cx="1146468" cy="984885"/>
-            <a:chOff x="1013515" y="2869322"/>
-            <a:chExt cx="1146468" cy="984885"/>
-          </a:xfrm>
-        </p:grpSpPr>
-        <p:sp>
-          <p:nvSpPr>
-            <p:cNvPr id="22" name="TextBox 21"/>
-            <p:cNvSpPr txBox="1"/>
-            <p:nvPr/>
-          </p:nvSpPr>
-          <p:spPr>
-            <a:xfrm>
-              <a:off x="1013515" y="2869322"/>
-              <a:ext cx="1146468" cy="984885"/>
-            </a:xfrm>
-            <a:prstGeom prst="rect">
-              <a:avLst/>
-            </a:prstGeom>
-            <a:noFill/>
-          </p:spPr>
-          <p:txBody>
-            <a:bodyPr wrap="none" rtlCol="0">
-              <a:spAutoFit/>
-              <a:scene3d>
-                <a:camera prst="obliqueTopLeft"/>
-                <a:lightRig rig="threePt" dir="t"/>
-              </a:scene3d>
-            </a:bodyPr>
-            <a:lstStyle/>
-            <a:p>
-              <a:pPr algn="ctr"/>
-              <a:r>
-                <a:rPr lang="en-US" altLang="ko-KR" sz="4000" spc="-300" dirty="0">
-                  <a:solidFill>
-                    <a:schemeClr val="bg1"/>
-                  </a:solidFill>
-                </a:rPr>
-                <a:t>2</a:t>
-              </a:r>
-              <a:endParaRPr lang="en-US" altLang="ko-KR" sz="4000" spc="-300" dirty="0" smtClean="0">
-                <a:solidFill>
-                  <a:schemeClr val="bg1"/>
-                </a:solidFill>
-              </a:endParaRPr>
-            </a:p>
-            <a:p>
-              <a:pPr algn="ctr"/>
-              <a:r>
-                <a:rPr lang="ko-KR" altLang="en-US" spc="-300" dirty="0" smtClean="0">
-                  <a:solidFill>
-                    <a:schemeClr val="bg1"/>
-                  </a:solidFill>
-                </a:rPr>
-                <a:t>입력하세요</a:t>
-              </a:r>
-              <a:endParaRPr lang="ko-KR" altLang="en-US" spc="-300" dirty="0">
-                <a:solidFill>
-                  <a:schemeClr val="bg1"/>
-                </a:solidFill>
-              </a:endParaRPr>
-            </a:p>
-          </p:txBody>
-        </p:sp>
-        <p:cxnSp>
-          <p:nvCxnSpPr>
-            <p:cNvPr id="23" name="직선 연결선 22"/>
-            <p:cNvCxnSpPr/>
-            <p:nvPr/>
-          </p:nvCxnSpPr>
-          <p:spPr>
-            <a:xfrm>
-              <a:off x="1178854" y="3455890"/>
-              <a:ext cx="815791" cy="0"/>
-            </a:xfrm>
-            <a:prstGeom prst="line">
-              <a:avLst/>
-            </a:prstGeom>
-            <a:ln>
-              <a:solidFill>
-                <a:schemeClr val="bg1"/>
-              </a:solidFill>
-            </a:ln>
-          </p:spPr>
-          <p:style>
-            <a:lnRef idx="1">
-              <a:schemeClr val="accent1"/>
-            </a:lnRef>
-            <a:fillRef idx="0">
-              <a:schemeClr val="accent1"/>
-            </a:fillRef>
-            <a:effectRef idx="0">
-              <a:schemeClr val="accent1"/>
-            </a:effectRef>
-            <a:fontRef idx="minor">
-              <a:schemeClr val="tx1"/>
-            </a:fontRef>
-          </p:style>
-        </p:cxnSp>
-      </p:grpSp>
-      <p:sp>
-        <p:nvSpPr>
-          <p:cNvPr id="29" name="TextBox 28"/>
+      <p:sp>
+        <p:nvSpPr>
+          <p:cNvPr id="62" name="TextBox 61"/>
           <p:cNvSpPr txBox="1"/>
           <p:nvPr/>
         </p:nvSpPr>
         <p:spPr>
           <a:xfrm>
-            <a:off x="1275882" y="3377526"/>
+            <a:off x="6743535" y="3377526"/>
             <a:ext cx="1327608" cy="338554"/>
           </a:xfrm>
           <a:prstGeom prst="rect">
@@ -5006,13 +5327,13 @@
       </p:sp>
       <p:sp>
         <p:nvSpPr>
-          <p:cNvPr id="57" name="TextBox 56"/>
+          <p:cNvPr id="63" name="TextBox 62"/>
           <p:cNvSpPr txBox="1"/>
           <p:nvPr/>
         </p:nvSpPr>
         <p:spPr>
           <a:xfrm>
-            <a:off x="720922" y="3162795"/>
+            <a:off x="6188575" y="3162795"/>
             <a:ext cx="554960" cy="1015663"/>
           </a:xfrm>
           <a:prstGeom prst="rect">
@@ -5032,12 +5353,12 @@
           <a:p>
             <a:pPr algn="ctr"/>
             <a:r>
-              <a:rPr lang="en-US" altLang="ko-KR" sz="6000" spc="-150" dirty="0" smtClean="0">
+              <a:rPr lang="en-US" altLang="ko-KR" sz="6000" spc="-150" dirty="0">
                 <a:solidFill>
                   <a:schemeClr val="bg1"/>
                 </a:solidFill>
               </a:rPr>
-              <a:t>1</a:t>
+              <a:t>3</a:t>
             </a:r>
             <a:endParaRPr lang="ko-KR" altLang="en-US" sz="6000" spc="-150" dirty="0">
               <a:solidFill>
@@ -5049,13 +5370,13 @@
       </p:sp>
       <p:sp>
         <p:nvSpPr>
-          <p:cNvPr id="58" name="TextBox 57"/>
+          <p:cNvPr id="64" name="TextBox 63"/>
           <p:cNvSpPr txBox="1"/>
           <p:nvPr/>
         </p:nvSpPr>
         <p:spPr>
           <a:xfrm>
-            <a:off x="1255895" y="3670626"/>
+            <a:off x="6723548" y="3670626"/>
             <a:ext cx="1808508" cy="307777"/>
           </a:xfrm>
           <a:prstGeom prst="rect">
@@ -5090,268 +5411,10 @@
           </a:p>
         </p:txBody>
       </p:sp>
-      <p:sp>
-        <p:nvSpPr>
-          <p:cNvPr id="59" name="TextBox 58"/>
-          <p:cNvSpPr txBox="1"/>
-          <p:nvPr/>
-        </p:nvSpPr>
-        <p:spPr>
-          <a:xfrm>
-            <a:off x="3937164" y="3377526"/>
-            <a:ext cx="1327608" cy="338554"/>
-          </a:xfrm>
-          <a:prstGeom prst="rect">
-            <a:avLst/>
-          </a:prstGeom>
-          <a:noFill/>
-        </p:spPr>
-        <p:txBody>
-          <a:bodyPr wrap="none" rtlCol="0">
-            <a:spAutoFit/>
-            <a:scene3d>
-              <a:camera prst="obliqueTopLeft"/>
-              <a:lightRig rig="threePt" dir="t"/>
-            </a:scene3d>
-          </a:bodyPr>
-          <a:lstStyle/>
-          <a:p>
-            <a:pPr algn="ctr"/>
-            <a:r>
-              <a:rPr lang="ko-KR" altLang="en-US" sz="1600" spc="-150" dirty="0" smtClean="0">
-                <a:solidFill>
-                  <a:schemeClr val="bg1"/>
-                </a:solidFill>
-              </a:rPr>
-              <a:t>입력해 주세요</a:t>
-            </a:r>
-            <a:endParaRPr lang="ko-KR" altLang="en-US" sz="1600" spc="-150" dirty="0">
-              <a:solidFill>
-                <a:schemeClr val="bg1"/>
-              </a:solidFill>
-            </a:endParaRPr>
-          </a:p>
-        </p:txBody>
-      </p:sp>
-      <p:sp>
-        <p:nvSpPr>
-          <p:cNvPr id="60" name="TextBox 59"/>
-          <p:cNvSpPr txBox="1"/>
-          <p:nvPr/>
-        </p:nvSpPr>
-        <p:spPr>
-          <a:xfrm>
-            <a:off x="3382204" y="3162795"/>
-            <a:ext cx="554960" cy="1015663"/>
-          </a:xfrm>
-          <a:prstGeom prst="rect">
-            <a:avLst/>
-          </a:prstGeom>
-          <a:noFill/>
-        </p:spPr>
-        <p:txBody>
-          <a:bodyPr wrap="none" rtlCol="0">
-            <a:spAutoFit/>
-            <a:scene3d>
-              <a:camera prst="obliqueTopLeft"/>
-              <a:lightRig rig="threePt" dir="t"/>
-            </a:scene3d>
-          </a:bodyPr>
-          <a:lstStyle/>
-          <a:p>
-            <a:pPr algn="ctr"/>
-            <a:r>
-              <a:rPr lang="en-US" altLang="ko-KR" sz="6000" spc="-150" dirty="0">
-                <a:solidFill>
-                  <a:schemeClr val="bg1"/>
-                </a:solidFill>
-              </a:rPr>
-              <a:t>2</a:t>
-            </a:r>
-            <a:endParaRPr lang="ko-KR" altLang="en-US" sz="6000" spc="-150" dirty="0">
-              <a:solidFill>
-                <a:schemeClr val="bg1"/>
-              </a:solidFill>
-            </a:endParaRPr>
-          </a:p>
-        </p:txBody>
-      </p:sp>
-      <p:sp>
-        <p:nvSpPr>
-          <p:cNvPr id="61" name="TextBox 60"/>
-          <p:cNvSpPr txBox="1"/>
-          <p:nvPr/>
-        </p:nvSpPr>
-        <p:spPr>
-          <a:xfrm>
-            <a:off x="3917177" y="3670626"/>
-            <a:ext cx="1808508" cy="307777"/>
-          </a:xfrm>
-          <a:prstGeom prst="rect">
-            <a:avLst/>
-          </a:prstGeom>
-          <a:noFill/>
-        </p:spPr>
-        <p:txBody>
-          <a:bodyPr wrap="none" rtlCol="0">
-            <a:spAutoFit/>
-            <a:scene3d>
-              <a:camera prst="obliqueTopLeft"/>
-              <a:lightRig rig="threePt" dir="t"/>
-            </a:scene3d>
-          </a:bodyPr>
-          <a:lstStyle/>
-          <a:p>
-            <a:pPr algn="ctr"/>
-            <a:r>
-              <a:rPr lang="ko-KR" altLang="en-US" sz="1400" spc="-150" smtClean="0">
-                <a:solidFill>
-                  <a:schemeClr val="bg1"/>
-                </a:solidFill>
-              </a:rPr>
-              <a:t>부연설명을 적어주세요</a:t>
-            </a:r>
-            <a:endParaRPr lang="ko-KR" altLang="en-US" sz="1400" spc="-150" dirty="0">
-              <a:solidFill>
-                <a:schemeClr val="bg1"/>
-              </a:solidFill>
-            </a:endParaRPr>
-          </a:p>
-        </p:txBody>
-      </p:sp>
-      <p:sp>
-        <p:nvSpPr>
-          <p:cNvPr id="62" name="TextBox 61"/>
-          <p:cNvSpPr txBox="1"/>
-          <p:nvPr/>
-        </p:nvSpPr>
-        <p:spPr>
-          <a:xfrm>
-            <a:off x="6743535" y="3377526"/>
-            <a:ext cx="1327608" cy="338554"/>
-          </a:xfrm>
-          <a:prstGeom prst="rect">
-            <a:avLst/>
-          </a:prstGeom>
-          <a:noFill/>
-        </p:spPr>
-        <p:txBody>
-          <a:bodyPr wrap="none" rtlCol="0">
-            <a:spAutoFit/>
-            <a:scene3d>
-              <a:camera prst="obliqueTopLeft"/>
-              <a:lightRig rig="threePt" dir="t"/>
-            </a:scene3d>
-          </a:bodyPr>
-          <a:lstStyle/>
-          <a:p>
-            <a:pPr algn="ctr"/>
-            <a:r>
-              <a:rPr lang="ko-KR" altLang="en-US" sz="1600" spc="-150" dirty="0" smtClean="0">
-                <a:solidFill>
-                  <a:schemeClr val="bg1"/>
-                </a:solidFill>
-              </a:rPr>
-              <a:t>입력해 주세요</a:t>
-            </a:r>
-            <a:endParaRPr lang="ko-KR" altLang="en-US" sz="1600" spc="-150" dirty="0">
-              <a:solidFill>
-                <a:schemeClr val="bg1"/>
-              </a:solidFill>
-            </a:endParaRPr>
-          </a:p>
-        </p:txBody>
-      </p:sp>
-      <p:sp>
-        <p:nvSpPr>
-          <p:cNvPr id="63" name="TextBox 62"/>
-          <p:cNvSpPr txBox="1"/>
-          <p:nvPr/>
-        </p:nvSpPr>
-        <p:spPr>
-          <a:xfrm>
-            <a:off x="6188575" y="3162795"/>
-            <a:ext cx="554960" cy="1015663"/>
-          </a:xfrm>
-          <a:prstGeom prst="rect">
-            <a:avLst/>
-          </a:prstGeom>
-          <a:noFill/>
-        </p:spPr>
-        <p:txBody>
-          <a:bodyPr wrap="none" rtlCol="0">
-            <a:spAutoFit/>
-            <a:scene3d>
-              <a:camera prst="obliqueTopLeft"/>
-              <a:lightRig rig="threePt" dir="t"/>
-            </a:scene3d>
-          </a:bodyPr>
-          <a:lstStyle/>
-          <a:p>
-            <a:pPr algn="ctr"/>
-            <a:r>
-              <a:rPr lang="en-US" altLang="ko-KR" sz="6000" spc="-150" dirty="0">
-                <a:solidFill>
-                  <a:schemeClr val="bg1"/>
-                </a:solidFill>
-              </a:rPr>
-              <a:t>3</a:t>
-            </a:r>
-            <a:endParaRPr lang="ko-KR" altLang="en-US" sz="6000" spc="-150" dirty="0">
-              <a:solidFill>
-                <a:schemeClr val="bg1"/>
-              </a:solidFill>
-            </a:endParaRPr>
-          </a:p>
-        </p:txBody>
-      </p:sp>
-      <p:sp>
-        <p:nvSpPr>
-          <p:cNvPr id="64" name="TextBox 63"/>
-          <p:cNvSpPr txBox="1"/>
-          <p:nvPr/>
-        </p:nvSpPr>
-        <p:spPr>
-          <a:xfrm>
-            <a:off x="6723548" y="3670626"/>
-            <a:ext cx="1808508" cy="307777"/>
-          </a:xfrm>
-          <a:prstGeom prst="rect">
-            <a:avLst/>
-          </a:prstGeom>
-          <a:noFill/>
-        </p:spPr>
-        <p:txBody>
-          <a:bodyPr wrap="none" rtlCol="0">
-            <a:spAutoFit/>
-            <a:scene3d>
-              <a:camera prst="obliqueTopLeft"/>
-              <a:lightRig rig="threePt" dir="t"/>
-            </a:scene3d>
-          </a:bodyPr>
-          <a:lstStyle/>
-          <a:p>
-            <a:pPr algn="ctr"/>
-            <a:r>
-              <a:rPr lang="ko-KR" altLang="en-US" sz="1400" spc="-150" smtClean="0">
-                <a:solidFill>
-                  <a:schemeClr val="bg1"/>
-                </a:solidFill>
-              </a:rPr>
-              <a:t>부연설명을 적어주세요</a:t>
-            </a:r>
-            <a:endParaRPr lang="ko-KR" altLang="en-US" sz="1400" spc="-150" dirty="0">
-              <a:solidFill>
-                <a:schemeClr val="bg1"/>
-              </a:solidFill>
-            </a:endParaRPr>
-          </a:p>
-        </p:txBody>
-      </p:sp>
     </p:spTree>
     <p:extLst>
       <p:ext uri="{BB962C8B-B14F-4D97-AF65-F5344CB8AC3E}">
-        <p14:creationId xmlns:p14="http://schemas.microsoft.com/office/powerpoint/2010/main" val="3402091677"/>
+        <p14:creationId xmlns="" xmlns:p14="http://schemas.microsoft.com/office/powerpoint/2010/main" val="3402091677"/>
       </p:ext>
     </p:extLst>
   </p:cSld>
@@ -5688,7 +5751,7 @@
             <a:lum bright="89000"/>
             <a:extLst>
               <a:ext uri="{28A0092B-C50C-407E-A947-70E740481C1C}">
-                <a14:useLocalDpi xmlns:a14="http://schemas.microsoft.com/office/drawing/2010/main" val="0"/>
+                <a14:useLocalDpi xmlns="" xmlns:a14="http://schemas.microsoft.com/office/drawing/2010/main" val="0"/>
               </a:ext>
             </a:extLst>
           </a:blip>
@@ -5728,7 +5791,7 @@
             <a:lum bright="89000"/>
             <a:extLst>
               <a:ext uri="{28A0092B-C50C-407E-A947-70E740481C1C}">
-                <a14:useLocalDpi xmlns:a14="http://schemas.microsoft.com/office/drawing/2010/main" val="0"/>
+                <a14:useLocalDpi xmlns="" xmlns:a14="http://schemas.microsoft.com/office/drawing/2010/main" val="0"/>
               </a:ext>
             </a:extLst>
           </a:blip>
@@ -5925,7 +5988,7 @@
     </p:spTree>
     <p:extLst>
       <p:ext uri="{BB962C8B-B14F-4D97-AF65-F5344CB8AC3E}">
-        <p14:creationId xmlns:p14="http://schemas.microsoft.com/office/powerpoint/2010/main" val="744904466"/>
+        <p14:creationId xmlns="" xmlns:p14="http://schemas.microsoft.com/office/powerpoint/2010/main" val="744904466"/>
       </p:ext>
     </p:extLst>
   </p:cSld>
@@ -6414,7 +6477,7 @@
             <a:lum bright="88000"/>
             <a:extLst>
               <a:ext uri="{28A0092B-C50C-407E-A947-70E740481C1C}">
-                <a14:useLocalDpi xmlns:a14="http://schemas.microsoft.com/office/drawing/2010/main" val="0"/>
+                <a14:useLocalDpi xmlns="" xmlns:a14="http://schemas.microsoft.com/office/drawing/2010/main" val="0"/>
               </a:ext>
             </a:extLst>
           </a:blip>
@@ -6767,7 +6830,7 @@
             <a:lum bright="96000"/>
             <a:extLst>
               <a:ext uri="{28A0092B-C50C-407E-A947-70E740481C1C}">
-                <a14:useLocalDpi xmlns:a14="http://schemas.microsoft.com/office/drawing/2010/main" val="0"/>
+                <a14:useLocalDpi xmlns="" xmlns:a14="http://schemas.microsoft.com/office/drawing/2010/main" val="0"/>
               </a:ext>
             </a:extLst>
           </a:blip>
@@ -6798,7 +6861,7 @@
             <a:lum bright="96000"/>
             <a:extLst>
               <a:ext uri="{28A0092B-C50C-407E-A947-70E740481C1C}">
-                <a14:useLocalDpi xmlns:a14="http://schemas.microsoft.com/office/drawing/2010/main" val="0"/>
+                <a14:useLocalDpi xmlns="" xmlns:a14="http://schemas.microsoft.com/office/drawing/2010/main" val="0"/>
               </a:ext>
             </a:extLst>
           </a:blip>
@@ -6819,7 +6882,7 @@
     </p:spTree>
     <p:extLst>
       <p:ext uri="{BB962C8B-B14F-4D97-AF65-F5344CB8AC3E}">
-        <p14:creationId xmlns:p14="http://schemas.microsoft.com/office/powerpoint/2010/main" val="739581598"/>
+        <p14:creationId xmlns="" xmlns:p14="http://schemas.microsoft.com/office/powerpoint/2010/main" val="739581598"/>
       </p:ext>
     </p:extLst>
   </p:cSld>
@@ -6993,7 +7056,7 @@
     </p:spTree>
     <p:extLst>
       <p:ext uri="{BB962C8B-B14F-4D97-AF65-F5344CB8AC3E}">
-        <p14:creationId xmlns:p14="http://schemas.microsoft.com/office/powerpoint/2010/main" val="880770421"/>
+        <p14:creationId xmlns="" xmlns:p14="http://schemas.microsoft.com/office/powerpoint/2010/main" val="880770421"/>
       </p:ext>
     </p:extLst>
   </p:cSld>
@@ -7220,8 +7283,8 @@
         </p:nvSpPr>
         <p:spPr>
           <a:xfrm>
-            <a:off x="3962695" y="3880729"/>
-            <a:ext cx="1218603" cy="338554"/>
+            <a:off x="4276470" y="3880729"/>
+            <a:ext cx="460383" cy="338554"/>
           </a:xfrm>
           <a:prstGeom prst="rect">
             <a:avLst/>
@@ -7241,11 +7304,7 @@
             <a:pPr algn="ctr"/>
             <a:r>
               <a:rPr lang="en-US" altLang="ko-KR" sz="1600" spc="-300" dirty="0" smtClean="0"/>
-              <a:t>20120763 </a:t>
-            </a:r>
-            <a:r>
-              <a:rPr lang="ko-KR" altLang="en-US" sz="1600" spc="-300" dirty="0" smtClean="0"/>
-              <a:t>홍길동</a:t>
+              <a:t>E   M I    </a:t>
             </a:r>
             <a:endParaRPr lang="ko-KR" altLang="en-US" sz="1600" spc="-300" dirty="0"/>
           </a:p>
@@ -7254,7 +7313,7 @@
     </p:spTree>
     <p:extLst>
       <p:ext uri="{BB962C8B-B14F-4D97-AF65-F5344CB8AC3E}">
-        <p14:creationId xmlns:p14="http://schemas.microsoft.com/office/powerpoint/2010/main" val="1193676681"/>
+        <p14:creationId xmlns="" xmlns:p14="http://schemas.microsoft.com/office/powerpoint/2010/main" val="1193676681"/>
       </p:ext>
     </p:extLst>
   </p:cSld>
@@ -7314,7 +7373,7 @@
     </a:clrScheme>
     <a:fontScheme name="Office 테마">
       <a:majorFont>
-        <a:latin typeface="Calibri Light" panose="020F0302020204030204"/>
+        <a:latin typeface="Calibri Light"/>
         <a:ea typeface=""/>
         <a:cs typeface=""/>
         <a:font script="Jpan" typeface="ＭＳ Ｐゴシック"/>
@@ -7349,7 +7408,7 @@
         <a:font script="Geor" typeface="Sylfaen"/>
       </a:majorFont>
       <a:minorFont>
-        <a:latin typeface="Calibri" panose="020F0502020204030204"/>
+        <a:latin typeface="Calibri"/>
         <a:ea typeface=""/>
         <a:cs typeface=""/>
         <a:font script="Jpan" typeface="ＭＳ Ｐゴシック"/>
@@ -7526,7 +7585,7 @@
   <a:extraClrSchemeLst/>
   <a:extLst>
     <a:ext uri="{05A4C25C-085E-4340-85A3-A5531E510DB2}">
-      <thm15:themeFamily xmlns:thm15="http://schemas.microsoft.com/office/thememl/2012/main" name="Office Theme" id="{62F939B6-93AF-4DB8-9C6B-D6C7DFDC589F}" vid="{4A3C46E8-61CC-4603-A589-7422A47A8E4A}"/>
+      <thm15:themeFamily xmlns="" xmlns:thm15="http://schemas.microsoft.com/office/thememl/2012/main" name="Office Theme" id="{62F939B6-93AF-4DB8-9C6B-D6C7DFDC589F}" vid="{4A3C46E8-61CC-4603-A589-7422A47A8E4A}"/>
     </a:ext>
   </a:extLst>
 </a:theme>

--- a/합숙_결과_(3주차)_발표.pptx
+++ b/합숙_결과_(3주차)_발표.pptx
@@ -298,7 +298,7 @@
     </p:spTree>
     <p:extLst>
       <p:ext uri="{BB962C8B-B14F-4D97-AF65-F5344CB8AC3E}">
-        <p14:creationId xmlns="" xmlns:p14="http://schemas.microsoft.com/office/powerpoint/2010/main" val="3763520899"/>
+        <p14:creationId xmlns:p14="http://schemas.microsoft.com/office/powerpoint/2010/main" xmlns="" val="3763520899"/>
       </p:ext>
     </p:extLst>
   </p:cSld>
@@ -470,7 +470,7 @@
     </p:spTree>
     <p:extLst>
       <p:ext uri="{BB962C8B-B14F-4D97-AF65-F5344CB8AC3E}">
-        <p14:creationId xmlns="" xmlns:p14="http://schemas.microsoft.com/office/powerpoint/2010/main" val="3709884189"/>
+        <p14:creationId xmlns:p14="http://schemas.microsoft.com/office/powerpoint/2010/main" xmlns="" val="3709884189"/>
       </p:ext>
     </p:extLst>
   </p:cSld>
@@ -652,7 +652,7 @@
     </p:spTree>
     <p:extLst>
       <p:ext uri="{BB962C8B-B14F-4D97-AF65-F5344CB8AC3E}">
-        <p14:creationId xmlns="" xmlns:p14="http://schemas.microsoft.com/office/powerpoint/2010/main" val="606131853"/>
+        <p14:creationId xmlns:p14="http://schemas.microsoft.com/office/powerpoint/2010/main" xmlns="" val="606131853"/>
       </p:ext>
     </p:extLst>
   </p:cSld>
@@ -824,7 +824,7 @@
     </p:spTree>
     <p:extLst>
       <p:ext uri="{BB962C8B-B14F-4D97-AF65-F5344CB8AC3E}">
-        <p14:creationId xmlns="" xmlns:p14="http://schemas.microsoft.com/office/powerpoint/2010/main" val="4205490417"/>
+        <p14:creationId xmlns:p14="http://schemas.microsoft.com/office/powerpoint/2010/main" xmlns="" val="4205490417"/>
       </p:ext>
     </p:extLst>
   </p:cSld>
@@ -1070,7 +1070,7 @@
     </p:spTree>
     <p:extLst>
       <p:ext uri="{BB962C8B-B14F-4D97-AF65-F5344CB8AC3E}">
-        <p14:creationId xmlns="" xmlns:p14="http://schemas.microsoft.com/office/powerpoint/2010/main" val="547074870"/>
+        <p14:creationId xmlns:p14="http://schemas.microsoft.com/office/powerpoint/2010/main" xmlns="" val="547074870"/>
       </p:ext>
     </p:extLst>
   </p:cSld>
@@ -1304,7 +1304,7 @@
     </p:spTree>
     <p:extLst>
       <p:ext uri="{BB962C8B-B14F-4D97-AF65-F5344CB8AC3E}">
-        <p14:creationId xmlns="" xmlns:p14="http://schemas.microsoft.com/office/powerpoint/2010/main" val="566375979"/>
+        <p14:creationId xmlns:p14="http://schemas.microsoft.com/office/powerpoint/2010/main" xmlns="" val="566375979"/>
       </p:ext>
     </p:extLst>
   </p:cSld>
@@ -1673,7 +1673,7 @@
     </p:spTree>
     <p:extLst>
       <p:ext uri="{BB962C8B-B14F-4D97-AF65-F5344CB8AC3E}">
-        <p14:creationId xmlns="" xmlns:p14="http://schemas.microsoft.com/office/powerpoint/2010/main" val="4172197333"/>
+        <p14:creationId xmlns:p14="http://schemas.microsoft.com/office/powerpoint/2010/main" xmlns="" val="4172197333"/>
       </p:ext>
     </p:extLst>
   </p:cSld>
@@ -1793,7 +1793,7 @@
     </p:spTree>
     <p:extLst>
       <p:ext uri="{BB962C8B-B14F-4D97-AF65-F5344CB8AC3E}">
-        <p14:creationId xmlns="" xmlns:p14="http://schemas.microsoft.com/office/powerpoint/2010/main" val="3191797168"/>
+        <p14:creationId xmlns:p14="http://schemas.microsoft.com/office/powerpoint/2010/main" xmlns="" val="3191797168"/>
       </p:ext>
     </p:extLst>
   </p:cSld>
@@ -1890,7 +1890,7 @@
     </p:spTree>
     <p:extLst>
       <p:ext uri="{BB962C8B-B14F-4D97-AF65-F5344CB8AC3E}">
-        <p14:creationId xmlns="" xmlns:p14="http://schemas.microsoft.com/office/powerpoint/2010/main" val="4070347072"/>
+        <p14:creationId xmlns:p14="http://schemas.microsoft.com/office/powerpoint/2010/main" xmlns="" val="4070347072"/>
       </p:ext>
     </p:extLst>
   </p:cSld>
@@ -2169,7 +2169,7 @@
     </p:spTree>
     <p:extLst>
       <p:ext uri="{BB962C8B-B14F-4D97-AF65-F5344CB8AC3E}">
-        <p14:creationId xmlns="" xmlns:p14="http://schemas.microsoft.com/office/powerpoint/2010/main" val="1942783106"/>
+        <p14:creationId xmlns:p14="http://schemas.microsoft.com/office/powerpoint/2010/main" xmlns="" val="1942783106"/>
       </p:ext>
     </p:extLst>
   </p:cSld>
@@ -2428,7 +2428,7 @@
     </p:spTree>
     <p:extLst>
       <p:ext uri="{BB962C8B-B14F-4D97-AF65-F5344CB8AC3E}">
-        <p14:creationId xmlns="" xmlns:p14="http://schemas.microsoft.com/office/powerpoint/2010/main" val="2909691053"/>
+        <p14:creationId xmlns:p14="http://schemas.microsoft.com/office/powerpoint/2010/main" xmlns="" val="2909691053"/>
       </p:ext>
     </p:extLst>
   </p:cSld>
@@ -2686,7 +2686,7 @@
     </p:spTree>
     <p:extLst>
       <p:ext uri="{BB962C8B-B14F-4D97-AF65-F5344CB8AC3E}">
-        <p14:creationId xmlns="" xmlns:p14="http://schemas.microsoft.com/office/powerpoint/2010/main" val="3365474829"/>
+        <p14:creationId xmlns:p14="http://schemas.microsoft.com/office/powerpoint/2010/main" xmlns="" val="3365474829"/>
       </p:ext>
     </p:extLst>
   </p:cSld>
@@ -3142,15 +3142,7 @@
                   <a:schemeClr val="bg1"/>
                 </a:solidFill>
               </a:rPr>
-              <a:t>-</a:t>
-            </a:r>
-            <a:r>
-              <a:rPr lang="en-US" altLang="ko-KR" sz="2800" spc="300" dirty="0" smtClean="0">
-                <a:solidFill>
-                  <a:schemeClr val="bg1"/>
-                </a:solidFill>
-              </a:rPr>
-              <a:t>EMI-</a:t>
+              <a:t>-EMI-</a:t>
             </a:r>
           </a:p>
         </p:txBody>
@@ -3241,7 +3233,7 @@
     </p:spTree>
     <p:extLst>
       <p:ext uri="{BB962C8B-B14F-4D97-AF65-F5344CB8AC3E}">
-        <p14:creationId xmlns="" xmlns:p14="http://schemas.microsoft.com/office/powerpoint/2010/main" val="1219228571"/>
+        <p14:creationId xmlns:p14="http://schemas.microsoft.com/office/powerpoint/2010/main" xmlns="" val="1219228571"/>
       </p:ext>
     </p:extLst>
   </p:cSld>
@@ -3761,11 +3753,6 @@
                 </a:rPr>
                 <a:t>4 </a:t>
               </a:r>
-              <a:endParaRPr lang="en-US" altLang="ko-KR" sz="4000" spc="-300" dirty="0" smtClean="0">
-                <a:solidFill>
-                  <a:schemeClr val="bg1"/>
-                </a:solidFill>
-              </a:endParaRPr>
             </a:p>
             <a:p>
               <a:pPr algn="ctr"/>
@@ -3878,7 +3865,7 @@
     </p:spTree>
     <p:extLst>
       <p:ext uri="{BB962C8B-B14F-4D97-AF65-F5344CB8AC3E}">
-        <p14:creationId xmlns="" xmlns:p14="http://schemas.microsoft.com/office/powerpoint/2010/main" val="2041094422"/>
+        <p14:creationId xmlns:p14="http://schemas.microsoft.com/office/powerpoint/2010/main" xmlns="" val="2041094422"/>
       </p:ext>
     </p:extLst>
   </p:cSld>
@@ -4194,7 +4181,7 @@
           <a:blip r:embed="rId2" cstate="print">
             <a:extLst>
               <a:ext uri="{28A0092B-C50C-407E-A947-70E740481C1C}">
-                <a14:useLocalDpi xmlns="" xmlns:a14="http://schemas.microsoft.com/office/drawing/2010/main" val="0"/>
+                <a14:useLocalDpi xmlns:a14="http://schemas.microsoft.com/office/drawing/2010/main" xmlns="" val="0"/>
               </a:ext>
             </a:extLst>
           </a:blip>
@@ -4224,7 +4211,7 @@
           <a:blip r:embed="rId3" cstate="print">
             <a:extLst>
               <a:ext uri="{28A0092B-C50C-407E-A947-70E740481C1C}">
-                <a14:useLocalDpi xmlns="" xmlns:a14="http://schemas.microsoft.com/office/drawing/2010/main" val="0"/>
+                <a14:useLocalDpi xmlns:a14="http://schemas.microsoft.com/office/drawing/2010/main" xmlns="" val="0"/>
               </a:ext>
             </a:extLst>
           </a:blip>
@@ -4255,7 +4242,7 @@
             <a:lum bright="98000"/>
             <a:extLst>
               <a:ext uri="{28A0092B-C50C-407E-A947-70E740481C1C}">
-                <a14:useLocalDpi xmlns="" xmlns:a14="http://schemas.microsoft.com/office/drawing/2010/main" val="0"/>
+                <a14:useLocalDpi xmlns:a14="http://schemas.microsoft.com/office/drawing/2010/main" xmlns="" val="0"/>
               </a:ext>
             </a:extLst>
           </a:blip>
@@ -4265,7 +4252,7 @@
         </p:blipFill>
         <p:spPr>
           <a:xfrm>
-            <a:off x="1561136" y="2258653"/>
+            <a:off x="1561136" y="2222793"/>
             <a:ext cx="901429" cy="901429"/>
           </a:xfrm>
           <a:prstGeom prst="rect">
@@ -4785,7 +4772,7 @@
     </p:spTree>
     <p:extLst>
       <p:ext uri="{BB962C8B-B14F-4D97-AF65-F5344CB8AC3E}">
-        <p14:creationId xmlns="" xmlns:p14="http://schemas.microsoft.com/office/powerpoint/2010/main" val="1163478258"/>
+        <p14:creationId xmlns:p14="http://schemas.microsoft.com/office/powerpoint/2010/main" xmlns="" val="1163478258"/>
       </p:ext>
     </p:extLst>
   </p:cSld>
@@ -4915,30 +4902,417 @@
           </a:p>
         </p:txBody>
       </p:sp>
+      <p:sp>
+        <p:nvSpPr>
+          <p:cNvPr id="29" name="TextBox 28"/>
+          <p:cNvSpPr txBox="1"/>
+          <p:nvPr/>
+        </p:nvSpPr>
+        <p:spPr>
+          <a:xfrm>
+            <a:off x="1275882" y="3377526"/>
+            <a:ext cx="1327608" cy="338554"/>
+          </a:xfrm>
+          <a:prstGeom prst="rect">
+            <a:avLst/>
+          </a:prstGeom>
+          <a:noFill/>
+        </p:spPr>
+        <p:txBody>
+          <a:bodyPr wrap="none" rtlCol="0">
+            <a:spAutoFit/>
+            <a:scene3d>
+              <a:camera prst="obliqueTopLeft"/>
+              <a:lightRig rig="threePt" dir="t"/>
+            </a:scene3d>
+          </a:bodyPr>
+          <a:lstStyle/>
+          <a:p>
+            <a:pPr algn="ctr"/>
+            <a:r>
+              <a:rPr lang="ko-KR" altLang="en-US" sz="1600" spc="-150" dirty="0" smtClean="0">
+                <a:solidFill>
+                  <a:schemeClr val="bg1"/>
+                </a:solidFill>
+              </a:rPr>
+              <a:t>입력해 주세요</a:t>
+            </a:r>
+            <a:endParaRPr lang="ko-KR" altLang="en-US" sz="1600" spc="-150" dirty="0">
+              <a:solidFill>
+                <a:schemeClr val="bg1"/>
+              </a:solidFill>
+            </a:endParaRPr>
+          </a:p>
+        </p:txBody>
+      </p:sp>
+      <p:sp>
+        <p:nvSpPr>
+          <p:cNvPr id="57" name="TextBox 56"/>
+          <p:cNvSpPr txBox="1"/>
+          <p:nvPr/>
+        </p:nvSpPr>
+        <p:spPr>
+          <a:xfrm>
+            <a:off x="720922" y="3162795"/>
+            <a:ext cx="554960" cy="1015663"/>
+          </a:xfrm>
+          <a:prstGeom prst="rect">
+            <a:avLst/>
+          </a:prstGeom>
+          <a:noFill/>
+        </p:spPr>
+        <p:txBody>
+          <a:bodyPr wrap="none" rtlCol="0">
+            <a:spAutoFit/>
+            <a:scene3d>
+              <a:camera prst="obliqueTopLeft"/>
+              <a:lightRig rig="threePt" dir="t"/>
+            </a:scene3d>
+          </a:bodyPr>
+          <a:lstStyle/>
+          <a:p>
+            <a:pPr algn="ctr"/>
+            <a:r>
+              <a:rPr lang="en-US" altLang="ko-KR" sz="6000" spc="-150" dirty="0" smtClean="0">
+                <a:solidFill>
+                  <a:schemeClr val="bg1"/>
+                </a:solidFill>
+              </a:rPr>
+              <a:t>1</a:t>
+            </a:r>
+            <a:endParaRPr lang="ko-KR" altLang="en-US" sz="6000" spc="-150" dirty="0">
+              <a:solidFill>
+                <a:schemeClr val="bg1"/>
+              </a:solidFill>
+            </a:endParaRPr>
+          </a:p>
+        </p:txBody>
+      </p:sp>
+      <p:sp>
+        <p:nvSpPr>
+          <p:cNvPr id="58" name="TextBox 57"/>
+          <p:cNvSpPr txBox="1"/>
+          <p:nvPr/>
+        </p:nvSpPr>
+        <p:spPr>
+          <a:xfrm>
+            <a:off x="1255895" y="3670626"/>
+            <a:ext cx="1808508" cy="307777"/>
+          </a:xfrm>
+          <a:prstGeom prst="rect">
+            <a:avLst/>
+          </a:prstGeom>
+          <a:noFill/>
+        </p:spPr>
+        <p:txBody>
+          <a:bodyPr wrap="none" rtlCol="0">
+            <a:spAutoFit/>
+            <a:scene3d>
+              <a:camera prst="obliqueTopLeft"/>
+              <a:lightRig rig="threePt" dir="t"/>
+            </a:scene3d>
+          </a:bodyPr>
+          <a:lstStyle/>
+          <a:p>
+            <a:pPr algn="ctr"/>
+            <a:r>
+              <a:rPr lang="ko-KR" altLang="en-US" sz="1400" spc="-150" smtClean="0">
+                <a:solidFill>
+                  <a:schemeClr val="bg1"/>
+                </a:solidFill>
+              </a:rPr>
+              <a:t>부연설명을 적어주세요</a:t>
+            </a:r>
+            <a:endParaRPr lang="ko-KR" altLang="en-US" sz="1400" spc="-150" dirty="0">
+              <a:solidFill>
+                <a:schemeClr val="bg1"/>
+              </a:solidFill>
+            </a:endParaRPr>
+          </a:p>
+        </p:txBody>
+      </p:sp>
+      <p:sp>
+        <p:nvSpPr>
+          <p:cNvPr id="59" name="TextBox 58"/>
+          <p:cNvSpPr txBox="1"/>
+          <p:nvPr/>
+        </p:nvSpPr>
+        <p:spPr>
+          <a:xfrm>
+            <a:off x="3937164" y="3377526"/>
+            <a:ext cx="1327608" cy="338554"/>
+          </a:xfrm>
+          <a:prstGeom prst="rect">
+            <a:avLst/>
+          </a:prstGeom>
+          <a:noFill/>
+        </p:spPr>
+        <p:txBody>
+          <a:bodyPr wrap="none" rtlCol="0">
+            <a:spAutoFit/>
+            <a:scene3d>
+              <a:camera prst="obliqueTopLeft"/>
+              <a:lightRig rig="threePt" dir="t"/>
+            </a:scene3d>
+          </a:bodyPr>
+          <a:lstStyle/>
+          <a:p>
+            <a:pPr algn="ctr"/>
+            <a:r>
+              <a:rPr lang="ko-KR" altLang="en-US" sz="1600" spc="-150" dirty="0" smtClean="0">
+                <a:solidFill>
+                  <a:schemeClr val="bg1"/>
+                </a:solidFill>
+              </a:rPr>
+              <a:t>입력해 주세요</a:t>
+            </a:r>
+            <a:endParaRPr lang="ko-KR" altLang="en-US" sz="1600" spc="-150" dirty="0">
+              <a:solidFill>
+                <a:schemeClr val="bg1"/>
+              </a:solidFill>
+            </a:endParaRPr>
+          </a:p>
+        </p:txBody>
+      </p:sp>
+      <p:sp>
+        <p:nvSpPr>
+          <p:cNvPr id="60" name="TextBox 59"/>
+          <p:cNvSpPr txBox="1"/>
+          <p:nvPr/>
+        </p:nvSpPr>
+        <p:spPr>
+          <a:xfrm>
+            <a:off x="3382204" y="3162795"/>
+            <a:ext cx="554960" cy="1015663"/>
+          </a:xfrm>
+          <a:prstGeom prst="rect">
+            <a:avLst/>
+          </a:prstGeom>
+          <a:noFill/>
+        </p:spPr>
+        <p:txBody>
+          <a:bodyPr wrap="none" rtlCol="0">
+            <a:spAutoFit/>
+            <a:scene3d>
+              <a:camera prst="obliqueTopLeft"/>
+              <a:lightRig rig="threePt" dir="t"/>
+            </a:scene3d>
+          </a:bodyPr>
+          <a:lstStyle/>
+          <a:p>
+            <a:pPr algn="ctr"/>
+            <a:r>
+              <a:rPr lang="en-US" altLang="ko-KR" sz="6000" spc="-150" dirty="0">
+                <a:solidFill>
+                  <a:schemeClr val="bg1"/>
+                </a:solidFill>
+              </a:rPr>
+              <a:t>2</a:t>
+            </a:r>
+            <a:endParaRPr lang="ko-KR" altLang="en-US" sz="6000" spc="-150" dirty="0">
+              <a:solidFill>
+                <a:schemeClr val="bg1"/>
+              </a:solidFill>
+            </a:endParaRPr>
+          </a:p>
+        </p:txBody>
+      </p:sp>
+      <p:sp>
+        <p:nvSpPr>
+          <p:cNvPr id="61" name="TextBox 60"/>
+          <p:cNvSpPr txBox="1"/>
+          <p:nvPr/>
+        </p:nvSpPr>
+        <p:spPr>
+          <a:xfrm>
+            <a:off x="3917177" y="3670626"/>
+            <a:ext cx="1808508" cy="307777"/>
+          </a:xfrm>
+          <a:prstGeom prst="rect">
+            <a:avLst/>
+          </a:prstGeom>
+          <a:noFill/>
+        </p:spPr>
+        <p:txBody>
+          <a:bodyPr wrap="none" rtlCol="0">
+            <a:spAutoFit/>
+            <a:scene3d>
+              <a:camera prst="obliqueTopLeft"/>
+              <a:lightRig rig="threePt" dir="t"/>
+            </a:scene3d>
+          </a:bodyPr>
+          <a:lstStyle/>
+          <a:p>
+            <a:pPr algn="ctr"/>
+            <a:r>
+              <a:rPr lang="ko-KR" altLang="en-US" sz="1400" spc="-150" smtClean="0">
+                <a:solidFill>
+                  <a:schemeClr val="bg1"/>
+                </a:solidFill>
+              </a:rPr>
+              <a:t>부연설명을 적어주세요</a:t>
+            </a:r>
+            <a:endParaRPr lang="ko-KR" altLang="en-US" sz="1400" spc="-150" dirty="0">
+              <a:solidFill>
+                <a:schemeClr val="bg1"/>
+              </a:solidFill>
+            </a:endParaRPr>
+          </a:p>
+        </p:txBody>
+      </p:sp>
+      <p:sp>
+        <p:nvSpPr>
+          <p:cNvPr id="62" name="TextBox 61"/>
+          <p:cNvSpPr txBox="1"/>
+          <p:nvPr/>
+        </p:nvSpPr>
+        <p:spPr>
+          <a:xfrm>
+            <a:off x="6743535" y="3377526"/>
+            <a:ext cx="1327608" cy="338554"/>
+          </a:xfrm>
+          <a:prstGeom prst="rect">
+            <a:avLst/>
+          </a:prstGeom>
+          <a:noFill/>
+        </p:spPr>
+        <p:txBody>
+          <a:bodyPr wrap="none" rtlCol="0">
+            <a:spAutoFit/>
+            <a:scene3d>
+              <a:camera prst="obliqueTopLeft"/>
+              <a:lightRig rig="threePt" dir="t"/>
+            </a:scene3d>
+          </a:bodyPr>
+          <a:lstStyle/>
+          <a:p>
+            <a:pPr algn="ctr"/>
+            <a:r>
+              <a:rPr lang="ko-KR" altLang="en-US" sz="1600" spc="-150" dirty="0" smtClean="0">
+                <a:solidFill>
+                  <a:schemeClr val="bg1"/>
+                </a:solidFill>
+              </a:rPr>
+              <a:t>입력해 주세요</a:t>
+            </a:r>
+            <a:endParaRPr lang="ko-KR" altLang="en-US" sz="1600" spc="-150" dirty="0">
+              <a:solidFill>
+                <a:schemeClr val="bg1"/>
+              </a:solidFill>
+            </a:endParaRPr>
+          </a:p>
+        </p:txBody>
+      </p:sp>
+      <p:sp>
+        <p:nvSpPr>
+          <p:cNvPr id="63" name="TextBox 62"/>
+          <p:cNvSpPr txBox="1"/>
+          <p:nvPr/>
+        </p:nvSpPr>
+        <p:spPr>
+          <a:xfrm>
+            <a:off x="6188575" y="3162795"/>
+            <a:ext cx="554960" cy="1015663"/>
+          </a:xfrm>
+          <a:prstGeom prst="rect">
+            <a:avLst/>
+          </a:prstGeom>
+          <a:noFill/>
+        </p:spPr>
+        <p:txBody>
+          <a:bodyPr wrap="none" rtlCol="0">
+            <a:spAutoFit/>
+            <a:scene3d>
+              <a:camera prst="obliqueTopLeft"/>
+              <a:lightRig rig="threePt" dir="t"/>
+            </a:scene3d>
+          </a:bodyPr>
+          <a:lstStyle/>
+          <a:p>
+            <a:pPr algn="ctr"/>
+            <a:r>
+              <a:rPr lang="en-US" altLang="ko-KR" sz="6000" spc="-150" dirty="0">
+                <a:solidFill>
+                  <a:schemeClr val="bg1"/>
+                </a:solidFill>
+              </a:rPr>
+              <a:t>3</a:t>
+            </a:r>
+            <a:endParaRPr lang="ko-KR" altLang="en-US" sz="6000" spc="-150" dirty="0">
+              <a:solidFill>
+                <a:schemeClr val="bg1"/>
+              </a:solidFill>
+            </a:endParaRPr>
+          </a:p>
+        </p:txBody>
+      </p:sp>
+      <p:sp>
+        <p:nvSpPr>
+          <p:cNvPr id="64" name="TextBox 63"/>
+          <p:cNvSpPr txBox="1"/>
+          <p:nvPr/>
+        </p:nvSpPr>
+        <p:spPr>
+          <a:xfrm>
+            <a:off x="6723548" y="3670626"/>
+            <a:ext cx="1808508" cy="307777"/>
+          </a:xfrm>
+          <a:prstGeom prst="rect">
+            <a:avLst/>
+          </a:prstGeom>
+          <a:noFill/>
+        </p:spPr>
+        <p:txBody>
+          <a:bodyPr wrap="none" rtlCol="0">
+            <a:spAutoFit/>
+            <a:scene3d>
+              <a:camera prst="obliqueTopLeft"/>
+              <a:lightRig rig="threePt" dir="t"/>
+            </a:scene3d>
+          </a:bodyPr>
+          <a:lstStyle/>
+          <a:p>
+            <a:pPr algn="ctr"/>
+            <a:r>
+              <a:rPr lang="ko-KR" altLang="en-US" sz="1400" spc="-150" smtClean="0">
+                <a:solidFill>
+                  <a:schemeClr val="bg1"/>
+                </a:solidFill>
+              </a:rPr>
+              <a:t>부연설명을 적어주세요</a:t>
+            </a:r>
+            <a:endParaRPr lang="ko-KR" altLang="en-US" sz="1400" spc="-150" dirty="0">
+              <a:solidFill>
+                <a:schemeClr val="bg1"/>
+              </a:solidFill>
+            </a:endParaRPr>
+          </a:p>
+        </p:txBody>
+      </p:sp>
       <p:grpSp>
         <p:nvGrpSpPr>
-          <p:cNvPr id="21" name="그룹 20"/>
+          <p:cNvPr id="17" name="그룹 16"/>
           <p:cNvGrpSpPr/>
           <p:nvPr/>
         </p:nvGrpSpPr>
         <p:grpSpPr>
           <a:xfrm>
-            <a:off x="403181" y="368163"/>
-            <a:ext cx="1146468" cy="984885"/>
-            <a:chOff x="1013515" y="2869322"/>
-            <a:chExt cx="1146468" cy="984885"/>
+            <a:off x="294712" y="327825"/>
+            <a:ext cx="815791" cy="984885"/>
+            <a:chOff x="3176488" y="2869321"/>
+            <a:chExt cx="815791" cy="984885"/>
           </a:xfrm>
         </p:grpSpPr>
         <p:sp>
           <p:nvSpPr>
-            <p:cNvPr id="22" name="TextBox 21"/>
+            <p:cNvPr id="18" name="TextBox 17"/>
             <p:cNvSpPr txBox="1"/>
             <p:nvPr/>
           </p:nvSpPr>
           <p:spPr>
             <a:xfrm>
-              <a:off x="1013515" y="2869322"/>
-              <a:ext cx="1146468" cy="984885"/>
+              <a:off x="3226310" y="2869321"/>
+              <a:ext cx="676788" cy="984885"/>
             </a:xfrm>
             <a:prstGeom prst="rect">
               <a:avLst/>
@@ -4973,12 +5347,20 @@
             <a:p>
               <a:pPr algn="ctr"/>
               <a:r>
+                <a:rPr lang="en-US" altLang="ko-KR" spc="-300" dirty="0" smtClean="0">
+                  <a:solidFill>
+                    <a:schemeClr val="bg1"/>
+                  </a:solidFill>
+                </a:rPr>
+                <a:t>2 </a:t>
+              </a:r>
+              <a:r>
                 <a:rPr lang="ko-KR" altLang="en-US" spc="-300" dirty="0" smtClean="0">
                   <a:solidFill>
                     <a:schemeClr val="bg1"/>
                   </a:solidFill>
                 </a:rPr>
-                <a:t>입력하세요</a:t>
+                <a:t>주 차</a:t>
               </a:r>
               <a:endParaRPr lang="ko-KR" altLang="en-US" spc="-300" dirty="0">
                 <a:solidFill>
@@ -4990,13 +5372,13 @@
         </p:sp>
         <p:cxnSp>
           <p:nvCxnSpPr>
-            <p:cNvPr id="23" name="직선 연결선 22"/>
+            <p:cNvPr id="19" name="직선 연결선 18"/>
             <p:cNvCxnSpPr/>
             <p:nvPr/>
           </p:nvCxnSpPr>
           <p:spPr>
             <a:xfrm>
-              <a:off x="1178854" y="3455890"/>
+              <a:off x="3176488" y="3455890"/>
               <a:ext cx="815791" cy="0"/>
             </a:xfrm>
             <a:prstGeom prst="line">
@@ -5024,397 +5406,10 @@
           </p:style>
         </p:cxnSp>
       </p:grpSp>
-      <p:sp>
-        <p:nvSpPr>
-          <p:cNvPr id="29" name="TextBox 28"/>
-          <p:cNvSpPr txBox="1"/>
-          <p:nvPr/>
-        </p:nvSpPr>
-        <p:spPr>
-          <a:xfrm>
-            <a:off x="1275882" y="3377526"/>
-            <a:ext cx="1327608" cy="338554"/>
-          </a:xfrm>
-          <a:prstGeom prst="rect">
-            <a:avLst/>
-          </a:prstGeom>
-          <a:noFill/>
-        </p:spPr>
-        <p:txBody>
-          <a:bodyPr wrap="none" rtlCol="0">
-            <a:spAutoFit/>
-            <a:scene3d>
-              <a:camera prst="obliqueTopLeft"/>
-              <a:lightRig rig="threePt" dir="t"/>
-            </a:scene3d>
-          </a:bodyPr>
-          <a:lstStyle/>
-          <a:p>
-            <a:pPr algn="ctr"/>
-            <a:r>
-              <a:rPr lang="ko-KR" altLang="en-US" sz="1600" spc="-150" dirty="0" smtClean="0">
-                <a:solidFill>
-                  <a:schemeClr val="bg1"/>
-                </a:solidFill>
-              </a:rPr>
-              <a:t>입력해 주세요</a:t>
-            </a:r>
-            <a:endParaRPr lang="ko-KR" altLang="en-US" sz="1600" spc="-150" dirty="0">
-              <a:solidFill>
-                <a:schemeClr val="bg1"/>
-              </a:solidFill>
-            </a:endParaRPr>
-          </a:p>
-        </p:txBody>
-      </p:sp>
-      <p:sp>
-        <p:nvSpPr>
-          <p:cNvPr id="57" name="TextBox 56"/>
-          <p:cNvSpPr txBox="1"/>
-          <p:nvPr/>
-        </p:nvSpPr>
-        <p:spPr>
-          <a:xfrm>
-            <a:off x="720922" y="3162795"/>
-            <a:ext cx="554960" cy="1015663"/>
-          </a:xfrm>
-          <a:prstGeom prst="rect">
-            <a:avLst/>
-          </a:prstGeom>
-          <a:noFill/>
-        </p:spPr>
-        <p:txBody>
-          <a:bodyPr wrap="none" rtlCol="0">
-            <a:spAutoFit/>
-            <a:scene3d>
-              <a:camera prst="obliqueTopLeft"/>
-              <a:lightRig rig="threePt" dir="t"/>
-            </a:scene3d>
-          </a:bodyPr>
-          <a:lstStyle/>
-          <a:p>
-            <a:pPr algn="ctr"/>
-            <a:r>
-              <a:rPr lang="en-US" altLang="ko-KR" sz="6000" spc="-150" dirty="0" smtClean="0">
-                <a:solidFill>
-                  <a:schemeClr val="bg1"/>
-                </a:solidFill>
-              </a:rPr>
-              <a:t>1</a:t>
-            </a:r>
-            <a:endParaRPr lang="ko-KR" altLang="en-US" sz="6000" spc="-150" dirty="0">
-              <a:solidFill>
-                <a:schemeClr val="bg1"/>
-              </a:solidFill>
-            </a:endParaRPr>
-          </a:p>
-        </p:txBody>
-      </p:sp>
-      <p:sp>
-        <p:nvSpPr>
-          <p:cNvPr id="58" name="TextBox 57"/>
-          <p:cNvSpPr txBox="1"/>
-          <p:nvPr/>
-        </p:nvSpPr>
-        <p:spPr>
-          <a:xfrm>
-            <a:off x="1255895" y="3670626"/>
-            <a:ext cx="1808508" cy="307777"/>
-          </a:xfrm>
-          <a:prstGeom prst="rect">
-            <a:avLst/>
-          </a:prstGeom>
-          <a:noFill/>
-        </p:spPr>
-        <p:txBody>
-          <a:bodyPr wrap="none" rtlCol="0">
-            <a:spAutoFit/>
-            <a:scene3d>
-              <a:camera prst="obliqueTopLeft"/>
-              <a:lightRig rig="threePt" dir="t"/>
-            </a:scene3d>
-          </a:bodyPr>
-          <a:lstStyle/>
-          <a:p>
-            <a:pPr algn="ctr"/>
-            <a:r>
-              <a:rPr lang="ko-KR" altLang="en-US" sz="1400" spc="-150" smtClean="0">
-                <a:solidFill>
-                  <a:schemeClr val="bg1"/>
-                </a:solidFill>
-              </a:rPr>
-              <a:t>부연설명을 적어주세요</a:t>
-            </a:r>
-            <a:endParaRPr lang="ko-KR" altLang="en-US" sz="1400" spc="-150" dirty="0">
-              <a:solidFill>
-                <a:schemeClr val="bg1"/>
-              </a:solidFill>
-            </a:endParaRPr>
-          </a:p>
-        </p:txBody>
-      </p:sp>
-      <p:sp>
-        <p:nvSpPr>
-          <p:cNvPr id="59" name="TextBox 58"/>
-          <p:cNvSpPr txBox="1"/>
-          <p:nvPr/>
-        </p:nvSpPr>
-        <p:spPr>
-          <a:xfrm>
-            <a:off x="3937164" y="3377526"/>
-            <a:ext cx="1327608" cy="338554"/>
-          </a:xfrm>
-          <a:prstGeom prst="rect">
-            <a:avLst/>
-          </a:prstGeom>
-          <a:noFill/>
-        </p:spPr>
-        <p:txBody>
-          <a:bodyPr wrap="none" rtlCol="0">
-            <a:spAutoFit/>
-            <a:scene3d>
-              <a:camera prst="obliqueTopLeft"/>
-              <a:lightRig rig="threePt" dir="t"/>
-            </a:scene3d>
-          </a:bodyPr>
-          <a:lstStyle/>
-          <a:p>
-            <a:pPr algn="ctr"/>
-            <a:r>
-              <a:rPr lang="ko-KR" altLang="en-US" sz="1600" spc="-150" dirty="0" smtClean="0">
-                <a:solidFill>
-                  <a:schemeClr val="bg1"/>
-                </a:solidFill>
-              </a:rPr>
-              <a:t>입력해 주세요</a:t>
-            </a:r>
-            <a:endParaRPr lang="ko-KR" altLang="en-US" sz="1600" spc="-150" dirty="0">
-              <a:solidFill>
-                <a:schemeClr val="bg1"/>
-              </a:solidFill>
-            </a:endParaRPr>
-          </a:p>
-        </p:txBody>
-      </p:sp>
-      <p:sp>
-        <p:nvSpPr>
-          <p:cNvPr id="60" name="TextBox 59"/>
-          <p:cNvSpPr txBox="1"/>
-          <p:nvPr/>
-        </p:nvSpPr>
-        <p:spPr>
-          <a:xfrm>
-            <a:off x="3382204" y="3162795"/>
-            <a:ext cx="554960" cy="1015663"/>
-          </a:xfrm>
-          <a:prstGeom prst="rect">
-            <a:avLst/>
-          </a:prstGeom>
-          <a:noFill/>
-        </p:spPr>
-        <p:txBody>
-          <a:bodyPr wrap="none" rtlCol="0">
-            <a:spAutoFit/>
-            <a:scene3d>
-              <a:camera prst="obliqueTopLeft"/>
-              <a:lightRig rig="threePt" dir="t"/>
-            </a:scene3d>
-          </a:bodyPr>
-          <a:lstStyle/>
-          <a:p>
-            <a:pPr algn="ctr"/>
-            <a:r>
-              <a:rPr lang="en-US" altLang="ko-KR" sz="6000" spc="-150" dirty="0">
-                <a:solidFill>
-                  <a:schemeClr val="bg1"/>
-                </a:solidFill>
-              </a:rPr>
-              <a:t>2</a:t>
-            </a:r>
-            <a:endParaRPr lang="ko-KR" altLang="en-US" sz="6000" spc="-150" dirty="0">
-              <a:solidFill>
-                <a:schemeClr val="bg1"/>
-              </a:solidFill>
-            </a:endParaRPr>
-          </a:p>
-        </p:txBody>
-      </p:sp>
-      <p:sp>
-        <p:nvSpPr>
-          <p:cNvPr id="61" name="TextBox 60"/>
-          <p:cNvSpPr txBox="1"/>
-          <p:nvPr/>
-        </p:nvSpPr>
-        <p:spPr>
-          <a:xfrm>
-            <a:off x="3917177" y="3670626"/>
-            <a:ext cx="1808508" cy="307777"/>
-          </a:xfrm>
-          <a:prstGeom prst="rect">
-            <a:avLst/>
-          </a:prstGeom>
-          <a:noFill/>
-        </p:spPr>
-        <p:txBody>
-          <a:bodyPr wrap="none" rtlCol="0">
-            <a:spAutoFit/>
-            <a:scene3d>
-              <a:camera prst="obliqueTopLeft"/>
-              <a:lightRig rig="threePt" dir="t"/>
-            </a:scene3d>
-          </a:bodyPr>
-          <a:lstStyle/>
-          <a:p>
-            <a:pPr algn="ctr"/>
-            <a:r>
-              <a:rPr lang="ko-KR" altLang="en-US" sz="1400" spc="-150" smtClean="0">
-                <a:solidFill>
-                  <a:schemeClr val="bg1"/>
-                </a:solidFill>
-              </a:rPr>
-              <a:t>부연설명을 적어주세요</a:t>
-            </a:r>
-            <a:endParaRPr lang="ko-KR" altLang="en-US" sz="1400" spc="-150" dirty="0">
-              <a:solidFill>
-                <a:schemeClr val="bg1"/>
-              </a:solidFill>
-            </a:endParaRPr>
-          </a:p>
-        </p:txBody>
-      </p:sp>
-      <p:sp>
-        <p:nvSpPr>
-          <p:cNvPr id="62" name="TextBox 61"/>
-          <p:cNvSpPr txBox="1"/>
-          <p:nvPr/>
-        </p:nvSpPr>
-        <p:spPr>
-          <a:xfrm>
-            <a:off x="6743535" y="3377526"/>
-            <a:ext cx="1327608" cy="338554"/>
-          </a:xfrm>
-          <a:prstGeom prst="rect">
-            <a:avLst/>
-          </a:prstGeom>
-          <a:noFill/>
-        </p:spPr>
-        <p:txBody>
-          <a:bodyPr wrap="none" rtlCol="0">
-            <a:spAutoFit/>
-            <a:scene3d>
-              <a:camera prst="obliqueTopLeft"/>
-              <a:lightRig rig="threePt" dir="t"/>
-            </a:scene3d>
-          </a:bodyPr>
-          <a:lstStyle/>
-          <a:p>
-            <a:pPr algn="ctr"/>
-            <a:r>
-              <a:rPr lang="ko-KR" altLang="en-US" sz="1600" spc="-150" dirty="0" smtClean="0">
-                <a:solidFill>
-                  <a:schemeClr val="bg1"/>
-                </a:solidFill>
-              </a:rPr>
-              <a:t>입력해 주세요</a:t>
-            </a:r>
-            <a:endParaRPr lang="ko-KR" altLang="en-US" sz="1600" spc="-150" dirty="0">
-              <a:solidFill>
-                <a:schemeClr val="bg1"/>
-              </a:solidFill>
-            </a:endParaRPr>
-          </a:p>
-        </p:txBody>
-      </p:sp>
-      <p:sp>
-        <p:nvSpPr>
-          <p:cNvPr id="63" name="TextBox 62"/>
-          <p:cNvSpPr txBox="1"/>
-          <p:nvPr/>
-        </p:nvSpPr>
-        <p:spPr>
-          <a:xfrm>
-            <a:off x="6188575" y="3162795"/>
-            <a:ext cx="554960" cy="1015663"/>
-          </a:xfrm>
-          <a:prstGeom prst="rect">
-            <a:avLst/>
-          </a:prstGeom>
-          <a:noFill/>
-        </p:spPr>
-        <p:txBody>
-          <a:bodyPr wrap="none" rtlCol="0">
-            <a:spAutoFit/>
-            <a:scene3d>
-              <a:camera prst="obliqueTopLeft"/>
-              <a:lightRig rig="threePt" dir="t"/>
-            </a:scene3d>
-          </a:bodyPr>
-          <a:lstStyle/>
-          <a:p>
-            <a:pPr algn="ctr"/>
-            <a:r>
-              <a:rPr lang="en-US" altLang="ko-KR" sz="6000" spc="-150" dirty="0">
-                <a:solidFill>
-                  <a:schemeClr val="bg1"/>
-                </a:solidFill>
-              </a:rPr>
-              <a:t>3</a:t>
-            </a:r>
-            <a:endParaRPr lang="ko-KR" altLang="en-US" sz="6000" spc="-150" dirty="0">
-              <a:solidFill>
-                <a:schemeClr val="bg1"/>
-              </a:solidFill>
-            </a:endParaRPr>
-          </a:p>
-        </p:txBody>
-      </p:sp>
-      <p:sp>
-        <p:nvSpPr>
-          <p:cNvPr id="64" name="TextBox 63"/>
-          <p:cNvSpPr txBox="1"/>
-          <p:nvPr/>
-        </p:nvSpPr>
-        <p:spPr>
-          <a:xfrm>
-            <a:off x="6723548" y="3670626"/>
-            <a:ext cx="1808508" cy="307777"/>
-          </a:xfrm>
-          <a:prstGeom prst="rect">
-            <a:avLst/>
-          </a:prstGeom>
-          <a:noFill/>
-        </p:spPr>
-        <p:txBody>
-          <a:bodyPr wrap="none" rtlCol="0">
-            <a:spAutoFit/>
-            <a:scene3d>
-              <a:camera prst="obliqueTopLeft"/>
-              <a:lightRig rig="threePt" dir="t"/>
-            </a:scene3d>
-          </a:bodyPr>
-          <a:lstStyle/>
-          <a:p>
-            <a:pPr algn="ctr"/>
-            <a:r>
-              <a:rPr lang="ko-KR" altLang="en-US" sz="1400" spc="-150" smtClean="0">
-                <a:solidFill>
-                  <a:schemeClr val="bg1"/>
-                </a:solidFill>
-              </a:rPr>
-              <a:t>부연설명을 적어주세요</a:t>
-            </a:r>
-            <a:endParaRPr lang="ko-KR" altLang="en-US" sz="1400" spc="-150" dirty="0">
-              <a:solidFill>
-                <a:schemeClr val="bg1"/>
-              </a:solidFill>
-            </a:endParaRPr>
-          </a:p>
-        </p:txBody>
-      </p:sp>
     </p:spTree>
     <p:extLst>
       <p:ext uri="{BB962C8B-B14F-4D97-AF65-F5344CB8AC3E}">
-        <p14:creationId xmlns="" xmlns:p14="http://schemas.microsoft.com/office/powerpoint/2010/main" val="3402091677"/>
+        <p14:creationId xmlns:p14="http://schemas.microsoft.com/office/powerpoint/2010/main" xmlns="" val="3402091677"/>
       </p:ext>
     </p:extLst>
   </p:cSld>
@@ -5544,30 +5539,367 @@
           </a:p>
         </p:txBody>
       </p:sp>
+      <p:sp>
+        <p:nvSpPr>
+          <p:cNvPr id="64" name="TextBox 63"/>
+          <p:cNvSpPr txBox="1"/>
+          <p:nvPr/>
+        </p:nvSpPr>
+        <p:spPr>
+          <a:xfrm>
+            <a:off x="2207297" y="3716100"/>
+            <a:ext cx="2151551" cy="1384995"/>
+          </a:xfrm>
+          <a:prstGeom prst="rect">
+            <a:avLst/>
+          </a:prstGeom>
+          <a:noFill/>
+        </p:spPr>
+        <p:txBody>
+          <a:bodyPr wrap="none" rtlCol="0">
+            <a:spAutoFit/>
+            <a:scene3d>
+              <a:camera prst="obliqueTopLeft"/>
+              <a:lightRig rig="threePt" dir="t"/>
+            </a:scene3d>
+          </a:bodyPr>
+          <a:lstStyle/>
+          <a:p>
+            <a:r>
+              <a:rPr lang="en-US" altLang="ko-KR" sz="2800" spc="-300" dirty="0" smtClean="0">
+                <a:solidFill>
+                  <a:schemeClr val="bg1"/>
+                </a:solidFill>
+              </a:rPr>
+              <a:t>@@</a:t>
+            </a:r>
+            <a:r>
+              <a:rPr lang="ko-KR" altLang="en-US" sz="2800" spc="-300" dirty="0" smtClean="0">
+                <a:solidFill>
+                  <a:schemeClr val="bg1"/>
+                </a:solidFill>
+              </a:rPr>
+              <a:t>제품을</a:t>
+            </a:r>
+            <a:endParaRPr lang="en-US" altLang="ko-KR" sz="2800" spc="-300" dirty="0" smtClean="0">
+              <a:solidFill>
+                <a:schemeClr val="bg1"/>
+              </a:solidFill>
+            </a:endParaRPr>
+          </a:p>
+          <a:p>
+            <a:r>
+              <a:rPr lang="ko-KR" altLang="en-US" sz="2800" spc="-300" dirty="0" smtClean="0">
+                <a:solidFill>
+                  <a:schemeClr val="bg1"/>
+                </a:solidFill>
+              </a:rPr>
+              <a:t>사용하는</a:t>
+            </a:r>
+            <a:endParaRPr lang="en-US" altLang="ko-KR" sz="2800" spc="-300" dirty="0" smtClean="0">
+              <a:solidFill>
+                <a:schemeClr val="bg1"/>
+              </a:solidFill>
+            </a:endParaRPr>
+          </a:p>
+          <a:p>
+            <a:r>
+              <a:rPr lang="ko-KR" altLang="en-US" sz="2800" spc="-300" dirty="0" smtClean="0">
+                <a:solidFill>
+                  <a:schemeClr val="bg1"/>
+                </a:solidFill>
+              </a:rPr>
+              <a:t>사람들의 비율</a:t>
+            </a:r>
+            <a:endParaRPr lang="en-US" altLang="ko-KR" sz="2800" spc="-300" dirty="0">
+              <a:solidFill>
+                <a:schemeClr val="bg1"/>
+              </a:solidFill>
+            </a:endParaRPr>
+          </a:p>
+        </p:txBody>
+      </p:sp>
+      <p:pic>
+        <p:nvPicPr>
+          <p:cNvPr id="8" name="그림 7"/>
+          <p:cNvPicPr>
+            <a:picLocks noChangeAspect="1"/>
+          </p:cNvPicPr>
+          <p:nvPr/>
+        </p:nvPicPr>
+        <p:blipFill rotWithShape="1">
+          <a:blip r:embed="rId2">
+            <a:clrChange>
+              <a:clrFrom>
+                <a:srgbClr val="FFFFFF"/>
+              </a:clrFrom>
+              <a:clrTo>
+                <a:srgbClr val="FFFFFF">
+                  <a:alpha val="0"/>
+                </a:srgbClr>
+              </a:clrTo>
+            </a:clrChange>
+            <a:lum bright="89000"/>
+            <a:extLst>
+              <a:ext uri="{28A0092B-C50C-407E-A947-70E740481C1C}">
+                <a14:useLocalDpi xmlns:a14="http://schemas.microsoft.com/office/drawing/2010/main" xmlns="" val="0"/>
+              </a:ext>
+            </a:extLst>
+          </a:blip>
+          <a:srcRect r="67185" b="-1381"/>
+          <a:stretch/>
+        </p:blipFill>
+        <p:spPr>
+          <a:xfrm>
+            <a:off x="1334259" y="2403867"/>
+            <a:ext cx="873038" cy="2697229"/>
+          </a:xfrm>
+          <a:prstGeom prst="rect">
+            <a:avLst/>
+          </a:prstGeom>
+        </p:spPr>
+      </p:pic>
+      <p:pic>
+        <p:nvPicPr>
+          <p:cNvPr id="24" name="그림 23"/>
+          <p:cNvPicPr>
+            <a:picLocks noChangeAspect="1"/>
+          </p:cNvPicPr>
+          <p:nvPr/>
+        </p:nvPicPr>
+        <p:blipFill rotWithShape="1">
+          <a:blip r:embed="rId2">
+            <a:clrChange>
+              <a:clrFrom>
+                <a:srgbClr val="FFFFFF"/>
+              </a:clrFrom>
+              <a:clrTo>
+                <a:srgbClr val="FFFFFF">
+                  <a:alpha val="0"/>
+                </a:srgbClr>
+              </a:clrTo>
+            </a:clrChange>
+            <a:lum bright="89000"/>
+            <a:extLst>
+              <a:ext uri="{28A0092B-C50C-407E-A947-70E740481C1C}">
+                <a14:useLocalDpi xmlns:a14="http://schemas.microsoft.com/office/drawing/2010/main" xmlns="" val="0"/>
+              </a:ext>
+            </a:extLst>
+          </a:blip>
+          <a:srcRect l="32472" t="-1" r="28150" b="691"/>
+          <a:stretch/>
+        </p:blipFill>
+        <p:spPr>
+          <a:xfrm>
+            <a:off x="6933691" y="2580601"/>
+            <a:ext cx="1040180" cy="2623260"/>
+          </a:xfrm>
+          <a:prstGeom prst="rect">
+            <a:avLst/>
+          </a:prstGeom>
+        </p:spPr>
+      </p:pic>
+      <p:sp>
+        <p:nvSpPr>
+          <p:cNvPr id="25" name="TextBox 24"/>
+          <p:cNvSpPr txBox="1"/>
+          <p:nvPr/>
+        </p:nvSpPr>
+        <p:spPr>
+          <a:xfrm>
+            <a:off x="2285085" y="2732490"/>
+            <a:ext cx="1590500" cy="1107996"/>
+          </a:xfrm>
+          <a:prstGeom prst="rect">
+            <a:avLst/>
+          </a:prstGeom>
+          <a:noFill/>
+        </p:spPr>
+        <p:txBody>
+          <a:bodyPr wrap="none" rtlCol="0">
+            <a:spAutoFit/>
+            <a:scene3d>
+              <a:camera prst="obliqueTopLeft"/>
+              <a:lightRig rig="threePt" dir="t"/>
+            </a:scene3d>
+          </a:bodyPr>
+          <a:lstStyle/>
+          <a:p>
+            <a:pPr algn="ctr"/>
+            <a:r>
+              <a:rPr lang="en-US" altLang="ko-KR" sz="6600" i="1" spc="-150" dirty="0" smtClean="0">
+                <a:solidFill>
+                  <a:schemeClr val="accent4">
+                    <a:lumMod val="75000"/>
+                  </a:schemeClr>
+                </a:solidFill>
+              </a:rPr>
+              <a:t>48%</a:t>
+            </a:r>
+            <a:endParaRPr lang="ko-KR" altLang="en-US" sz="6600" i="1" spc="-150" dirty="0">
+              <a:solidFill>
+                <a:schemeClr val="accent4">
+                  <a:lumMod val="75000"/>
+                </a:schemeClr>
+              </a:solidFill>
+            </a:endParaRPr>
+          </a:p>
+        </p:txBody>
+      </p:sp>
+      <p:sp>
+        <p:nvSpPr>
+          <p:cNvPr id="26" name="TextBox 25"/>
+          <p:cNvSpPr txBox="1"/>
+          <p:nvPr/>
+        </p:nvSpPr>
+        <p:spPr>
+          <a:xfrm>
+            <a:off x="4782140" y="3716099"/>
+            <a:ext cx="2151551" cy="1384995"/>
+          </a:xfrm>
+          <a:prstGeom prst="rect">
+            <a:avLst/>
+          </a:prstGeom>
+          <a:noFill/>
+        </p:spPr>
+        <p:txBody>
+          <a:bodyPr wrap="none" rtlCol="0">
+            <a:spAutoFit/>
+            <a:scene3d>
+              <a:camera prst="obliqueTopLeft"/>
+              <a:lightRig rig="threePt" dir="t"/>
+            </a:scene3d>
+          </a:bodyPr>
+          <a:lstStyle/>
+          <a:p>
+            <a:pPr algn="r"/>
+            <a:r>
+              <a:rPr lang="en-US" altLang="ko-KR" sz="2800" spc="-300" dirty="0" smtClean="0">
+                <a:solidFill>
+                  <a:schemeClr val="bg1"/>
+                </a:solidFill>
+              </a:rPr>
+              <a:t>**</a:t>
+            </a:r>
+            <a:r>
+              <a:rPr lang="ko-KR" altLang="en-US" sz="2800" spc="-300" dirty="0" smtClean="0">
+                <a:solidFill>
+                  <a:schemeClr val="bg1"/>
+                </a:solidFill>
+              </a:rPr>
+              <a:t>제품을</a:t>
+            </a:r>
+            <a:endParaRPr lang="en-US" altLang="ko-KR" sz="2800" spc="-300" dirty="0" smtClean="0">
+              <a:solidFill>
+                <a:schemeClr val="bg1"/>
+              </a:solidFill>
+            </a:endParaRPr>
+          </a:p>
+          <a:p>
+            <a:pPr algn="r"/>
+            <a:r>
+              <a:rPr lang="ko-KR" altLang="en-US" sz="2800" spc="-300" dirty="0" smtClean="0">
+                <a:solidFill>
+                  <a:schemeClr val="bg1"/>
+                </a:solidFill>
+              </a:rPr>
+              <a:t>사용하는</a:t>
+            </a:r>
+            <a:endParaRPr lang="en-US" altLang="ko-KR" sz="2800" spc="-300" dirty="0" smtClean="0">
+              <a:solidFill>
+                <a:schemeClr val="bg1"/>
+              </a:solidFill>
+            </a:endParaRPr>
+          </a:p>
+          <a:p>
+            <a:pPr algn="r"/>
+            <a:r>
+              <a:rPr lang="ko-KR" altLang="en-US" sz="2800" spc="-300" dirty="0" smtClean="0">
+                <a:solidFill>
+                  <a:schemeClr val="bg1"/>
+                </a:solidFill>
+              </a:rPr>
+              <a:t>사람들의 비율</a:t>
+            </a:r>
+            <a:endParaRPr lang="en-US" altLang="ko-KR" sz="2800" spc="-300" dirty="0">
+              <a:solidFill>
+                <a:schemeClr val="bg1"/>
+              </a:solidFill>
+            </a:endParaRPr>
+          </a:p>
+        </p:txBody>
+      </p:sp>
+      <p:sp>
+        <p:nvSpPr>
+          <p:cNvPr id="27" name="TextBox 26"/>
+          <p:cNvSpPr txBox="1"/>
+          <p:nvPr/>
+        </p:nvSpPr>
+        <p:spPr>
+          <a:xfrm>
+            <a:off x="5343191" y="2727117"/>
+            <a:ext cx="1590500" cy="1107996"/>
+          </a:xfrm>
+          <a:prstGeom prst="rect">
+            <a:avLst/>
+          </a:prstGeom>
+          <a:noFill/>
+        </p:spPr>
+        <p:txBody>
+          <a:bodyPr wrap="none" rtlCol="0">
+            <a:spAutoFit/>
+            <a:scene3d>
+              <a:camera prst="obliqueTopLeft"/>
+              <a:lightRig rig="threePt" dir="t"/>
+            </a:scene3d>
+          </a:bodyPr>
+          <a:lstStyle/>
+          <a:p>
+            <a:pPr algn="ctr"/>
+            <a:r>
+              <a:rPr lang="en-US" altLang="ko-KR" sz="6600" i="1" spc="-150" dirty="0" smtClean="0">
+                <a:solidFill>
+                  <a:schemeClr val="accent4">
+                    <a:lumMod val="75000"/>
+                  </a:schemeClr>
+                </a:solidFill>
+              </a:rPr>
+              <a:t>52%</a:t>
+            </a:r>
+            <a:endParaRPr lang="ko-KR" altLang="en-US" sz="6600" i="1" spc="-150" dirty="0">
+              <a:solidFill>
+                <a:schemeClr val="accent4">
+                  <a:lumMod val="75000"/>
+                </a:schemeClr>
+              </a:solidFill>
+            </a:endParaRPr>
+          </a:p>
+        </p:txBody>
+      </p:sp>
       <p:grpSp>
         <p:nvGrpSpPr>
-          <p:cNvPr id="21" name="그룹 20"/>
+          <p:cNvPr id="13" name="그룹 12"/>
           <p:cNvGrpSpPr/>
           <p:nvPr/>
         </p:nvGrpSpPr>
         <p:grpSpPr>
           <a:xfrm>
-            <a:off x="403181" y="368163"/>
-            <a:ext cx="1146468" cy="984885"/>
-            <a:chOff x="1013515" y="2869322"/>
-            <a:chExt cx="1146468" cy="984885"/>
+            <a:off x="406902" y="408505"/>
+            <a:ext cx="819759" cy="984885"/>
+            <a:chOff x="5170155" y="2869321"/>
+            <a:chExt cx="819759" cy="984885"/>
           </a:xfrm>
         </p:grpSpPr>
         <p:sp>
           <p:nvSpPr>
-            <p:cNvPr id="22" name="TextBox 21"/>
+            <p:cNvPr id="14" name="TextBox 13"/>
             <p:cNvSpPr txBox="1"/>
             <p:nvPr/>
           </p:nvSpPr>
           <p:spPr>
             <a:xfrm>
-              <a:off x="1013515" y="2869322"/>
-              <a:ext cx="1146468" cy="984885"/>
+              <a:off x="5170155" y="2869321"/>
+              <a:ext cx="676787" cy="984885"/>
             </a:xfrm>
             <a:prstGeom prst="rect">
               <a:avLst/>
@@ -5586,23 +5918,36 @@
             <a:p>
               <a:pPr algn="ctr"/>
               <a:r>
-                <a:rPr lang="en-US" altLang="ko-KR" sz="4000" spc="-300" dirty="0" smtClean="0">
+                <a:rPr lang="en-US" altLang="ko-KR" sz="4000" spc="-300" dirty="0">
                   <a:solidFill>
                     <a:schemeClr val="bg1"/>
                   </a:solidFill>
                 </a:rPr>
                 <a:t>3</a:t>
               </a:r>
+              <a:endParaRPr lang="en-US" altLang="ko-KR" sz="4000" spc="-300" dirty="0" smtClean="0">
+                <a:solidFill>
+                  <a:schemeClr val="bg1"/>
+                </a:solidFill>
+              </a:endParaRPr>
             </a:p>
             <a:p>
               <a:pPr algn="ctr"/>
+              <a:r>
+                <a:rPr lang="en-US" altLang="ko-KR" spc="-300" dirty="0" smtClean="0">
+                  <a:solidFill>
+                    <a:schemeClr val="bg1"/>
+                  </a:solidFill>
+                </a:rPr>
+                <a:t>3 </a:t>
+              </a:r>
               <a:r>
                 <a:rPr lang="ko-KR" altLang="en-US" spc="-300" dirty="0" smtClean="0">
                   <a:solidFill>
                     <a:schemeClr val="bg1"/>
                   </a:solidFill>
                 </a:rPr>
-                <a:t>입력하세요</a:t>
+                <a:t>주 차</a:t>
               </a:r>
               <a:endParaRPr lang="ko-KR" altLang="en-US" spc="-300" dirty="0">
                 <a:solidFill>
@@ -5614,13 +5959,13 @@
         </p:sp>
         <p:cxnSp>
           <p:nvCxnSpPr>
-            <p:cNvPr id="23" name="직선 연결선 22"/>
+            <p:cNvPr id="15" name="직선 연결선 14"/>
             <p:cNvCxnSpPr/>
             <p:nvPr/>
           </p:nvCxnSpPr>
           <p:spPr>
             <a:xfrm>
-              <a:off x="1178854" y="3455890"/>
+              <a:off x="5174123" y="3455890"/>
               <a:ext cx="815791" cy="0"/>
             </a:xfrm>
             <a:prstGeom prst="line">
@@ -5648,347 +5993,10 @@
           </p:style>
         </p:cxnSp>
       </p:grpSp>
-      <p:sp>
-        <p:nvSpPr>
-          <p:cNvPr id="64" name="TextBox 63"/>
-          <p:cNvSpPr txBox="1"/>
-          <p:nvPr/>
-        </p:nvSpPr>
-        <p:spPr>
-          <a:xfrm>
-            <a:off x="2207297" y="3716100"/>
-            <a:ext cx="2151551" cy="1384995"/>
-          </a:xfrm>
-          <a:prstGeom prst="rect">
-            <a:avLst/>
-          </a:prstGeom>
-          <a:noFill/>
-        </p:spPr>
-        <p:txBody>
-          <a:bodyPr wrap="none" rtlCol="0">
-            <a:spAutoFit/>
-            <a:scene3d>
-              <a:camera prst="obliqueTopLeft"/>
-              <a:lightRig rig="threePt" dir="t"/>
-            </a:scene3d>
-          </a:bodyPr>
-          <a:lstStyle/>
-          <a:p>
-            <a:r>
-              <a:rPr lang="en-US" altLang="ko-KR" sz="2800" spc="-300" dirty="0" smtClean="0">
-                <a:solidFill>
-                  <a:schemeClr val="bg1"/>
-                </a:solidFill>
-              </a:rPr>
-              <a:t>@@</a:t>
-            </a:r>
-            <a:r>
-              <a:rPr lang="ko-KR" altLang="en-US" sz="2800" spc="-300" dirty="0" smtClean="0">
-                <a:solidFill>
-                  <a:schemeClr val="bg1"/>
-                </a:solidFill>
-              </a:rPr>
-              <a:t>제품을</a:t>
-            </a:r>
-            <a:endParaRPr lang="en-US" altLang="ko-KR" sz="2800" spc="-300" dirty="0" smtClean="0">
-              <a:solidFill>
-                <a:schemeClr val="bg1"/>
-              </a:solidFill>
-            </a:endParaRPr>
-          </a:p>
-          <a:p>
-            <a:r>
-              <a:rPr lang="ko-KR" altLang="en-US" sz="2800" spc="-300" dirty="0" smtClean="0">
-                <a:solidFill>
-                  <a:schemeClr val="bg1"/>
-                </a:solidFill>
-              </a:rPr>
-              <a:t>사용하는</a:t>
-            </a:r>
-            <a:endParaRPr lang="en-US" altLang="ko-KR" sz="2800" spc="-300" dirty="0" smtClean="0">
-              <a:solidFill>
-                <a:schemeClr val="bg1"/>
-              </a:solidFill>
-            </a:endParaRPr>
-          </a:p>
-          <a:p>
-            <a:r>
-              <a:rPr lang="ko-KR" altLang="en-US" sz="2800" spc="-300" dirty="0" smtClean="0">
-                <a:solidFill>
-                  <a:schemeClr val="bg1"/>
-                </a:solidFill>
-              </a:rPr>
-              <a:t>사람들의 비율</a:t>
-            </a:r>
-            <a:endParaRPr lang="en-US" altLang="ko-KR" sz="2800" spc="-300" dirty="0">
-              <a:solidFill>
-                <a:schemeClr val="bg1"/>
-              </a:solidFill>
-            </a:endParaRPr>
-          </a:p>
-        </p:txBody>
-      </p:sp>
-      <p:pic>
-        <p:nvPicPr>
-          <p:cNvPr id="8" name="그림 7"/>
-          <p:cNvPicPr>
-            <a:picLocks noChangeAspect="1"/>
-          </p:cNvPicPr>
-          <p:nvPr/>
-        </p:nvPicPr>
-        <p:blipFill rotWithShape="1">
-          <a:blip r:embed="rId2">
-            <a:clrChange>
-              <a:clrFrom>
-                <a:srgbClr val="FFFFFF"/>
-              </a:clrFrom>
-              <a:clrTo>
-                <a:srgbClr val="FFFFFF">
-                  <a:alpha val="0"/>
-                </a:srgbClr>
-              </a:clrTo>
-            </a:clrChange>
-            <a:lum bright="89000"/>
-            <a:extLst>
-              <a:ext uri="{28A0092B-C50C-407E-A947-70E740481C1C}">
-                <a14:useLocalDpi xmlns="" xmlns:a14="http://schemas.microsoft.com/office/drawing/2010/main" val="0"/>
-              </a:ext>
-            </a:extLst>
-          </a:blip>
-          <a:srcRect r="67185" b="-1381"/>
-          <a:stretch/>
-        </p:blipFill>
-        <p:spPr>
-          <a:xfrm>
-            <a:off x="1334259" y="2403867"/>
-            <a:ext cx="873038" cy="2697229"/>
-          </a:xfrm>
-          <a:prstGeom prst="rect">
-            <a:avLst/>
-          </a:prstGeom>
-        </p:spPr>
-      </p:pic>
-      <p:pic>
-        <p:nvPicPr>
-          <p:cNvPr id="24" name="그림 23"/>
-          <p:cNvPicPr>
-            <a:picLocks noChangeAspect="1"/>
-          </p:cNvPicPr>
-          <p:nvPr/>
-        </p:nvPicPr>
-        <p:blipFill rotWithShape="1">
-          <a:blip r:embed="rId2">
-            <a:clrChange>
-              <a:clrFrom>
-                <a:srgbClr val="FFFFFF"/>
-              </a:clrFrom>
-              <a:clrTo>
-                <a:srgbClr val="FFFFFF">
-                  <a:alpha val="0"/>
-                </a:srgbClr>
-              </a:clrTo>
-            </a:clrChange>
-            <a:lum bright="89000"/>
-            <a:extLst>
-              <a:ext uri="{28A0092B-C50C-407E-A947-70E740481C1C}">
-                <a14:useLocalDpi xmlns="" xmlns:a14="http://schemas.microsoft.com/office/drawing/2010/main" val="0"/>
-              </a:ext>
-            </a:extLst>
-          </a:blip>
-          <a:srcRect l="32472" t="-1" r="28150" b="691"/>
-          <a:stretch/>
-        </p:blipFill>
-        <p:spPr>
-          <a:xfrm>
-            <a:off x="6933691" y="2580601"/>
-            <a:ext cx="1040180" cy="2623260"/>
-          </a:xfrm>
-          <a:prstGeom prst="rect">
-            <a:avLst/>
-          </a:prstGeom>
-        </p:spPr>
-      </p:pic>
-      <p:sp>
-        <p:nvSpPr>
-          <p:cNvPr id="25" name="TextBox 24"/>
-          <p:cNvSpPr txBox="1"/>
-          <p:nvPr/>
-        </p:nvSpPr>
-        <p:spPr>
-          <a:xfrm>
-            <a:off x="2285085" y="2732490"/>
-            <a:ext cx="1590500" cy="1107996"/>
-          </a:xfrm>
-          <a:prstGeom prst="rect">
-            <a:avLst/>
-          </a:prstGeom>
-          <a:noFill/>
-        </p:spPr>
-        <p:txBody>
-          <a:bodyPr wrap="none" rtlCol="0">
-            <a:spAutoFit/>
-            <a:scene3d>
-              <a:camera prst="obliqueTopLeft"/>
-              <a:lightRig rig="threePt" dir="t"/>
-            </a:scene3d>
-          </a:bodyPr>
-          <a:lstStyle/>
-          <a:p>
-            <a:pPr algn="ctr"/>
-            <a:r>
-              <a:rPr lang="en-US" altLang="ko-KR" sz="6600" i="1" spc="-150" dirty="0" smtClean="0">
-                <a:solidFill>
-                  <a:schemeClr val="accent4">
-                    <a:lumMod val="75000"/>
-                  </a:schemeClr>
-                </a:solidFill>
-              </a:rPr>
-              <a:t>48%</a:t>
-            </a:r>
-            <a:endParaRPr lang="ko-KR" altLang="en-US" sz="6600" i="1" spc="-150" dirty="0">
-              <a:solidFill>
-                <a:schemeClr val="accent4">
-                  <a:lumMod val="75000"/>
-                </a:schemeClr>
-              </a:solidFill>
-            </a:endParaRPr>
-          </a:p>
-        </p:txBody>
-      </p:sp>
-      <p:sp>
-        <p:nvSpPr>
-          <p:cNvPr id="26" name="TextBox 25"/>
-          <p:cNvSpPr txBox="1"/>
-          <p:nvPr/>
-        </p:nvSpPr>
-        <p:spPr>
-          <a:xfrm>
-            <a:off x="4782140" y="3716099"/>
-            <a:ext cx="2151551" cy="1384995"/>
-          </a:xfrm>
-          <a:prstGeom prst="rect">
-            <a:avLst/>
-          </a:prstGeom>
-          <a:noFill/>
-        </p:spPr>
-        <p:txBody>
-          <a:bodyPr wrap="none" rtlCol="0">
-            <a:spAutoFit/>
-            <a:scene3d>
-              <a:camera prst="obliqueTopLeft"/>
-              <a:lightRig rig="threePt" dir="t"/>
-            </a:scene3d>
-          </a:bodyPr>
-          <a:lstStyle/>
-          <a:p>
-            <a:pPr algn="r"/>
-            <a:r>
-              <a:rPr lang="en-US" altLang="ko-KR" sz="2800" spc="-300" dirty="0" smtClean="0">
-                <a:solidFill>
-                  <a:schemeClr val="bg1"/>
-                </a:solidFill>
-              </a:rPr>
-              <a:t>**</a:t>
-            </a:r>
-            <a:r>
-              <a:rPr lang="ko-KR" altLang="en-US" sz="2800" spc="-300" dirty="0" smtClean="0">
-                <a:solidFill>
-                  <a:schemeClr val="bg1"/>
-                </a:solidFill>
-              </a:rPr>
-              <a:t>제품을</a:t>
-            </a:r>
-            <a:endParaRPr lang="en-US" altLang="ko-KR" sz="2800" spc="-300" dirty="0" smtClean="0">
-              <a:solidFill>
-                <a:schemeClr val="bg1"/>
-              </a:solidFill>
-            </a:endParaRPr>
-          </a:p>
-          <a:p>
-            <a:pPr algn="r"/>
-            <a:r>
-              <a:rPr lang="ko-KR" altLang="en-US" sz="2800" spc="-300" dirty="0" smtClean="0">
-                <a:solidFill>
-                  <a:schemeClr val="bg1"/>
-                </a:solidFill>
-              </a:rPr>
-              <a:t>사용하는</a:t>
-            </a:r>
-            <a:endParaRPr lang="en-US" altLang="ko-KR" sz="2800" spc="-300" dirty="0" smtClean="0">
-              <a:solidFill>
-                <a:schemeClr val="bg1"/>
-              </a:solidFill>
-            </a:endParaRPr>
-          </a:p>
-          <a:p>
-            <a:pPr algn="r"/>
-            <a:r>
-              <a:rPr lang="ko-KR" altLang="en-US" sz="2800" spc="-300" dirty="0" smtClean="0">
-                <a:solidFill>
-                  <a:schemeClr val="bg1"/>
-                </a:solidFill>
-              </a:rPr>
-              <a:t>사람들의 비율</a:t>
-            </a:r>
-            <a:endParaRPr lang="en-US" altLang="ko-KR" sz="2800" spc="-300" dirty="0">
-              <a:solidFill>
-                <a:schemeClr val="bg1"/>
-              </a:solidFill>
-            </a:endParaRPr>
-          </a:p>
-        </p:txBody>
-      </p:sp>
-      <p:sp>
-        <p:nvSpPr>
-          <p:cNvPr id="27" name="TextBox 26"/>
-          <p:cNvSpPr txBox="1"/>
-          <p:nvPr/>
-        </p:nvSpPr>
-        <p:spPr>
-          <a:xfrm>
-            <a:off x="5343191" y="2727117"/>
-            <a:ext cx="1590500" cy="1107996"/>
-          </a:xfrm>
-          <a:prstGeom prst="rect">
-            <a:avLst/>
-          </a:prstGeom>
-          <a:noFill/>
-        </p:spPr>
-        <p:txBody>
-          <a:bodyPr wrap="none" rtlCol="0">
-            <a:spAutoFit/>
-            <a:scene3d>
-              <a:camera prst="obliqueTopLeft"/>
-              <a:lightRig rig="threePt" dir="t"/>
-            </a:scene3d>
-          </a:bodyPr>
-          <a:lstStyle/>
-          <a:p>
-            <a:pPr algn="ctr"/>
-            <a:r>
-              <a:rPr lang="en-US" altLang="ko-KR" sz="6600" i="1" spc="-150" dirty="0" smtClean="0">
-                <a:solidFill>
-                  <a:schemeClr val="accent4">
-                    <a:lumMod val="75000"/>
-                  </a:schemeClr>
-                </a:solidFill>
-              </a:rPr>
-              <a:t>52%</a:t>
-            </a:r>
-            <a:endParaRPr lang="ko-KR" altLang="en-US" sz="6600" i="1" spc="-150" dirty="0">
-              <a:solidFill>
-                <a:schemeClr val="accent4">
-                  <a:lumMod val="75000"/>
-                </a:schemeClr>
-              </a:solidFill>
-            </a:endParaRPr>
-          </a:p>
-        </p:txBody>
-      </p:sp>
     </p:spTree>
     <p:extLst>
       <p:ext uri="{BB962C8B-B14F-4D97-AF65-F5344CB8AC3E}">
-        <p14:creationId xmlns="" xmlns:p14="http://schemas.microsoft.com/office/powerpoint/2010/main" val="744904466"/>
+        <p14:creationId xmlns:p14="http://schemas.microsoft.com/office/powerpoint/2010/main" xmlns="" val="744904466"/>
       </p:ext>
     </p:extLst>
   </p:cSld>
@@ -6118,30 +6126,687 @@
           </a:p>
         </p:txBody>
       </p:sp>
+      <p:sp>
+        <p:nvSpPr>
+          <p:cNvPr id="3" name="도넛 2"/>
+          <p:cNvSpPr/>
+          <p:nvPr/>
+        </p:nvSpPr>
+        <p:spPr>
+          <a:xfrm>
+            <a:off x="2662518" y="3455895"/>
+            <a:ext cx="1910218" cy="1910218"/>
+          </a:xfrm>
+          <a:prstGeom prst="donut">
+            <a:avLst>
+              <a:gd name="adj" fmla="val 4484"/>
+            </a:avLst>
+          </a:prstGeom>
+          <a:solidFill>
+            <a:schemeClr val="bg2"/>
+          </a:solidFill>
+          <a:ln>
+            <a:noFill/>
+          </a:ln>
+        </p:spPr>
+        <p:style>
+          <a:lnRef idx="2">
+            <a:schemeClr val="accent1">
+              <a:shade val="50000"/>
+            </a:schemeClr>
+          </a:lnRef>
+          <a:fillRef idx="1">
+            <a:schemeClr val="accent1"/>
+          </a:fillRef>
+          <a:effectRef idx="0">
+            <a:schemeClr val="accent1"/>
+          </a:effectRef>
+          <a:fontRef idx="minor">
+            <a:schemeClr val="lt1"/>
+          </a:fontRef>
+        </p:style>
+        <p:txBody>
+          <a:bodyPr rtlCol="0" anchor="ctr"/>
+          <a:lstStyle/>
+          <a:p>
+            <a:pPr algn="ctr"/>
+            <a:endParaRPr lang="ko-KR" altLang="en-US">
+              <a:solidFill>
+                <a:schemeClr val="tx1"/>
+              </a:solidFill>
+            </a:endParaRPr>
+          </a:p>
+        </p:txBody>
+      </p:sp>
+      <p:sp>
+        <p:nvSpPr>
+          <p:cNvPr id="19" name="도넛 18"/>
+          <p:cNvSpPr/>
+          <p:nvPr/>
+        </p:nvSpPr>
+        <p:spPr>
+          <a:xfrm>
+            <a:off x="4544370" y="3455895"/>
+            <a:ext cx="1910218" cy="1910218"/>
+          </a:xfrm>
+          <a:prstGeom prst="donut">
+            <a:avLst>
+              <a:gd name="adj" fmla="val 4484"/>
+            </a:avLst>
+          </a:prstGeom>
+          <a:solidFill>
+            <a:schemeClr val="bg2"/>
+          </a:solidFill>
+          <a:ln>
+            <a:noFill/>
+          </a:ln>
+        </p:spPr>
+        <p:style>
+          <a:lnRef idx="2">
+            <a:schemeClr val="accent1">
+              <a:shade val="50000"/>
+            </a:schemeClr>
+          </a:lnRef>
+          <a:fillRef idx="1">
+            <a:schemeClr val="accent1"/>
+          </a:fillRef>
+          <a:effectRef idx="0">
+            <a:schemeClr val="accent1"/>
+          </a:effectRef>
+          <a:fontRef idx="minor">
+            <a:schemeClr val="lt1"/>
+          </a:fontRef>
+        </p:style>
+        <p:txBody>
+          <a:bodyPr rtlCol="0" anchor="ctr"/>
+          <a:lstStyle/>
+          <a:p>
+            <a:pPr algn="ctr"/>
+            <a:endParaRPr lang="ko-KR" altLang="en-US">
+              <a:solidFill>
+                <a:schemeClr val="tx1"/>
+              </a:solidFill>
+            </a:endParaRPr>
+          </a:p>
+        </p:txBody>
+      </p:sp>
+      <p:sp>
+        <p:nvSpPr>
+          <p:cNvPr id="20" name="도넛 19"/>
+          <p:cNvSpPr/>
+          <p:nvPr/>
+        </p:nvSpPr>
+        <p:spPr>
+          <a:xfrm>
+            <a:off x="3604180" y="1860177"/>
+            <a:ext cx="1910218" cy="1910218"/>
+          </a:xfrm>
+          <a:prstGeom prst="donut">
+            <a:avLst>
+              <a:gd name="adj" fmla="val 4484"/>
+            </a:avLst>
+          </a:prstGeom>
+          <a:solidFill>
+            <a:schemeClr val="bg2"/>
+          </a:solidFill>
+          <a:ln>
+            <a:noFill/>
+          </a:ln>
+        </p:spPr>
+        <p:style>
+          <a:lnRef idx="2">
+            <a:schemeClr val="accent1">
+              <a:shade val="50000"/>
+            </a:schemeClr>
+          </a:lnRef>
+          <a:fillRef idx="1">
+            <a:schemeClr val="accent1"/>
+          </a:fillRef>
+          <a:effectRef idx="0">
+            <a:schemeClr val="accent1"/>
+          </a:effectRef>
+          <a:fontRef idx="minor">
+            <a:schemeClr val="lt1"/>
+          </a:fontRef>
+        </p:style>
+        <p:txBody>
+          <a:bodyPr rtlCol="0" anchor="ctr"/>
+          <a:lstStyle/>
+          <a:p>
+            <a:pPr algn="ctr"/>
+            <a:endParaRPr lang="ko-KR" altLang="en-US">
+              <a:solidFill>
+                <a:schemeClr val="tx1"/>
+              </a:solidFill>
+            </a:endParaRPr>
+          </a:p>
+        </p:txBody>
+      </p:sp>
+      <p:sp>
+        <p:nvSpPr>
+          <p:cNvPr id="24" name="TextBox 23"/>
+          <p:cNvSpPr txBox="1"/>
+          <p:nvPr/>
+        </p:nvSpPr>
+        <p:spPr>
+          <a:xfrm>
+            <a:off x="5858931" y="2376413"/>
+            <a:ext cx="896399" cy="400110"/>
+          </a:xfrm>
+          <a:prstGeom prst="rect">
+            <a:avLst/>
+          </a:prstGeom>
+          <a:noFill/>
+        </p:spPr>
+        <p:txBody>
+          <a:bodyPr wrap="none" rtlCol="0">
+            <a:spAutoFit/>
+            <a:scene3d>
+              <a:camera prst="obliqueTopLeft"/>
+              <a:lightRig rig="threePt" dir="t"/>
+            </a:scene3d>
+          </a:bodyPr>
+          <a:lstStyle/>
+          <a:p>
+            <a:pPr algn="ctr"/>
+            <a:r>
+              <a:rPr lang="ko-KR" altLang="en-US" sz="2000" i="1" spc="-150" dirty="0" smtClean="0">
+                <a:solidFill>
+                  <a:schemeClr val="bg1"/>
+                </a:solidFill>
+              </a:rPr>
+              <a:t>다양성</a:t>
+            </a:r>
+            <a:endParaRPr lang="ko-KR" altLang="en-US" sz="2000" i="1" spc="-150" dirty="0">
+              <a:solidFill>
+                <a:schemeClr val="bg1"/>
+              </a:solidFill>
+            </a:endParaRPr>
+          </a:p>
+        </p:txBody>
+      </p:sp>
+      <p:sp>
+        <p:nvSpPr>
+          <p:cNvPr id="27" name="TextBox 26"/>
+          <p:cNvSpPr txBox="1"/>
+          <p:nvPr/>
+        </p:nvSpPr>
+        <p:spPr>
+          <a:xfrm>
+            <a:off x="5858931" y="2776523"/>
+            <a:ext cx="1808508" cy="307777"/>
+          </a:xfrm>
+          <a:prstGeom prst="rect">
+            <a:avLst/>
+          </a:prstGeom>
+          <a:noFill/>
+        </p:spPr>
+        <p:txBody>
+          <a:bodyPr wrap="none" rtlCol="0">
+            <a:spAutoFit/>
+            <a:scene3d>
+              <a:camera prst="obliqueTopLeft"/>
+              <a:lightRig rig="threePt" dir="t"/>
+            </a:scene3d>
+          </a:bodyPr>
+          <a:lstStyle/>
+          <a:p>
+            <a:pPr algn="ctr"/>
+            <a:r>
+              <a:rPr lang="ko-KR" altLang="en-US" sz="1400" spc="-150" dirty="0" smtClean="0">
+                <a:solidFill>
+                  <a:schemeClr val="bg1"/>
+                </a:solidFill>
+              </a:rPr>
+              <a:t>부연설명을 적어주세요</a:t>
+            </a:r>
+            <a:endParaRPr lang="ko-KR" altLang="en-US" sz="1400" spc="-150" dirty="0">
+              <a:solidFill>
+                <a:schemeClr val="bg1"/>
+              </a:solidFill>
+            </a:endParaRPr>
+          </a:p>
+        </p:txBody>
+      </p:sp>
+      <p:pic>
+        <p:nvPicPr>
+          <p:cNvPr id="5" name="그림 4"/>
+          <p:cNvPicPr>
+            <a:picLocks noChangeAspect="1"/>
+          </p:cNvPicPr>
+          <p:nvPr/>
+        </p:nvPicPr>
+        <p:blipFill>
+          <a:blip r:embed="rId2" cstate="print">
+            <a:lum bright="88000"/>
+            <a:extLst>
+              <a:ext uri="{28A0092B-C50C-407E-A947-70E740481C1C}">
+                <a14:useLocalDpi xmlns:a14="http://schemas.microsoft.com/office/drawing/2010/main" xmlns="" val="0"/>
+              </a:ext>
+            </a:extLst>
+          </a:blip>
+          <a:stretch>
+            <a:fillRect/>
+          </a:stretch>
+        </p:blipFill>
+        <p:spPr>
+          <a:xfrm>
+            <a:off x="4116365" y="2373104"/>
+            <a:ext cx="884363" cy="884363"/>
+          </a:xfrm>
+          <a:prstGeom prst="rect">
+            <a:avLst/>
+          </a:prstGeom>
+        </p:spPr>
+      </p:pic>
+      <p:sp>
+        <p:nvSpPr>
+          <p:cNvPr id="28" name="직사각형 27"/>
+          <p:cNvSpPr/>
+          <p:nvPr/>
+        </p:nvSpPr>
+        <p:spPr>
+          <a:xfrm>
+            <a:off x="5727740" y="2409483"/>
+            <a:ext cx="126000" cy="688264"/>
+          </a:xfrm>
+          <a:prstGeom prst="rect">
+            <a:avLst/>
+          </a:prstGeom>
+          <a:solidFill>
+            <a:schemeClr val="bg2"/>
+          </a:solidFill>
+          <a:ln>
+            <a:noFill/>
+          </a:ln>
+        </p:spPr>
+        <p:style>
+          <a:lnRef idx="2">
+            <a:schemeClr val="accent1">
+              <a:shade val="50000"/>
+            </a:schemeClr>
+          </a:lnRef>
+          <a:fillRef idx="1">
+            <a:schemeClr val="accent1"/>
+          </a:fillRef>
+          <a:effectRef idx="0">
+            <a:schemeClr val="accent1"/>
+          </a:effectRef>
+          <a:fontRef idx="minor">
+            <a:schemeClr val="lt1"/>
+          </a:fontRef>
+        </p:style>
+        <p:txBody>
+          <a:bodyPr rtlCol="0" anchor="ctr"/>
+          <a:lstStyle/>
+          <a:p>
+            <a:pPr algn="ctr"/>
+            <a:endParaRPr lang="ko-KR" altLang="en-US">
+              <a:solidFill>
+                <a:schemeClr val="tx1"/>
+              </a:solidFill>
+            </a:endParaRPr>
+          </a:p>
+        </p:txBody>
+      </p:sp>
+      <p:sp>
+        <p:nvSpPr>
+          <p:cNvPr id="30" name="TextBox 29"/>
+          <p:cNvSpPr txBox="1"/>
+          <p:nvPr/>
+        </p:nvSpPr>
+        <p:spPr>
+          <a:xfrm>
+            <a:off x="6675109" y="4107723"/>
+            <a:ext cx="896399" cy="400110"/>
+          </a:xfrm>
+          <a:prstGeom prst="rect">
+            <a:avLst/>
+          </a:prstGeom>
+          <a:noFill/>
+        </p:spPr>
+        <p:txBody>
+          <a:bodyPr wrap="none" rtlCol="0">
+            <a:spAutoFit/>
+            <a:scene3d>
+              <a:camera prst="obliqueTopLeft"/>
+              <a:lightRig rig="threePt" dir="t"/>
+            </a:scene3d>
+          </a:bodyPr>
+          <a:lstStyle/>
+          <a:p>
+            <a:pPr algn="ctr"/>
+            <a:r>
+              <a:rPr lang="ko-KR" altLang="en-US" sz="2000" i="1" spc="-150" dirty="0" smtClean="0">
+                <a:solidFill>
+                  <a:schemeClr val="bg1"/>
+                </a:solidFill>
+              </a:rPr>
+              <a:t>간편성</a:t>
+            </a:r>
+            <a:endParaRPr lang="ko-KR" altLang="en-US" sz="2000" i="1" spc="-150" dirty="0">
+              <a:solidFill>
+                <a:schemeClr val="bg1"/>
+              </a:solidFill>
+            </a:endParaRPr>
+          </a:p>
+        </p:txBody>
+      </p:sp>
+      <p:sp>
+        <p:nvSpPr>
+          <p:cNvPr id="31" name="TextBox 30"/>
+          <p:cNvSpPr txBox="1"/>
+          <p:nvPr/>
+        </p:nvSpPr>
+        <p:spPr>
+          <a:xfrm>
+            <a:off x="6675109" y="4507833"/>
+            <a:ext cx="1808508" cy="307777"/>
+          </a:xfrm>
+          <a:prstGeom prst="rect">
+            <a:avLst/>
+          </a:prstGeom>
+          <a:noFill/>
+        </p:spPr>
+        <p:txBody>
+          <a:bodyPr wrap="none" rtlCol="0">
+            <a:spAutoFit/>
+            <a:scene3d>
+              <a:camera prst="obliqueTopLeft"/>
+              <a:lightRig rig="threePt" dir="t"/>
+            </a:scene3d>
+          </a:bodyPr>
+          <a:lstStyle/>
+          <a:p>
+            <a:pPr algn="ctr"/>
+            <a:r>
+              <a:rPr lang="ko-KR" altLang="en-US" sz="1400" spc="-150" dirty="0" smtClean="0">
+                <a:solidFill>
+                  <a:schemeClr val="bg1"/>
+                </a:solidFill>
+              </a:rPr>
+              <a:t>부연설명을 적어주세요</a:t>
+            </a:r>
+            <a:endParaRPr lang="ko-KR" altLang="en-US" sz="1400" spc="-150" dirty="0">
+              <a:solidFill>
+                <a:schemeClr val="bg1"/>
+              </a:solidFill>
+            </a:endParaRPr>
+          </a:p>
+        </p:txBody>
+      </p:sp>
+      <p:sp>
+        <p:nvSpPr>
+          <p:cNvPr id="32" name="직사각형 31"/>
+          <p:cNvSpPr/>
+          <p:nvPr/>
+        </p:nvSpPr>
+        <p:spPr>
+          <a:xfrm>
+            <a:off x="6543918" y="4140793"/>
+            <a:ext cx="126000" cy="688264"/>
+          </a:xfrm>
+          <a:prstGeom prst="rect">
+            <a:avLst/>
+          </a:prstGeom>
+          <a:solidFill>
+            <a:schemeClr val="bg2"/>
+          </a:solidFill>
+          <a:ln>
+            <a:noFill/>
+          </a:ln>
+        </p:spPr>
+        <p:style>
+          <a:lnRef idx="2">
+            <a:schemeClr val="accent1">
+              <a:shade val="50000"/>
+            </a:schemeClr>
+          </a:lnRef>
+          <a:fillRef idx="1">
+            <a:schemeClr val="accent1"/>
+          </a:fillRef>
+          <a:effectRef idx="0">
+            <a:schemeClr val="accent1"/>
+          </a:effectRef>
+          <a:fontRef idx="minor">
+            <a:schemeClr val="lt1"/>
+          </a:fontRef>
+        </p:style>
+        <p:txBody>
+          <a:bodyPr rtlCol="0" anchor="ctr"/>
+          <a:lstStyle/>
+          <a:p>
+            <a:pPr algn="ctr"/>
+            <a:endParaRPr lang="ko-KR" altLang="en-US">
+              <a:solidFill>
+                <a:schemeClr val="tx1"/>
+              </a:solidFill>
+            </a:endParaRPr>
+          </a:p>
+        </p:txBody>
+      </p:sp>
+      <p:sp>
+        <p:nvSpPr>
+          <p:cNvPr id="33" name="TextBox 32"/>
+          <p:cNvSpPr txBox="1"/>
+          <p:nvPr/>
+        </p:nvSpPr>
+        <p:spPr>
+          <a:xfrm>
+            <a:off x="1431541" y="4094938"/>
+            <a:ext cx="896399" cy="400110"/>
+          </a:xfrm>
+          <a:prstGeom prst="rect">
+            <a:avLst/>
+          </a:prstGeom>
+          <a:noFill/>
+        </p:spPr>
+        <p:txBody>
+          <a:bodyPr wrap="none" rtlCol="0">
+            <a:spAutoFit/>
+            <a:scene3d>
+              <a:camera prst="obliqueTopLeft"/>
+              <a:lightRig rig="threePt" dir="t"/>
+            </a:scene3d>
+          </a:bodyPr>
+          <a:lstStyle/>
+          <a:p>
+            <a:pPr algn="ctr"/>
+            <a:r>
+              <a:rPr lang="ko-KR" altLang="en-US" sz="2000" i="1" spc="-150" dirty="0" smtClean="0">
+                <a:solidFill>
+                  <a:schemeClr val="bg1"/>
+                </a:solidFill>
+              </a:rPr>
+              <a:t>편의성</a:t>
+            </a:r>
+            <a:endParaRPr lang="ko-KR" altLang="en-US" sz="2000" i="1" spc="-150" dirty="0">
+              <a:solidFill>
+                <a:schemeClr val="bg1"/>
+              </a:solidFill>
+            </a:endParaRPr>
+          </a:p>
+        </p:txBody>
+      </p:sp>
+      <p:sp>
+        <p:nvSpPr>
+          <p:cNvPr id="34" name="TextBox 33"/>
+          <p:cNvSpPr txBox="1"/>
+          <p:nvPr/>
+        </p:nvSpPr>
+        <p:spPr>
+          <a:xfrm>
+            <a:off x="624366" y="4457170"/>
+            <a:ext cx="1808508" cy="307777"/>
+          </a:xfrm>
+          <a:prstGeom prst="rect">
+            <a:avLst/>
+          </a:prstGeom>
+          <a:noFill/>
+        </p:spPr>
+        <p:txBody>
+          <a:bodyPr wrap="none" rtlCol="0">
+            <a:spAutoFit/>
+            <a:scene3d>
+              <a:camera prst="obliqueTopLeft"/>
+              <a:lightRig rig="threePt" dir="t"/>
+            </a:scene3d>
+          </a:bodyPr>
+          <a:lstStyle/>
+          <a:p>
+            <a:pPr algn="ctr"/>
+            <a:r>
+              <a:rPr lang="ko-KR" altLang="en-US" sz="1400" spc="-150" dirty="0" smtClean="0">
+                <a:solidFill>
+                  <a:schemeClr val="bg1"/>
+                </a:solidFill>
+              </a:rPr>
+              <a:t>부연설명을 적어주세요</a:t>
+            </a:r>
+            <a:endParaRPr lang="ko-KR" altLang="en-US" sz="1400" spc="-150" dirty="0">
+              <a:solidFill>
+                <a:schemeClr val="bg1"/>
+              </a:solidFill>
+            </a:endParaRPr>
+          </a:p>
+        </p:txBody>
+      </p:sp>
+      <p:sp>
+        <p:nvSpPr>
+          <p:cNvPr id="35" name="직사각형 34"/>
+          <p:cNvSpPr/>
+          <p:nvPr/>
+        </p:nvSpPr>
+        <p:spPr>
+          <a:xfrm>
+            <a:off x="2452479" y="4107723"/>
+            <a:ext cx="126000" cy="688264"/>
+          </a:xfrm>
+          <a:prstGeom prst="rect">
+            <a:avLst/>
+          </a:prstGeom>
+          <a:solidFill>
+            <a:schemeClr val="bg2"/>
+          </a:solidFill>
+          <a:ln>
+            <a:noFill/>
+          </a:ln>
+        </p:spPr>
+        <p:style>
+          <a:lnRef idx="2">
+            <a:schemeClr val="accent1">
+              <a:shade val="50000"/>
+            </a:schemeClr>
+          </a:lnRef>
+          <a:fillRef idx="1">
+            <a:schemeClr val="accent1"/>
+          </a:fillRef>
+          <a:effectRef idx="0">
+            <a:schemeClr val="accent1"/>
+          </a:effectRef>
+          <a:fontRef idx="minor">
+            <a:schemeClr val="lt1"/>
+          </a:fontRef>
+        </p:style>
+        <p:txBody>
+          <a:bodyPr rtlCol="0" anchor="ctr"/>
+          <a:lstStyle/>
+          <a:p>
+            <a:pPr algn="ctr"/>
+            <a:endParaRPr lang="ko-KR" altLang="en-US">
+              <a:solidFill>
+                <a:schemeClr val="tx1"/>
+              </a:solidFill>
+            </a:endParaRPr>
+          </a:p>
+        </p:txBody>
+      </p:sp>
+      <p:pic>
+        <p:nvPicPr>
+          <p:cNvPr id="8" name="그림 7"/>
+          <p:cNvPicPr>
+            <a:picLocks noChangeAspect="1"/>
+          </p:cNvPicPr>
+          <p:nvPr/>
+        </p:nvPicPr>
+        <p:blipFill>
+          <a:blip r:embed="rId3" cstate="print">
+            <a:lum bright="96000"/>
+            <a:extLst>
+              <a:ext uri="{28A0092B-C50C-407E-A947-70E740481C1C}">
+                <a14:useLocalDpi xmlns:a14="http://schemas.microsoft.com/office/drawing/2010/main" xmlns="" val="0"/>
+              </a:ext>
+            </a:extLst>
+          </a:blip>
+          <a:stretch>
+            <a:fillRect/>
+          </a:stretch>
+        </p:blipFill>
+        <p:spPr>
+          <a:xfrm>
+            <a:off x="3201217" y="4029208"/>
+            <a:ext cx="832820" cy="832820"/>
+          </a:xfrm>
+          <a:prstGeom prst="rect">
+            <a:avLst/>
+          </a:prstGeom>
+        </p:spPr>
+      </p:pic>
+      <p:pic>
+        <p:nvPicPr>
+          <p:cNvPr id="9" name="그림 8"/>
+          <p:cNvPicPr>
+            <a:picLocks noChangeAspect="1"/>
+          </p:cNvPicPr>
+          <p:nvPr/>
+        </p:nvPicPr>
+        <p:blipFill>
+          <a:blip r:embed="rId4" cstate="print">
+            <a:lum bright="96000"/>
+            <a:extLst>
+              <a:ext uri="{28A0092B-C50C-407E-A947-70E740481C1C}">
+                <a14:useLocalDpi xmlns:a14="http://schemas.microsoft.com/office/drawing/2010/main" xmlns="" val="0"/>
+              </a:ext>
+            </a:extLst>
+          </a:blip>
+          <a:stretch>
+            <a:fillRect/>
+          </a:stretch>
+        </p:blipFill>
+        <p:spPr>
+          <a:xfrm>
+            <a:off x="5079631" y="4058563"/>
+            <a:ext cx="774109" cy="774109"/>
+          </a:xfrm>
+          <a:prstGeom prst="rect">
+            <a:avLst/>
+          </a:prstGeom>
+        </p:spPr>
+      </p:pic>
       <p:grpSp>
         <p:nvGrpSpPr>
-          <p:cNvPr id="21" name="그룹 20"/>
+          <p:cNvPr id="25" name="그룹 24"/>
           <p:cNvGrpSpPr/>
           <p:nvPr/>
         </p:nvGrpSpPr>
         <p:grpSpPr>
           <a:xfrm>
-            <a:off x="403181" y="368163"/>
-            <a:ext cx="1146468" cy="984885"/>
-            <a:chOff x="1013515" y="2869322"/>
-            <a:chExt cx="1146468" cy="984885"/>
+            <a:off x="410487" y="390575"/>
+            <a:ext cx="815791" cy="984885"/>
+            <a:chOff x="7171759" y="2869320"/>
+            <a:chExt cx="815791" cy="984885"/>
           </a:xfrm>
         </p:grpSpPr>
         <p:sp>
           <p:nvSpPr>
-            <p:cNvPr id="22" name="TextBox 21"/>
+            <p:cNvPr id="26" name="TextBox 25"/>
             <p:cNvSpPr txBox="1"/>
             <p:nvPr/>
           </p:nvSpPr>
           <p:spPr>
             <a:xfrm>
-              <a:off x="1013515" y="2869322"/>
-              <a:ext cx="1146468" cy="984885"/>
+              <a:off x="7176756" y="2869320"/>
+              <a:ext cx="691215" cy="984885"/>
             </a:xfrm>
             <a:prstGeom prst="rect">
               <a:avLst/>
@@ -6165,18 +6830,26 @@
                     <a:schemeClr val="bg1"/>
                   </a:solidFill>
                 </a:rPr>
-                <a:t>4</a:t>
+                <a:t>4 </a:t>
               </a:r>
             </a:p>
             <a:p>
               <a:pPr algn="ctr"/>
+              <a:r>
+                <a:rPr lang="en-US" altLang="ko-KR" spc="-300" dirty="0" smtClean="0">
+                  <a:solidFill>
+                    <a:schemeClr val="bg1"/>
+                  </a:solidFill>
+                </a:rPr>
+                <a:t> 4 </a:t>
+              </a:r>
               <a:r>
                 <a:rPr lang="ko-KR" altLang="en-US" spc="-300" dirty="0" smtClean="0">
                   <a:solidFill>
                     <a:schemeClr val="bg1"/>
                   </a:solidFill>
                 </a:rPr>
-                <a:t>입력하세요</a:t>
+                <a:t>주 차</a:t>
               </a:r>
               <a:endParaRPr lang="ko-KR" altLang="en-US" spc="-300" dirty="0">
                 <a:solidFill>
@@ -6188,13 +6861,13 @@
         </p:sp>
         <p:cxnSp>
           <p:nvCxnSpPr>
-            <p:cNvPr id="23" name="직선 연결선 22"/>
+            <p:cNvPr id="29" name="직선 연결선 28"/>
             <p:cNvCxnSpPr/>
             <p:nvPr/>
           </p:nvCxnSpPr>
           <p:spPr>
             <a:xfrm>
-              <a:off x="1178854" y="3455890"/>
+              <a:off x="7171759" y="3455890"/>
               <a:ext cx="815791" cy="0"/>
             </a:xfrm>
             <a:prstGeom prst="line">
@@ -6222,667 +6895,10 @@
           </p:style>
         </p:cxnSp>
       </p:grpSp>
-      <p:sp>
-        <p:nvSpPr>
-          <p:cNvPr id="3" name="도넛 2"/>
-          <p:cNvSpPr/>
-          <p:nvPr/>
-        </p:nvSpPr>
-        <p:spPr>
-          <a:xfrm>
-            <a:off x="2662518" y="3455895"/>
-            <a:ext cx="1910218" cy="1910218"/>
-          </a:xfrm>
-          <a:prstGeom prst="donut">
-            <a:avLst>
-              <a:gd name="adj" fmla="val 4484"/>
-            </a:avLst>
-          </a:prstGeom>
-          <a:solidFill>
-            <a:schemeClr val="bg2"/>
-          </a:solidFill>
-          <a:ln>
-            <a:noFill/>
-          </a:ln>
-        </p:spPr>
-        <p:style>
-          <a:lnRef idx="2">
-            <a:schemeClr val="accent1">
-              <a:shade val="50000"/>
-            </a:schemeClr>
-          </a:lnRef>
-          <a:fillRef idx="1">
-            <a:schemeClr val="accent1"/>
-          </a:fillRef>
-          <a:effectRef idx="0">
-            <a:schemeClr val="accent1"/>
-          </a:effectRef>
-          <a:fontRef idx="minor">
-            <a:schemeClr val="lt1"/>
-          </a:fontRef>
-        </p:style>
-        <p:txBody>
-          <a:bodyPr rtlCol="0" anchor="ctr"/>
-          <a:lstStyle/>
-          <a:p>
-            <a:pPr algn="ctr"/>
-            <a:endParaRPr lang="ko-KR" altLang="en-US">
-              <a:solidFill>
-                <a:schemeClr val="tx1"/>
-              </a:solidFill>
-            </a:endParaRPr>
-          </a:p>
-        </p:txBody>
-      </p:sp>
-      <p:sp>
-        <p:nvSpPr>
-          <p:cNvPr id="19" name="도넛 18"/>
-          <p:cNvSpPr/>
-          <p:nvPr/>
-        </p:nvSpPr>
-        <p:spPr>
-          <a:xfrm>
-            <a:off x="4544370" y="3455895"/>
-            <a:ext cx="1910218" cy="1910218"/>
-          </a:xfrm>
-          <a:prstGeom prst="donut">
-            <a:avLst>
-              <a:gd name="adj" fmla="val 4484"/>
-            </a:avLst>
-          </a:prstGeom>
-          <a:solidFill>
-            <a:schemeClr val="bg2"/>
-          </a:solidFill>
-          <a:ln>
-            <a:noFill/>
-          </a:ln>
-        </p:spPr>
-        <p:style>
-          <a:lnRef idx="2">
-            <a:schemeClr val="accent1">
-              <a:shade val="50000"/>
-            </a:schemeClr>
-          </a:lnRef>
-          <a:fillRef idx="1">
-            <a:schemeClr val="accent1"/>
-          </a:fillRef>
-          <a:effectRef idx="0">
-            <a:schemeClr val="accent1"/>
-          </a:effectRef>
-          <a:fontRef idx="minor">
-            <a:schemeClr val="lt1"/>
-          </a:fontRef>
-        </p:style>
-        <p:txBody>
-          <a:bodyPr rtlCol="0" anchor="ctr"/>
-          <a:lstStyle/>
-          <a:p>
-            <a:pPr algn="ctr"/>
-            <a:endParaRPr lang="ko-KR" altLang="en-US">
-              <a:solidFill>
-                <a:schemeClr val="tx1"/>
-              </a:solidFill>
-            </a:endParaRPr>
-          </a:p>
-        </p:txBody>
-      </p:sp>
-      <p:sp>
-        <p:nvSpPr>
-          <p:cNvPr id="20" name="도넛 19"/>
-          <p:cNvSpPr/>
-          <p:nvPr/>
-        </p:nvSpPr>
-        <p:spPr>
-          <a:xfrm>
-            <a:off x="3604180" y="1860177"/>
-            <a:ext cx="1910218" cy="1910218"/>
-          </a:xfrm>
-          <a:prstGeom prst="donut">
-            <a:avLst>
-              <a:gd name="adj" fmla="val 4484"/>
-            </a:avLst>
-          </a:prstGeom>
-          <a:solidFill>
-            <a:schemeClr val="bg2"/>
-          </a:solidFill>
-          <a:ln>
-            <a:noFill/>
-          </a:ln>
-        </p:spPr>
-        <p:style>
-          <a:lnRef idx="2">
-            <a:schemeClr val="accent1">
-              <a:shade val="50000"/>
-            </a:schemeClr>
-          </a:lnRef>
-          <a:fillRef idx="1">
-            <a:schemeClr val="accent1"/>
-          </a:fillRef>
-          <a:effectRef idx="0">
-            <a:schemeClr val="accent1"/>
-          </a:effectRef>
-          <a:fontRef idx="minor">
-            <a:schemeClr val="lt1"/>
-          </a:fontRef>
-        </p:style>
-        <p:txBody>
-          <a:bodyPr rtlCol="0" anchor="ctr"/>
-          <a:lstStyle/>
-          <a:p>
-            <a:pPr algn="ctr"/>
-            <a:endParaRPr lang="ko-KR" altLang="en-US">
-              <a:solidFill>
-                <a:schemeClr val="tx1"/>
-              </a:solidFill>
-            </a:endParaRPr>
-          </a:p>
-        </p:txBody>
-      </p:sp>
-      <p:sp>
-        <p:nvSpPr>
-          <p:cNvPr id="24" name="TextBox 23"/>
-          <p:cNvSpPr txBox="1"/>
-          <p:nvPr/>
-        </p:nvSpPr>
-        <p:spPr>
-          <a:xfrm>
-            <a:off x="5858931" y="2376413"/>
-            <a:ext cx="896399" cy="400110"/>
-          </a:xfrm>
-          <a:prstGeom prst="rect">
-            <a:avLst/>
-          </a:prstGeom>
-          <a:noFill/>
-        </p:spPr>
-        <p:txBody>
-          <a:bodyPr wrap="none" rtlCol="0">
-            <a:spAutoFit/>
-            <a:scene3d>
-              <a:camera prst="obliqueTopLeft"/>
-              <a:lightRig rig="threePt" dir="t"/>
-            </a:scene3d>
-          </a:bodyPr>
-          <a:lstStyle/>
-          <a:p>
-            <a:pPr algn="ctr"/>
-            <a:r>
-              <a:rPr lang="ko-KR" altLang="en-US" sz="2000" i="1" spc="-150" dirty="0" smtClean="0">
-                <a:solidFill>
-                  <a:schemeClr val="bg1"/>
-                </a:solidFill>
-              </a:rPr>
-              <a:t>다양성</a:t>
-            </a:r>
-            <a:endParaRPr lang="ko-KR" altLang="en-US" sz="2000" i="1" spc="-150" dirty="0">
-              <a:solidFill>
-                <a:schemeClr val="bg1"/>
-              </a:solidFill>
-            </a:endParaRPr>
-          </a:p>
-        </p:txBody>
-      </p:sp>
-      <p:sp>
-        <p:nvSpPr>
-          <p:cNvPr id="27" name="TextBox 26"/>
-          <p:cNvSpPr txBox="1"/>
-          <p:nvPr/>
-        </p:nvSpPr>
-        <p:spPr>
-          <a:xfrm>
-            <a:off x="5858931" y="2776523"/>
-            <a:ext cx="1808508" cy="307777"/>
-          </a:xfrm>
-          <a:prstGeom prst="rect">
-            <a:avLst/>
-          </a:prstGeom>
-          <a:noFill/>
-        </p:spPr>
-        <p:txBody>
-          <a:bodyPr wrap="none" rtlCol="0">
-            <a:spAutoFit/>
-            <a:scene3d>
-              <a:camera prst="obliqueTopLeft"/>
-              <a:lightRig rig="threePt" dir="t"/>
-            </a:scene3d>
-          </a:bodyPr>
-          <a:lstStyle/>
-          <a:p>
-            <a:pPr algn="ctr"/>
-            <a:r>
-              <a:rPr lang="ko-KR" altLang="en-US" sz="1400" spc="-150" dirty="0" smtClean="0">
-                <a:solidFill>
-                  <a:schemeClr val="bg1"/>
-                </a:solidFill>
-              </a:rPr>
-              <a:t>부연설명을 적어주세요</a:t>
-            </a:r>
-            <a:endParaRPr lang="ko-KR" altLang="en-US" sz="1400" spc="-150" dirty="0">
-              <a:solidFill>
-                <a:schemeClr val="bg1"/>
-              </a:solidFill>
-            </a:endParaRPr>
-          </a:p>
-        </p:txBody>
-      </p:sp>
-      <p:pic>
-        <p:nvPicPr>
-          <p:cNvPr id="5" name="그림 4"/>
-          <p:cNvPicPr>
-            <a:picLocks noChangeAspect="1"/>
-          </p:cNvPicPr>
-          <p:nvPr/>
-        </p:nvPicPr>
-        <p:blipFill>
-          <a:blip r:embed="rId2" cstate="print">
-            <a:lum bright="88000"/>
-            <a:extLst>
-              <a:ext uri="{28A0092B-C50C-407E-A947-70E740481C1C}">
-                <a14:useLocalDpi xmlns="" xmlns:a14="http://schemas.microsoft.com/office/drawing/2010/main" val="0"/>
-              </a:ext>
-            </a:extLst>
-          </a:blip>
-          <a:stretch>
-            <a:fillRect/>
-          </a:stretch>
-        </p:blipFill>
-        <p:spPr>
-          <a:xfrm>
-            <a:off x="4116365" y="2373104"/>
-            <a:ext cx="884363" cy="884363"/>
-          </a:xfrm>
-          <a:prstGeom prst="rect">
-            <a:avLst/>
-          </a:prstGeom>
-        </p:spPr>
-      </p:pic>
-      <p:sp>
-        <p:nvSpPr>
-          <p:cNvPr id="28" name="직사각형 27"/>
-          <p:cNvSpPr/>
-          <p:nvPr/>
-        </p:nvSpPr>
-        <p:spPr>
-          <a:xfrm>
-            <a:off x="5727740" y="2409483"/>
-            <a:ext cx="126000" cy="688264"/>
-          </a:xfrm>
-          <a:prstGeom prst="rect">
-            <a:avLst/>
-          </a:prstGeom>
-          <a:solidFill>
-            <a:schemeClr val="bg2"/>
-          </a:solidFill>
-          <a:ln>
-            <a:noFill/>
-          </a:ln>
-        </p:spPr>
-        <p:style>
-          <a:lnRef idx="2">
-            <a:schemeClr val="accent1">
-              <a:shade val="50000"/>
-            </a:schemeClr>
-          </a:lnRef>
-          <a:fillRef idx="1">
-            <a:schemeClr val="accent1"/>
-          </a:fillRef>
-          <a:effectRef idx="0">
-            <a:schemeClr val="accent1"/>
-          </a:effectRef>
-          <a:fontRef idx="minor">
-            <a:schemeClr val="lt1"/>
-          </a:fontRef>
-        </p:style>
-        <p:txBody>
-          <a:bodyPr rtlCol="0" anchor="ctr"/>
-          <a:lstStyle/>
-          <a:p>
-            <a:pPr algn="ctr"/>
-            <a:endParaRPr lang="ko-KR" altLang="en-US">
-              <a:solidFill>
-                <a:schemeClr val="tx1"/>
-              </a:solidFill>
-            </a:endParaRPr>
-          </a:p>
-        </p:txBody>
-      </p:sp>
-      <p:sp>
-        <p:nvSpPr>
-          <p:cNvPr id="30" name="TextBox 29"/>
-          <p:cNvSpPr txBox="1"/>
-          <p:nvPr/>
-        </p:nvSpPr>
-        <p:spPr>
-          <a:xfrm>
-            <a:off x="6675109" y="4107723"/>
-            <a:ext cx="896399" cy="400110"/>
-          </a:xfrm>
-          <a:prstGeom prst="rect">
-            <a:avLst/>
-          </a:prstGeom>
-          <a:noFill/>
-        </p:spPr>
-        <p:txBody>
-          <a:bodyPr wrap="none" rtlCol="0">
-            <a:spAutoFit/>
-            <a:scene3d>
-              <a:camera prst="obliqueTopLeft"/>
-              <a:lightRig rig="threePt" dir="t"/>
-            </a:scene3d>
-          </a:bodyPr>
-          <a:lstStyle/>
-          <a:p>
-            <a:pPr algn="ctr"/>
-            <a:r>
-              <a:rPr lang="ko-KR" altLang="en-US" sz="2000" i="1" spc="-150" dirty="0" smtClean="0">
-                <a:solidFill>
-                  <a:schemeClr val="bg1"/>
-                </a:solidFill>
-              </a:rPr>
-              <a:t>간편성</a:t>
-            </a:r>
-            <a:endParaRPr lang="ko-KR" altLang="en-US" sz="2000" i="1" spc="-150" dirty="0">
-              <a:solidFill>
-                <a:schemeClr val="bg1"/>
-              </a:solidFill>
-            </a:endParaRPr>
-          </a:p>
-        </p:txBody>
-      </p:sp>
-      <p:sp>
-        <p:nvSpPr>
-          <p:cNvPr id="31" name="TextBox 30"/>
-          <p:cNvSpPr txBox="1"/>
-          <p:nvPr/>
-        </p:nvSpPr>
-        <p:spPr>
-          <a:xfrm>
-            <a:off x="6675109" y="4507833"/>
-            <a:ext cx="1808508" cy="307777"/>
-          </a:xfrm>
-          <a:prstGeom prst="rect">
-            <a:avLst/>
-          </a:prstGeom>
-          <a:noFill/>
-        </p:spPr>
-        <p:txBody>
-          <a:bodyPr wrap="none" rtlCol="0">
-            <a:spAutoFit/>
-            <a:scene3d>
-              <a:camera prst="obliqueTopLeft"/>
-              <a:lightRig rig="threePt" dir="t"/>
-            </a:scene3d>
-          </a:bodyPr>
-          <a:lstStyle/>
-          <a:p>
-            <a:pPr algn="ctr"/>
-            <a:r>
-              <a:rPr lang="ko-KR" altLang="en-US" sz="1400" spc="-150" dirty="0" smtClean="0">
-                <a:solidFill>
-                  <a:schemeClr val="bg1"/>
-                </a:solidFill>
-              </a:rPr>
-              <a:t>부연설명을 적어주세요</a:t>
-            </a:r>
-            <a:endParaRPr lang="ko-KR" altLang="en-US" sz="1400" spc="-150" dirty="0">
-              <a:solidFill>
-                <a:schemeClr val="bg1"/>
-              </a:solidFill>
-            </a:endParaRPr>
-          </a:p>
-        </p:txBody>
-      </p:sp>
-      <p:sp>
-        <p:nvSpPr>
-          <p:cNvPr id="32" name="직사각형 31"/>
-          <p:cNvSpPr/>
-          <p:nvPr/>
-        </p:nvSpPr>
-        <p:spPr>
-          <a:xfrm>
-            <a:off x="6543918" y="4140793"/>
-            <a:ext cx="126000" cy="688264"/>
-          </a:xfrm>
-          <a:prstGeom prst="rect">
-            <a:avLst/>
-          </a:prstGeom>
-          <a:solidFill>
-            <a:schemeClr val="bg2"/>
-          </a:solidFill>
-          <a:ln>
-            <a:noFill/>
-          </a:ln>
-        </p:spPr>
-        <p:style>
-          <a:lnRef idx="2">
-            <a:schemeClr val="accent1">
-              <a:shade val="50000"/>
-            </a:schemeClr>
-          </a:lnRef>
-          <a:fillRef idx="1">
-            <a:schemeClr val="accent1"/>
-          </a:fillRef>
-          <a:effectRef idx="0">
-            <a:schemeClr val="accent1"/>
-          </a:effectRef>
-          <a:fontRef idx="minor">
-            <a:schemeClr val="lt1"/>
-          </a:fontRef>
-        </p:style>
-        <p:txBody>
-          <a:bodyPr rtlCol="0" anchor="ctr"/>
-          <a:lstStyle/>
-          <a:p>
-            <a:pPr algn="ctr"/>
-            <a:endParaRPr lang="ko-KR" altLang="en-US">
-              <a:solidFill>
-                <a:schemeClr val="tx1"/>
-              </a:solidFill>
-            </a:endParaRPr>
-          </a:p>
-        </p:txBody>
-      </p:sp>
-      <p:sp>
-        <p:nvSpPr>
-          <p:cNvPr id="33" name="TextBox 32"/>
-          <p:cNvSpPr txBox="1"/>
-          <p:nvPr/>
-        </p:nvSpPr>
-        <p:spPr>
-          <a:xfrm>
-            <a:off x="1431541" y="4094938"/>
-            <a:ext cx="896399" cy="400110"/>
-          </a:xfrm>
-          <a:prstGeom prst="rect">
-            <a:avLst/>
-          </a:prstGeom>
-          <a:noFill/>
-        </p:spPr>
-        <p:txBody>
-          <a:bodyPr wrap="none" rtlCol="0">
-            <a:spAutoFit/>
-            <a:scene3d>
-              <a:camera prst="obliqueTopLeft"/>
-              <a:lightRig rig="threePt" dir="t"/>
-            </a:scene3d>
-          </a:bodyPr>
-          <a:lstStyle/>
-          <a:p>
-            <a:pPr algn="ctr"/>
-            <a:r>
-              <a:rPr lang="ko-KR" altLang="en-US" sz="2000" i="1" spc="-150" dirty="0" smtClean="0">
-                <a:solidFill>
-                  <a:schemeClr val="bg1"/>
-                </a:solidFill>
-              </a:rPr>
-              <a:t>편의성</a:t>
-            </a:r>
-            <a:endParaRPr lang="ko-KR" altLang="en-US" sz="2000" i="1" spc="-150" dirty="0">
-              <a:solidFill>
-                <a:schemeClr val="bg1"/>
-              </a:solidFill>
-            </a:endParaRPr>
-          </a:p>
-        </p:txBody>
-      </p:sp>
-      <p:sp>
-        <p:nvSpPr>
-          <p:cNvPr id="34" name="TextBox 33"/>
-          <p:cNvSpPr txBox="1"/>
-          <p:nvPr/>
-        </p:nvSpPr>
-        <p:spPr>
-          <a:xfrm>
-            <a:off x="624366" y="4457170"/>
-            <a:ext cx="1808508" cy="307777"/>
-          </a:xfrm>
-          <a:prstGeom prst="rect">
-            <a:avLst/>
-          </a:prstGeom>
-          <a:noFill/>
-        </p:spPr>
-        <p:txBody>
-          <a:bodyPr wrap="none" rtlCol="0">
-            <a:spAutoFit/>
-            <a:scene3d>
-              <a:camera prst="obliqueTopLeft"/>
-              <a:lightRig rig="threePt" dir="t"/>
-            </a:scene3d>
-          </a:bodyPr>
-          <a:lstStyle/>
-          <a:p>
-            <a:pPr algn="ctr"/>
-            <a:r>
-              <a:rPr lang="ko-KR" altLang="en-US" sz="1400" spc="-150" dirty="0" smtClean="0">
-                <a:solidFill>
-                  <a:schemeClr val="bg1"/>
-                </a:solidFill>
-              </a:rPr>
-              <a:t>부연설명을 적어주세요</a:t>
-            </a:r>
-            <a:endParaRPr lang="ko-KR" altLang="en-US" sz="1400" spc="-150" dirty="0">
-              <a:solidFill>
-                <a:schemeClr val="bg1"/>
-              </a:solidFill>
-            </a:endParaRPr>
-          </a:p>
-        </p:txBody>
-      </p:sp>
-      <p:sp>
-        <p:nvSpPr>
-          <p:cNvPr id="35" name="직사각형 34"/>
-          <p:cNvSpPr/>
-          <p:nvPr/>
-        </p:nvSpPr>
-        <p:spPr>
-          <a:xfrm>
-            <a:off x="2452479" y="4107723"/>
-            <a:ext cx="126000" cy="688264"/>
-          </a:xfrm>
-          <a:prstGeom prst="rect">
-            <a:avLst/>
-          </a:prstGeom>
-          <a:solidFill>
-            <a:schemeClr val="bg2"/>
-          </a:solidFill>
-          <a:ln>
-            <a:noFill/>
-          </a:ln>
-        </p:spPr>
-        <p:style>
-          <a:lnRef idx="2">
-            <a:schemeClr val="accent1">
-              <a:shade val="50000"/>
-            </a:schemeClr>
-          </a:lnRef>
-          <a:fillRef idx="1">
-            <a:schemeClr val="accent1"/>
-          </a:fillRef>
-          <a:effectRef idx="0">
-            <a:schemeClr val="accent1"/>
-          </a:effectRef>
-          <a:fontRef idx="minor">
-            <a:schemeClr val="lt1"/>
-          </a:fontRef>
-        </p:style>
-        <p:txBody>
-          <a:bodyPr rtlCol="0" anchor="ctr"/>
-          <a:lstStyle/>
-          <a:p>
-            <a:pPr algn="ctr"/>
-            <a:endParaRPr lang="ko-KR" altLang="en-US">
-              <a:solidFill>
-                <a:schemeClr val="tx1"/>
-              </a:solidFill>
-            </a:endParaRPr>
-          </a:p>
-        </p:txBody>
-      </p:sp>
-      <p:pic>
-        <p:nvPicPr>
-          <p:cNvPr id="8" name="그림 7"/>
-          <p:cNvPicPr>
-            <a:picLocks noChangeAspect="1"/>
-          </p:cNvPicPr>
-          <p:nvPr/>
-        </p:nvPicPr>
-        <p:blipFill>
-          <a:blip r:embed="rId3" cstate="print">
-            <a:lum bright="96000"/>
-            <a:extLst>
-              <a:ext uri="{28A0092B-C50C-407E-A947-70E740481C1C}">
-                <a14:useLocalDpi xmlns="" xmlns:a14="http://schemas.microsoft.com/office/drawing/2010/main" val="0"/>
-              </a:ext>
-            </a:extLst>
-          </a:blip>
-          <a:stretch>
-            <a:fillRect/>
-          </a:stretch>
-        </p:blipFill>
-        <p:spPr>
-          <a:xfrm>
-            <a:off x="3201217" y="4029208"/>
-            <a:ext cx="832820" cy="832820"/>
-          </a:xfrm>
-          <a:prstGeom prst="rect">
-            <a:avLst/>
-          </a:prstGeom>
-        </p:spPr>
-      </p:pic>
-      <p:pic>
-        <p:nvPicPr>
-          <p:cNvPr id="9" name="그림 8"/>
-          <p:cNvPicPr>
-            <a:picLocks noChangeAspect="1"/>
-          </p:cNvPicPr>
-          <p:nvPr/>
-        </p:nvPicPr>
-        <p:blipFill>
-          <a:blip r:embed="rId4" cstate="print">
-            <a:lum bright="96000"/>
-            <a:extLst>
-              <a:ext uri="{28A0092B-C50C-407E-A947-70E740481C1C}">
-                <a14:useLocalDpi xmlns="" xmlns:a14="http://schemas.microsoft.com/office/drawing/2010/main" val="0"/>
-              </a:ext>
-            </a:extLst>
-          </a:blip>
-          <a:stretch>
-            <a:fillRect/>
-          </a:stretch>
-        </p:blipFill>
-        <p:spPr>
-          <a:xfrm>
-            <a:off x="5079631" y="4058563"/>
-            <a:ext cx="774109" cy="774109"/>
-          </a:xfrm>
-          <a:prstGeom prst="rect">
-            <a:avLst/>
-          </a:prstGeom>
-        </p:spPr>
-      </p:pic>
     </p:spTree>
     <p:extLst>
       <p:ext uri="{BB962C8B-B14F-4D97-AF65-F5344CB8AC3E}">
-        <p14:creationId xmlns="" xmlns:p14="http://schemas.microsoft.com/office/powerpoint/2010/main" val="739581598"/>
+        <p14:creationId xmlns:p14="http://schemas.microsoft.com/office/powerpoint/2010/main" xmlns="" val="739581598"/>
       </p:ext>
     </p:extLst>
   </p:cSld>
@@ -7056,7 +7072,7 @@
     </p:spTree>
     <p:extLst>
       <p:ext uri="{BB962C8B-B14F-4D97-AF65-F5344CB8AC3E}">
-        <p14:creationId xmlns="" xmlns:p14="http://schemas.microsoft.com/office/powerpoint/2010/main" val="880770421"/>
+        <p14:creationId xmlns:p14="http://schemas.microsoft.com/office/powerpoint/2010/main" xmlns="" val="880770421"/>
       </p:ext>
     </p:extLst>
   </p:cSld>
@@ -7192,7 +7208,7 @@
         </p:nvSpPr>
         <p:spPr>
           <a:xfrm>
-            <a:off x="3299211" y="3025679"/>
+            <a:off x="3299211" y="2998784"/>
             <a:ext cx="2545570" cy="523220"/>
           </a:xfrm>
           <a:prstGeom prst="rect">
@@ -7284,7 +7300,7 @@
         <p:spPr>
           <a:xfrm>
             <a:off x="4276470" y="3880729"/>
-            <a:ext cx="460383" cy="338554"/>
+            <a:ext cx="511679" cy="338554"/>
           </a:xfrm>
           <a:prstGeom prst="rect">
             <a:avLst/>
@@ -7303,17 +7319,17 @@
           <a:p>
             <a:pPr algn="ctr"/>
             <a:r>
-              <a:rPr lang="en-US" altLang="ko-KR" sz="1600" spc="-300" dirty="0" smtClean="0"/>
-              <a:t>E   M I    </a:t>
-            </a:r>
-            <a:endParaRPr lang="ko-KR" altLang="en-US" sz="1600" spc="-300" dirty="0"/>
+              <a:rPr lang="en-US" altLang="ko-KR" sz="1600" dirty="0" smtClean="0"/>
+              <a:t>EMI</a:t>
+            </a:r>
+            <a:endParaRPr lang="ko-KR" altLang="en-US" sz="1600" dirty="0"/>
           </a:p>
         </p:txBody>
       </p:sp>
     </p:spTree>
     <p:extLst>
       <p:ext uri="{BB962C8B-B14F-4D97-AF65-F5344CB8AC3E}">
-        <p14:creationId xmlns="" xmlns:p14="http://schemas.microsoft.com/office/powerpoint/2010/main" val="1193676681"/>
+        <p14:creationId xmlns:p14="http://schemas.microsoft.com/office/powerpoint/2010/main" xmlns="" val="1193676681"/>
       </p:ext>
     </p:extLst>
   </p:cSld>
@@ -7585,7 +7601,7 @@
   <a:extraClrSchemeLst/>
   <a:extLst>
     <a:ext uri="{05A4C25C-085E-4340-85A3-A5531E510DB2}">
-      <thm15:themeFamily xmlns="" xmlns:thm15="http://schemas.microsoft.com/office/thememl/2012/main" name="Office Theme" id="{62F939B6-93AF-4DB8-9C6B-D6C7DFDC589F}" vid="{4A3C46E8-61CC-4603-A589-7422A47A8E4A}"/>
+      <thm15:themeFamily xmlns:thm15="http://schemas.microsoft.com/office/thememl/2012/main" xmlns="" name="Office Theme" id="{62F939B6-93AF-4DB8-9C6B-D6C7DFDC589F}" vid="{4A3C46E8-61CC-4603-A589-7422A47A8E4A}"/>
     </a:ext>
   </a:extLst>
 </a:theme>

--- a/합숙_결과_(3주차)_발표.pptx
+++ b/합숙_결과_(3주차)_발표.pptx
@@ -17,14 +17,15 @@
     <p:sldId id="278" r:id="rId11"/>
     <p:sldId id="279" r:id="rId12"/>
     <p:sldId id="264" r:id="rId13"/>
-    <p:sldId id="273" r:id="rId14"/>
-    <p:sldId id="277" r:id="rId15"/>
-    <p:sldId id="276" r:id="rId16"/>
-    <p:sldId id="275" r:id="rId17"/>
-    <p:sldId id="274" r:id="rId18"/>
-    <p:sldId id="265" r:id="rId19"/>
-    <p:sldId id="262" r:id="rId20"/>
-    <p:sldId id="263" r:id="rId21"/>
+    <p:sldId id="280" r:id="rId14"/>
+    <p:sldId id="273" r:id="rId15"/>
+    <p:sldId id="277" r:id="rId16"/>
+    <p:sldId id="276" r:id="rId17"/>
+    <p:sldId id="275" r:id="rId18"/>
+    <p:sldId id="274" r:id="rId19"/>
+    <p:sldId id="265" r:id="rId20"/>
+    <p:sldId id="262" r:id="rId21"/>
+    <p:sldId id="263" r:id="rId22"/>
   </p:sldIdLst>
   <p:sldSz cx="9144000" cy="6858000" type="screen4x3"/>
   <p:notesSz cx="6858000" cy="9144000"/>
@@ -4725,6 +4726,422 @@
         </p:nvGrpSpPr>
         <p:grpSpPr>
           <a:xfrm>
+            <a:off x="392413" y="416283"/>
+            <a:ext cx="1935151" cy="901249"/>
+            <a:chOff x="290813" y="213083"/>
+            <a:chExt cx="1935151" cy="901249"/>
+          </a:xfrm>
+        </p:grpSpPr>
+        <p:grpSp>
+          <p:nvGrpSpPr>
+            <p:cNvPr id="19" name="그룹 18"/>
+            <p:cNvGrpSpPr/>
+            <p:nvPr/>
+          </p:nvGrpSpPr>
+          <p:grpSpPr>
+            <a:xfrm>
+              <a:off x="290813" y="213083"/>
+              <a:ext cx="1935151" cy="646331"/>
+              <a:chOff x="791785" y="2954674"/>
+              <a:chExt cx="1935151" cy="646331"/>
+            </a:xfrm>
+          </p:grpSpPr>
+          <p:sp>
+            <p:nvSpPr>
+              <p:cNvPr id="21" name="TextBox 20"/>
+              <p:cNvSpPr txBox="1"/>
+              <p:nvPr/>
+            </p:nvSpPr>
+            <p:spPr>
+              <a:xfrm>
+                <a:off x="829522" y="2954674"/>
+                <a:ext cx="1859676" cy="646331"/>
+              </a:xfrm>
+              <a:prstGeom prst="rect">
+                <a:avLst/>
+              </a:prstGeom>
+              <a:noFill/>
+            </p:spPr>
+            <p:txBody>
+              <a:bodyPr wrap="none" rtlCol="0">
+                <a:spAutoFit/>
+                <a:scene3d>
+                  <a:camera prst="obliqueTopLeft"/>
+                  <a:lightRig rig="threePt" dir="t"/>
+                </a:scene3d>
+              </a:bodyPr>
+              <a:lstStyle/>
+              <a:p>
+                <a:pPr algn="ctr"/>
+                <a:r>
+                  <a:rPr lang="en-US" altLang="ko-KR" sz="3600" dirty="0">
+                    <a:solidFill>
+                      <a:schemeClr val="bg1"/>
+                    </a:solidFill>
+                    <a:latin typeface="Graphite Std" panose="03020502040602020204" pitchFamily="66" charset="0"/>
+                    <a:ea typeface="210 맨발의청춘 L" panose="02020603020101020101" pitchFamily="18" charset="-127"/>
+                  </a:rPr>
+                  <a:t>Feedback</a:t>
+                </a:r>
+              </a:p>
+            </p:txBody>
+          </p:sp>
+          <p:cxnSp>
+            <p:nvCxnSpPr>
+              <p:cNvPr id="22" name="직선 연결선 21"/>
+              <p:cNvCxnSpPr/>
+              <p:nvPr/>
+            </p:nvCxnSpPr>
+            <p:spPr>
+              <a:xfrm>
+                <a:off x="791785" y="3525165"/>
+                <a:ext cx="1935151" cy="0"/>
+              </a:xfrm>
+              <a:prstGeom prst="line">
+                <a:avLst/>
+              </a:prstGeom>
+              <a:ln>
+                <a:solidFill>
+                  <a:schemeClr val="bg1"/>
+                </a:solidFill>
+              </a:ln>
+            </p:spPr>
+            <p:style>
+              <a:lnRef idx="1">
+                <a:schemeClr val="accent1"/>
+              </a:lnRef>
+              <a:fillRef idx="0">
+                <a:schemeClr val="accent1"/>
+              </a:fillRef>
+              <a:effectRef idx="0">
+                <a:schemeClr val="accent1"/>
+              </a:effectRef>
+              <a:fontRef idx="minor">
+                <a:schemeClr val="tx1"/>
+              </a:fontRef>
+            </p:style>
+          </p:cxnSp>
+        </p:grpSp>
+        <p:sp>
+          <p:nvSpPr>
+            <p:cNvPr id="23" name="TextBox 22"/>
+            <p:cNvSpPr txBox="1"/>
+            <p:nvPr/>
+          </p:nvSpPr>
+          <p:spPr>
+            <a:xfrm>
+              <a:off x="929266" y="745000"/>
+              <a:ext cx="519694" cy="369332"/>
+            </a:xfrm>
+            <a:prstGeom prst="rect">
+              <a:avLst/>
+            </a:prstGeom>
+            <a:noFill/>
+          </p:spPr>
+          <p:txBody>
+            <a:bodyPr wrap="none" rtlCol="0">
+              <a:spAutoFit/>
+            </a:bodyPr>
+            <a:lstStyle/>
+            <a:p>
+              <a:r>
+                <a:rPr lang="en-US" altLang="ko-KR" dirty="0">
+                  <a:solidFill>
+                    <a:schemeClr val="bg1"/>
+                  </a:solidFill>
+                  <a:latin typeface="Graphite Std" panose="03020502040602020204" pitchFamily="66" charset="0"/>
+                  <a:ea typeface="DX경필고딕B" panose="02010606000101010101" pitchFamily="2" charset="-127"/>
+                </a:rPr>
+                <a:t>~</a:t>
+              </a:r>
+              <a:r>
+                <a:rPr lang="en-US" altLang="ko-KR" dirty="0" err="1">
+                  <a:solidFill>
+                    <a:schemeClr val="bg1"/>
+                  </a:solidFill>
+                  <a:latin typeface="Graphite Std" panose="03020502040602020204" pitchFamily="66" charset="0"/>
+                  <a:ea typeface="DX경필고딕B" panose="02010606000101010101" pitchFamily="2" charset="-127"/>
+                </a:rPr>
+                <a:t>ing</a:t>
+              </a:r>
+              <a:endParaRPr lang="ko-KR" altLang="en-US" dirty="0">
+                <a:solidFill>
+                  <a:schemeClr val="bg1"/>
+                </a:solidFill>
+                <a:latin typeface="Graphite Std" panose="03020502040602020204" pitchFamily="66" charset="0"/>
+                <a:ea typeface="DX경필고딕B" panose="02010606000101010101" pitchFamily="2" charset="-127"/>
+              </a:endParaRPr>
+            </a:p>
+          </p:txBody>
+        </p:sp>
+      </p:grpSp>
+      <p:pic>
+        <p:nvPicPr>
+          <p:cNvPr id="4" name="그림 3"/>
+          <p:cNvPicPr>
+            <a:picLocks noChangeAspect="1"/>
+          </p:cNvPicPr>
+          <p:nvPr/>
+        </p:nvPicPr>
+        <p:blipFill>
+          <a:blip r:embed="rId2">
+            <a:extLst>
+              <a:ext uri="{28A0092B-C50C-407E-A947-70E740481C1C}">
+                <a14:useLocalDpi xmlns:a14="http://schemas.microsoft.com/office/drawing/2010/main" val="0"/>
+              </a:ext>
+            </a:extLst>
+          </a:blip>
+          <a:stretch>
+            <a:fillRect/>
+          </a:stretch>
+        </p:blipFill>
+        <p:spPr>
+          <a:xfrm>
+            <a:off x="1886498" y="1633105"/>
+            <a:ext cx="5581100" cy="4185825"/>
+          </a:xfrm>
+          <a:prstGeom prst="rect">
+            <a:avLst/>
+          </a:prstGeom>
+          <a:solidFill>
+            <a:srgbClr val="FFFFFF">
+              <a:shade val="85000"/>
+            </a:srgbClr>
+          </a:solidFill>
+          <a:ln w="190500" cap="sq">
+            <a:solidFill>
+              <a:srgbClr val="FFFFFF"/>
+            </a:solidFill>
+            <a:miter lim="800000"/>
+          </a:ln>
+          <a:effectLst>
+            <a:outerShdw blurRad="65000" dist="50800" dir="12900000" kx="195000" ky="145000" algn="tl" rotWithShape="0">
+              <a:srgbClr val="000000">
+                <a:alpha val="30000"/>
+              </a:srgbClr>
+            </a:outerShdw>
+          </a:effectLst>
+          <a:scene3d>
+            <a:camera prst="orthographicFront">
+              <a:rot lat="0" lon="0" rev="360000"/>
+            </a:camera>
+            <a:lightRig rig="twoPt" dir="t">
+              <a:rot lat="0" lon="0" rev="7200000"/>
+            </a:lightRig>
+          </a:scene3d>
+          <a:sp3d contourW="12700">
+            <a:bevelT w="25400" h="19050"/>
+            <a:contourClr>
+              <a:srgbClr val="969696"/>
+            </a:contourClr>
+          </a:sp3d>
+        </p:spPr>
+      </p:pic>
+    </p:spTree>
+    <p:extLst>
+      <p:ext uri="{BB962C8B-B14F-4D97-AF65-F5344CB8AC3E}">
+        <p14:creationId xmlns:p14="http://schemas.microsoft.com/office/powerpoint/2010/main" val="3000264302"/>
+      </p:ext>
+    </p:extLst>
+  </p:cSld>
+  <p:clrMapOvr>
+    <a:masterClrMapping/>
+  </p:clrMapOvr>
+</p:sld>
+</file>
+
+<file path=ppt/slides/slide13.xml><?xml version="1.0" encoding="utf-8"?>
+<p:sld xmlns:a="http://schemas.openxmlformats.org/drawingml/2006/main" xmlns:r="http://schemas.openxmlformats.org/officeDocument/2006/relationships" xmlns:p="http://schemas.openxmlformats.org/presentationml/2006/main">
+  <p:cSld>
+    <p:spTree>
+      <p:nvGrpSpPr>
+        <p:cNvPr id="1" name=""/>
+        <p:cNvGrpSpPr/>
+        <p:nvPr/>
+      </p:nvGrpSpPr>
+      <p:grpSpPr>
+        <a:xfrm>
+          <a:off x="0" y="0"/>
+          <a:ext cx="0" cy="0"/>
+          <a:chOff x="0" y="0"/>
+          <a:chExt cx="0" cy="0"/>
+        </a:xfrm>
+      </p:grpSpPr>
+      <p:sp>
+        <p:nvSpPr>
+          <p:cNvPr id="16" name="직사각형 15"/>
+          <p:cNvSpPr/>
+          <p:nvPr/>
+        </p:nvSpPr>
+        <p:spPr>
+          <a:xfrm>
+            <a:off x="174813" y="161365"/>
+            <a:ext cx="8794375" cy="6535269"/>
+          </a:xfrm>
+          <a:prstGeom prst="rect">
+            <a:avLst/>
+          </a:prstGeom>
+          <a:solidFill>
+            <a:schemeClr val="tx1">
+              <a:alpha val="65000"/>
+            </a:schemeClr>
+          </a:solidFill>
+          <a:ln w="28575">
+            <a:noFill/>
+          </a:ln>
+        </p:spPr>
+        <p:style>
+          <a:lnRef idx="2">
+            <a:schemeClr val="accent1">
+              <a:shade val="50000"/>
+            </a:schemeClr>
+          </a:lnRef>
+          <a:fillRef idx="1">
+            <a:schemeClr val="accent1"/>
+          </a:fillRef>
+          <a:effectRef idx="0">
+            <a:schemeClr val="accent1"/>
+          </a:effectRef>
+          <a:fontRef idx="minor">
+            <a:schemeClr val="lt1"/>
+          </a:fontRef>
+        </p:style>
+        <p:txBody>
+          <a:bodyPr rtlCol="0" anchor="ctr"/>
+          <a:lstStyle/>
+          <a:p>
+            <a:pPr algn="ctr"/>
+            <a:endParaRPr lang="ko-KR" altLang="en-US"/>
+          </a:p>
+        </p:txBody>
+      </p:sp>
+      <p:sp>
+        <p:nvSpPr>
+          <p:cNvPr id="37" name="TextBox 36"/>
+          <p:cNvSpPr txBox="1"/>
+          <p:nvPr/>
+        </p:nvSpPr>
+        <p:spPr>
+          <a:xfrm>
+            <a:off x="3387984" y="3352031"/>
+            <a:ext cx="2334293" cy="338554"/>
+          </a:xfrm>
+          <a:prstGeom prst="rect">
+            <a:avLst/>
+          </a:prstGeom>
+          <a:noFill/>
+        </p:spPr>
+        <p:txBody>
+          <a:bodyPr wrap="none" rtlCol="0">
+            <a:spAutoFit/>
+            <a:scene3d>
+              <a:camera prst="obliqueTopLeft"/>
+              <a:lightRig rig="threePt" dir="t"/>
+            </a:scene3d>
+          </a:bodyPr>
+          <a:lstStyle/>
+          <a:p>
+            <a:pPr algn="ctr"/>
+            <a:r>
+              <a:rPr lang="ko-KR" altLang="en-US" sz="1600" spc="-150" dirty="0">
+                <a:solidFill>
+                  <a:schemeClr val="bg1"/>
+                </a:solidFill>
+              </a:rPr>
+              <a:t>원형 키보드 </a:t>
+            </a:r>
+            <a:r>
+              <a:rPr lang="en-US" altLang="ko-KR" sz="1600" spc="-150" dirty="0">
+                <a:solidFill>
+                  <a:schemeClr val="bg1"/>
+                </a:solidFill>
+                <a:sym typeface="Wingdings" panose="05000000000000000000" pitchFamily="2" charset="2"/>
+              </a:rPr>
+              <a:t></a:t>
+            </a:r>
+            <a:r>
+              <a:rPr lang="en-US" altLang="ko-KR" sz="1600" spc="-150" dirty="0">
+                <a:solidFill>
+                  <a:schemeClr val="bg1"/>
+                </a:solidFill>
+              </a:rPr>
+              <a:t> </a:t>
+            </a:r>
+            <a:r>
+              <a:rPr lang="ko-KR" altLang="en-US" sz="1600" spc="-150" dirty="0" err="1">
+                <a:solidFill>
+                  <a:schemeClr val="bg1"/>
+                </a:solidFill>
+              </a:rPr>
+              <a:t>쿼티</a:t>
+            </a:r>
+            <a:r>
+              <a:rPr lang="ko-KR" altLang="en-US" sz="1600" spc="-150" dirty="0">
+                <a:solidFill>
+                  <a:schemeClr val="bg1"/>
+                </a:solidFill>
+              </a:rPr>
+              <a:t> 키보드</a:t>
+            </a:r>
+          </a:p>
+        </p:txBody>
+      </p:sp>
+      <p:sp>
+        <p:nvSpPr>
+          <p:cNvPr id="6" name="직사각형 5"/>
+          <p:cNvSpPr/>
+          <p:nvPr/>
+        </p:nvSpPr>
+        <p:spPr>
+          <a:xfrm>
+            <a:off x="-6" y="0"/>
+            <a:ext cx="9144000" cy="6858000"/>
+          </a:xfrm>
+          <a:prstGeom prst="rect">
+            <a:avLst/>
+          </a:prstGeom>
+          <a:solidFill>
+            <a:schemeClr val="tx1">
+              <a:alpha val="13000"/>
+            </a:schemeClr>
+          </a:solidFill>
+          <a:ln>
+            <a:noFill/>
+          </a:ln>
+        </p:spPr>
+        <p:style>
+          <a:lnRef idx="2">
+            <a:schemeClr val="accent1">
+              <a:shade val="50000"/>
+            </a:schemeClr>
+          </a:lnRef>
+          <a:fillRef idx="1">
+            <a:schemeClr val="accent1"/>
+          </a:fillRef>
+          <a:effectRef idx="0">
+            <a:schemeClr val="accent1"/>
+          </a:effectRef>
+          <a:fontRef idx="minor">
+            <a:schemeClr val="lt1"/>
+          </a:fontRef>
+        </p:style>
+        <p:txBody>
+          <a:bodyPr rtlCol="0" anchor="ctr"/>
+          <a:lstStyle/>
+          <a:p>
+            <a:pPr algn="ctr"/>
+            <a:endParaRPr lang="ko-KR" altLang="en-US"/>
+          </a:p>
+        </p:txBody>
+      </p:sp>
+      <p:grpSp>
+        <p:nvGrpSpPr>
+          <p:cNvPr id="2" name="그룹 1"/>
+          <p:cNvGrpSpPr/>
+          <p:nvPr/>
+        </p:nvGrpSpPr>
+        <p:grpSpPr>
+          <a:xfrm>
             <a:off x="392413" y="399631"/>
             <a:ext cx="1452426" cy="933175"/>
             <a:chOff x="290813" y="196431"/>
@@ -4866,14 +5283,14 @@
       </p:grpSp>
       <p:sp>
         <p:nvSpPr>
-          <p:cNvPr id="37" name="TextBox 36"/>
+          <p:cNvPr id="40" name="TextBox 39"/>
           <p:cNvSpPr txBox="1"/>
           <p:nvPr/>
         </p:nvSpPr>
         <p:spPr>
           <a:xfrm>
-            <a:off x="3387984" y="2901904"/>
-            <a:ext cx="2334293" cy="338554"/>
+            <a:off x="2842065" y="1925059"/>
+            <a:ext cx="3169458" cy="461665"/>
           </a:xfrm>
           <a:prstGeom prst="rect">
             <a:avLst/>
@@ -4892,59 +5309,31 @@
           <a:p>
             <a:pPr algn="ctr"/>
             <a:r>
-              <a:rPr lang="ko-KR" altLang="en-US" sz="1600" spc="-150" dirty="0">
+              <a:rPr lang="ko-KR" altLang="en-US" sz="2400" spc="-150">
                 <a:solidFill>
                   <a:schemeClr val="bg1"/>
                 </a:solidFill>
               </a:rPr>
-              <a:t>원형 키보드 </a:t>
-            </a:r>
-            <a:r>
-              <a:rPr lang="en-US" altLang="ko-KR" sz="1600" spc="-150" dirty="0">
-                <a:solidFill>
-                  <a:schemeClr val="bg1"/>
-                </a:solidFill>
-                <a:sym typeface="Wingdings" panose="05000000000000000000" pitchFamily="2" charset="2"/>
-              </a:rPr>
-              <a:t></a:t>
-            </a:r>
-            <a:r>
-              <a:rPr lang="en-US" altLang="ko-KR" sz="1600" spc="-150" dirty="0">
-                <a:solidFill>
-                  <a:schemeClr val="bg1"/>
-                </a:solidFill>
-              </a:rPr>
-              <a:t> </a:t>
-            </a:r>
-            <a:r>
-              <a:rPr lang="ko-KR" altLang="en-US" sz="1600" spc="-150" dirty="0" err="1">
-                <a:solidFill>
-                  <a:schemeClr val="bg1"/>
-                </a:solidFill>
-              </a:rPr>
-              <a:t>쿼티</a:t>
-            </a:r>
-            <a:r>
-              <a:rPr lang="ko-KR" altLang="en-US" sz="1600" spc="-150" dirty="0">
-                <a:solidFill>
-                  <a:schemeClr val="bg1"/>
-                </a:solidFill>
-              </a:rPr>
-              <a:t> 키보드</a:t>
-            </a:r>
-          </a:p>
-        </p:txBody>
-      </p:sp>
-      <p:sp>
-        <p:nvSpPr>
-          <p:cNvPr id="40" name="TextBox 39"/>
+              <a:t>컴퓨터 접근방식의 확장</a:t>
+            </a:r>
+            <a:endParaRPr lang="ko-KR" altLang="en-US" sz="2400" spc="-150" dirty="0">
+              <a:solidFill>
+                <a:schemeClr val="bg1"/>
+              </a:solidFill>
+            </a:endParaRPr>
+          </a:p>
+        </p:txBody>
+      </p:sp>
+      <p:sp>
+        <p:nvSpPr>
+          <p:cNvPr id="42" name="TextBox 41"/>
           <p:cNvSpPr txBox="1"/>
           <p:nvPr/>
         </p:nvSpPr>
         <p:spPr>
           <a:xfrm>
-            <a:off x="2842065" y="1925059"/>
-            <a:ext cx="3169458" cy="461665"/>
+            <a:off x="3402711" y="2943040"/>
+            <a:ext cx="1540806" cy="338554"/>
           </a:xfrm>
           <a:prstGeom prst="rect">
             <a:avLst/>
@@ -4963,31 +5352,26 @@
           <a:p>
             <a:pPr algn="ctr"/>
             <a:r>
-              <a:rPr lang="ko-KR" altLang="en-US" sz="2400" spc="-150">
+              <a:rPr lang="ko-KR" altLang="en-US" sz="1600" spc="-150" dirty="0">
                 <a:solidFill>
                   <a:schemeClr val="bg1"/>
                 </a:solidFill>
               </a:rPr>
-              <a:t>컴퓨터 접근방식의 확장</a:t>
-            </a:r>
-            <a:endParaRPr lang="ko-KR" altLang="en-US" sz="2400" spc="-150" dirty="0">
-              <a:solidFill>
-                <a:schemeClr val="bg1"/>
-              </a:solidFill>
-            </a:endParaRPr>
-          </a:p>
-        </p:txBody>
-      </p:sp>
-      <p:sp>
-        <p:nvSpPr>
-          <p:cNvPr id="42" name="TextBox 41"/>
+              <a:t>마우스 기능 추가</a:t>
+            </a:r>
+          </a:p>
+        </p:txBody>
+      </p:sp>
+      <p:sp>
+        <p:nvSpPr>
+          <p:cNvPr id="25" name="TextBox 24"/>
           <p:cNvSpPr txBox="1"/>
           <p:nvPr/>
         </p:nvSpPr>
         <p:spPr>
           <a:xfrm>
-            <a:off x="3387984" y="3314840"/>
-            <a:ext cx="1540806" cy="338554"/>
+            <a:off x="3213178" y="2394245"/>
+            <a:ext cx="229550" cy="400110"/>
           </a:xfrm>
           <a:prstGeom prst="rect">
             <a:avLst/>
@@ -5006,25 +5390,30 @@
           <a:p>
             <a:pPr algn="ctr"/>
             <a:r>
-              <a:rPr lang="ko-KR" altLang="en-US" sz="1600" spc="-150" dirty="0">
+              <a:rPr lang="en-US" altLang="ko-KR" sz="2000" spc="-150" dirty="0">
                 <a:solidFill>
                   <a:schemeClr val="bg1"/>
                 </a:solidFill>
               </a:rPr>
-              <a:t>마우스 기능 추가</a:t>
-            </a:r>
-          </a:p>
-        </p:txBody>
-      </p:sp>
-      <p:sp>
-        <p:nvSpPr>
-          <p:cNvPr id="25" name="TextBox 24"/>
+              <a:t>.</a:t>
+            </a:r>
+            <a:endParaRPr lang="ko-KR" altLang="en-US" sz="2000" spc="-150" dirty="0">
+              <a:solidFill>
+                <a:schemeClr val="bg1"/>
+              </a:solidFill>
+            </a:endParaRPr>
+          </a:p>
+        </p:txBody>
+      </p:sp>
+      <p:sp>
+        <p:nvSpPr>
+          <p:cNvPr id="26" name="TextBox 25"/>
           <p:cNvSpPr txBox="1"/>
           <p:nvPr/>
         </p:nvSpPr>
         <p:spPr>
           <a:xfrm>
-            <a:off x="3213178" y="2394245"/>
+            <a:off x="3203278" y="2809397"/>
             <a:ext cx="229550" cy="400110"/>
           </a:xfrm>
           <a:prstGeom prst="rect">
@@ -5061,14 +5450,14 @@
       </p:sp>
       <p:sp>
         <p:nvSpPr>
-          <p:cNvPr id="26" name="TextBox 25"/>
+          <p:cNvPr id="27" name="TextBox 26"/>
           <p:cNvSpPr txBox="1"/>
           <p:nvPr/>
         </p:nvSpPr>
         <p:spPr>
           <a:xfrm>
-            <a:off x="3203278" y="2809397"/>
-            <a:ext cx="229550" cy="400110"/>
+            <a:off x="3387984" y="3727775"/>
+            <a:ext cx="1141659" cy="338554"/>
           </a:xfrm>
           <a:prstGeom prst="rect">
             <a:avLst/>
@@ -5087,31 +5476,34 @@
           <a:p>
             <a:pPr algn="ctr"/>
             <a:r>
-              <a:rPr lang="en-US" altLang="ko-KR" sz="2000" spc="-150" dirty="0">
+              <a:rPr lang="ko-KR" altLang="en-US" sz="1600" spc="-150" dirty="0" err="1">
                 <a:solidFill>
                   <a:schemeClr val="bg1"/>
                 </a:solidFill>
               </a:rPr>
-              <a:t>.</a:t>
-            </a:r>
-            <a:endParaRPr lang="ko-KR" altLang="en-US" sz="2000" spc="-150" dirty="0">
-              <a:solidFill>
-                <a:schemeClr val="bg1"/>
-              </a:solidFill>
-            </a:endParaRPr>
-          </a:p>
-        </p:txBody>
-      </p:sp>
-      <p:sp>
-        <p:nvSpPr>
-          <p:cNvPr id="27" name="TextBox 26"/>
+              <a:t>응시점</a:t>
+            </a:r>
+            <a:r>
+              <a:rPr lang="ko-KR" altLang="en-US" sz="1600" spc="-150" dirty="0">
+                <a:solidFill>
+                  <a:schemeClr val="bg1"/>
+                </a:solidFill>
+              </a:rPr>
+              <a:t> 조정</a:t>
+            </a:r>
+          </a:p>
+        </p:txBody>
+      </p:sp>
+      <p:sp>
+        <p:nvSpPr>
+          <p:cNvPr id="28" name="TextBox 27"/>
           <p:cNvSpPr txBox="1"/>
           <p:nvPr/>
         </p:nvSpPr>
         <p:spPr>
           <a:xfrm>
-            <a:off x="3387984" y="3727775"/>
-            <a:ext cx="1141659" cy="338554"/>
+            <a:off x="3213178" y="3253284"/>
+            <a:ext cx="229550" cy="400110"/>
           </a:xfrm>
           <a:prstGeom prst="rect">
             <a:avLst/>
@@ -5130,34 +5522,31 @@
           <a:p>
             <a:pPr algn="ctr"/>
             <a:r>
-              <a:rPr lang="ko-KR" altLang="en-US" sz="1600" spc="-150" dirty="0" err="1">
+              <a:rPr lang="en-US" altLang="ko-KR" sz="2000" spc="-150" dirty="0">
                 <a:solidFill>
                   <a:schemeClr val="bg1"/>
                 </a:solidFill>
               </a:rPr>
-              <a:t>응시점</a:t>
-            </a:r>
-            <a:r>
-              <a:rPr lang="ko-KR" altLang="en-US" sz="1600" spc="-150" dirty="0">
-                <a:solidFill>
-                  <a:schemeClr val="bg1"/>
-                </a:solidFill>
-              </a:rPr>
-              <a:t> 조정</a:t>
-            </a:r>
-          </a:p>
-        </p:txBody>
-      </p:sp>
-      <p:sp>
-        <p:nvSpPr>
-          <p:cNvPr id="28" name="TextBox 27"/>
+              <a:t>.</a:t>
+            </a:r>
+            <a:endParaRPr lang="ko-KR" altLang="en-US" sz="2000" spc="-150" dirty="0">
+              <a:solidFill>
+                <a:schemeClr val="bg1"/>
+              </a:solidFill>
+            </a:endParaRPr>
+          </a:p>
+        </p:txBody>
+      </p:sp>
+      <p:sp>
+        <p:nvSpPr>
+          <p:cNvPr id="29" name="TextBox 28"/>
           <p:cNvSpPr txBox="1"/>
           <p:nvPr/>
         </p:nvSpPr>
         <p:spPr>
           <a:xfrm>
-            <a:off x="3213178" y="3253284"/>
-            <a:ext cx="229550" cy="400110"/>
+            <a:off x="3387984" y="2488968"/>
+            <a:ext cx="556563" cy="338554"/>
           </a:xfrm>
           <a:prstGeom prst="rect">
             <a:avLst/>
@@ -5176,14 +5565,14 @@
           <a:p>
             <a:pPr algn="ctr"/>
             <a:r>
-              <a:rPr lang="en-US" altLang="ko-KR" sz="2000" spc="-150" dirty="0">
+              <a:rPr lang="ko-KR" altLang="en-US" sz="1600" spc="-150" dirty="0" err="1">
                 <a:solidFill>
                   <a:schemeClr val="bg1"/>
                 </a:solidFill>
               </a:rPr>
-              <a:t>.</a:t>
-            </a:r>
-            <a:endParaRPr lang="ko-KR" altLang="en-US" sz="2000" spc="-150" dirty="0">
+              <a:t>툴바</a:t>
+            </a:r>
+            <a:endParaRPr lang="ko-KR" altLang="en-US" sz="1600" spc="-150" dirty="0">
               <a:solidFill>
                 <a:schemeClr val="bg1"/>
               </a:solidFill>
@@ -5193,14 +5582,14 @@
       </p:sp>
       <p:sp>
         <p:nvSpPr>
-          <p:cNvPr id="29" name="TextBox 28"/>
+          <p:cNvPr id="30" name="TextBox 29"/>
           <p:cNvSpPr txBox="1"/>
           <p:nvPr/>
         </p:nvSpPr>
         <p:spPr>
           <a:xfrm>
-            <a:off x="3387984" y="2488968"/>
-            <a:ext cx="556563" cy="338554"/>
+            <a:off x="3203278" y="3668436"/>
+            <a:ext cx="229550" cy="400110"/>
           </a:xfrm>
           <a:prstGeom prst="rect">
             <a:avLst/>
@@ -5219,49 +5608,6 @@
           <a:p>
             <a:pPr algn="ctr"/>
             <a:r>
-              <a:rPr lang="ko-KR" altLang="en-US" sz="1600" spc="-150" dirty="0" err="1">
-                <a:solidFill>
-                  <a:schemeClr val="bg1"/>
-                </a:solidFill>
-              </a:rPr>
-              <a:t>툴바</a:t>
-            </a:r>
-            <a:endParaRPr lang="ko-KR" altLang="en-US" sz="1600" spc="-150" dirty="0">
-              <a:solidFill>
-                <a:schemeClr val="bg1"/>
-              </a:solidFill>
-            </a:endParaRPr>
-          </a:p>
-        </p:txBody>
-      </p:sp>
-      <p:sp>
-        <p:nvSpPr>
-          <p:cNvPr id="30" name="TextBox 29"/>
-          <p:cNvSpPr txBox="1"/>
-          <p:nvPr/>
-        </p:nvSpPr>
-        <p:spPr>
-          <a:xfrm>
-            <a:off x="3203278" y="3668436"/>
-            <a:ext cx="229550" cy="400110"/>
-          </a:xfrm>
-          <a:prstGeom prst="rect">
-            <a:avLst/>
-          </a:prstGeom>
-          <a:noFill/>
-        </p:spPr>
-        <p:txBody>
-          <a:bodyPr wrap="none" rtlCol="0">
-            <a:spAutoFit/>
-            <a:scene3d>
-              <a:camera prst="obliqueTopLeft"/>
-              <a:lightRig rig="threePt" dir="t"/>
-            </a:scene3d>
-          </a:bodyPr>
-          <a:lstStyle/>
-          <a:p>
-            <a:pPr algn="ctr"/>
-            <a:r>
               <a:rPr lang="en-US" altLang="ko-KR" sz="2000" spc="-150" dirty="0">
                 <a:solidFill>
                   <a:schemeClr val="bg1"/>
@@ -5280,7 +5626,7 @@
     </p:spTree>
     <p:extLst>
       <p:ext uri="{BB962C8B-B14F-4D97-AF65-F5344CB8AC3E}">
-        <p14:creationId xmlns:p14="http://schemas.microsoft.com/office/powerpoint/2010/main" val="3000264302"/>
+        <p14:creationId xmlns:p14="http://schemas.microsoft.com/office/powerpoint/2010/main" val="2326977573"/>
       </p:ext>
     </p:extLst>
   </p:cSld>
@@ -5290,7 +5636,7 @@
 </p:sld>
 </file>
 
-<file path=ppt/slides/slide13.xml><?xml version="1.0" encoding="utf-8"?>
+<file path=ppt/slides/slide14.xml><?xml version="1.0" encoding="utf-8"?>
 <p:sld xmlns:a="http://schemas.openxmlformats.org/drawingml/2006/main" xmlns:r="http://schemas.openxmlformats.org/officeDocument/2006/relationships" xmlns:p="http://schemas.openxmlformats.org/presentationml/2006/main">
   <p:cSld>
     <p:spTree>
@@ -5584,49 +5930,6 @@
           </a:ln>
         </p:spPr>
       </p:pic>
-      <p:sp>
-        <p:nvSpPr>
-          <p:cNvPr id="17" name="TextBox 16"/>
-          <p:cNvSpPr txBox="1"/>
-          <p:nvPr/>
-        </p:nvSpPr>
-        <p:spPr>
-          <a:xfrm>
-            <a:off x="1897148" y="5788529"/>
-            <a:ext cx="659156" cy="400110"/>
-          </a:xfrm>
-          <a:prstGeom prst="rect">
-            <a:avLst/>
-          </a:prstGeom>
-          <a:noFill/>
-        </p:spPr>
-        <p:txBody>
-          <a:bodyPr wrap="none" rtlCol="0">
-            <a:spAutoFit/>
-            <a:scene3d>
-              <a:camera prst="obliqueTopLeft"/>
-              <a:lightRig rig="threePt" dir="t"/>
-            </a:scene3d>
-          </a:bodyPr>
-          <a:lstStyle/>
-          <a:p>
-            <a:pPr algn="ctr"/>
-            <a:r>
-              <a:rPr lang="ko-KR" altLang="en-US" sz="2000" spc="-150" dirty="0" err="1">
-                <a:solidFill>
-                  <a:schemeClr val="bg1"/>
-                </a:solidFill>
-              </a:rPr>
-              <a:t>툴바</a:t>
-            </a:r>
-            <a:endParaRPr lang="ko-KR" altLang="en-US" sz="2000" spc="-150" dirty="0">
-              <a:solidFill>
-                <a:schemeClr val="bg1"/>
-              </a:solidFill>
-            </a:endParaRPr>
-          </a:p>
-        </p:txBody>
-      </p:sp>
     </p:spTree>
     <p:extLst>
       <p:ext uri="{BB962C8B-B14F-4D97-AF65-F5344CB8AC3E}">
@@ -5640,7 +5943,7 @@
 </p:sld>
 </file>
 
-<file path=ppt/slides/slide14.xml><?xml version="1.0" encoding="utf-8"?>
+<file path=ppt/slides/slide15.xml><?xml version="1.0" encoding="utf-8"?>
 <p:sld xmlns:a="http://schemas.openxmlformats.org/drawingml/2006/main" xmlns:r="http://schemas.openxmlformats.org/officeDocument/2006/relationships" xmlns:p="http://schemas.openxmlformats.org/presentationml/2006/main">
   <p:cSld>
     <p:spTree>
@@ -5934,6 +6237,71 @@
           </a:ln>
         </p:spPr>
       </p:pic>
+      <p:pic>
+        <p:nvPicPr>
+          <p:cNvPr id="4" name="그림 3"/>
+          <p:cNvPicPr>
+            <a:picLocks noChangeAspect="1"/>
+          </p:cNvPicPr>
+          <p:nvPr/>
+        </p:nvPicPr>
+        <p:blipFill rotWithShape="1">
+          <a:blip r:embed="rId3">
+            <a:extLst>
+              <a:ext uri="{28A0092B-C50C-407E-A947-70E740481C1C}">
+                <a14:useLocalDpi xmlns:a14="http://schemas.microsoft.com/office/drawing/2010/main" val="0"/>
+              </a:ext>
+            </a:extLst>
+          </a:blip>
+          <a:srcRect l="3848" t="5377" r="3809"/>
+          <a:stretch/>
+        </p:blipFill>
+        <p:spPr>
+          <a:xfrm>
+            <a:off x="3057597" y="1332806"/>
+            <a:ext cx="1076563" cy="4175107"/>
+          </a:xfrm>
+          <a:prstGeom prst="rect">
+            <a:avLst/>
+          </a:prstGeom>
+        </p:spPr>
+      </p:pic>
+      <p:cxnSp>
+        <p:nvCxnSpPr>
+          <p:cNvPr id="11" name="직선 연결선 10"/>
+          <p:cNvCxnSpPr/>
+          <p:nvPr/>
+        </p:nvCxnSpPr>
+        <p:spPr>
+          <a:xfrm>
+            <a:off x="1844839" y="2242768"/>
+            <a:ext cx="1331894" cy="195632"/>
+          </a:xfrm>
+          <a:prstGeom prst="line">
+            <a:avLst/>
+          </a:prstGeom>
+          <a:ln w="38100">
+            <a:solidFill>
+              <a:schemeClr val="bg1"/>
+            </a:solidFill>
+            <a:prstDash val="sysDash"/>
+          </a:ln>
+        </p:spPr>
+        <p:style>
+          <a:lnRef idx="1">
+            <a:schemeClr val="accent1"/>
+          </a:lnRef>
+          <a:fillRef idx="0">
+            <a:schemeClr val="accent1"/>
+          </a:fillRef>
+          <a:effectRef idx="0">
+            <a:schemeClr val="accent1"/>
+          </a:effectRef>
+          <a:fontRef idx="minor">
+            <a:schemeClr val="tx1"/>
+          </a:fontRef>
+        </p:style>
+      </p:cxnSp>
     </p:spTree>
     <p:extLst>
       <p:ext uri="{BB962C8B-B14F-4D97-AF65-F5344CB8AC3E}">
@@ -5947,7 +6315,7 @@
 </p:sld>
 </file>
 
-<file path=ppt/slides/slide15.xml><?xml version="1.0" encoding="utf-8"?>
+<file path=ppt/slides/slide16.xml><?xml version="1.0" encoding="utf-8"?>
 <p:sld xmlns:a="http://schemas.openxmlformats.org/drawingml/2006/main" xmlns:r="http://schemas.openxmlformats.org/officeDocument/2006/relationships" xmlns:p="http://schemas.openxmlformats.org/presentationml/2006/main">
   <p:cSld>
     <p:spTree>
@@ -6391,7 +6759,7 @@
 </p:sld>
 </file>
 
-<file path=ppt/slides/slide16.xml><?xml version="1.0" encoding="utf-8"?>
+<file path=ppt/slides/slide17.xml><?xml version="1.0" encoding="utf-8"?>
 <p:sld xmlns:a="http://schemas.openxmlformats.org/drawingml/2006/main" xmlns:r="http://schemas.openxmlformats.org/officeDocument/2006/relationships" xmlns:p="http://schemas.openxmlformats.org/presentationml/2006/main">
   <p:cSld>
     <p:spTree>
@@ -6858,7 +7226,7 @@
 </p:sld>
 </file>
 
-<file path=ppt/slides/slide17.xml><?xml version="1.0" encoding="utf-8"?>
+<file path=ppt/slides/slide18.xml><?xml version="1.0" encoding="utf-8"?>
 <p:sld xmlns:a="http://schemas.openxmlformats.org/drawingml/2006/main" xmlns:r="http://schemas.openxmlformats.org/officeDocument/2006/relationships" xmlns:p="http://schemas.openxmlformats.org/presentationml/2006/main">
   <p:cSld>
     <p:spTree>
@@ -7349,7 +7717,7 @@
 </p:sld>
 </file>
 
-<file path=ppt/slides/slide18.xml><?xml version="1.0" encoding="utf-8"?>
+<file path=ppt/slides/slide19.xml><?xml version="1.0" encoding="utf-8"?>
 <p:sld xmlns:a="http://schemas.openxmlformats.org/drawingml/2006/main" xmlns:r="http://schemas.openxmlformats.org/officeDocument/2006/relationships" xmlns:p="http://schemas.openxmlformats.org/presentationml/2006/main">
   <p:cSld>
     <p:spTree>
@@ -7617,8 +7985,8 @@
         </p:nvSpPr>
         <p:spPr>
           <a:xfrm>
-            <a:off x="3162640" y="1750528"/>
-            <a:ext cx="1409360" cy="400110"/>
+            <a:off x="3188928" y="1750528"/>
+            <a:ext cx="1172117" cy="400110"/>
           </a:xfrm>
           <a:prstGeom prst="rect">
             <a:avLst/>
@@ -7637,12 +8005,36 @@
           <a:p>
             <a:pPr algn="ctr"/>
             <a:r>
+              <a:rPr lang="ko-KR" altLang="en-US" sz="2000" spc="-150">
+                <a:solidFill>
+                  <a:schemeClr val="bg1"/>
+                </a:solidFill>
+              </a:rPr>
+              <a:t>한</a:t>
+            </a:r>
+            <a:r>
+              <a:rPr lang="ko-KR" altLang="en-US" sz="2000" spc="-150">
+                <a:solidFill>
+                  <a:schemeClr val="bg1"/>
+                </a:solidFill>
+              </a:rPr>
+              <a:t>글</a:t>
+            </a:r>
+            <a:r>
+              <a:rPr lang="ko-KR" altLang="en-US" sz="2000" spc="-150">
+                <a:solidFill>
+                  <a:schemeClr val="bg1"/>
+                </a:solidFill>
+              </a:rPr>
+              <a:t> </a:t>
+            </a:r>
+            <a:r>
               <a:rPr lang="ko-KR" altLang="en-US" sz="2000" spc="-150" dirty="0">
                 <a:solidFill>
                   <a:schemeClr val="bg1"/>
                 </a:solidFill>
               </a:rPr>
-              <a:t>한국어 조합</a:t>
+              <a:t>조합</a:t>
             </a:r>
           </a:p>
         </p:txBody>
@@ -7655,8 +8047,8 @@
         </p:nvSpPr>
         <p:spPr>
           <a:xfrm>
-            <a:off x="3162640" y="2512528"/>
-            <a:ext cx="2396811" cy="400110"/>
+            <a:off x="3191040" y="2512528"/>
+            <a:ext cx="2672526" cy="400110"/>
           </a:xfrm>
           <a:prstGeom prst="rect">
             <a:avLst/>
@@ -7680,7 +8072,7 @@
                   <a:schemeClr val="bg1"/>
                 </a:solidFill>
               </a:rPr>
-              <a:t>키보드 상의 문자출력</a:t>
+              <a:t>키보드 상의 문자열 출력</a:t>
             </a:r>
           </a:p>
         </p:txBody>
@@ -7942,177 +8334,6 @@
     <p:extLst>
       <p:ext uri="{BB962C8B-B14F-4D97-AF65-F5344CB8AC3E}">
         <p14:creationId xmlns:p14="http://schemas.microsoft.com/office/powerpoint/2010/main" val="590621774"/>
-      </p:ext>
-    </p:extLst>
-  </p:cSld>
-  <p:clrMapOvr>
-    <a:masterClrMapping/>
-  </p:clrMapOvr>
-</p:sld>
-</file>
-
-<file path=ppt/slides/slide19.xml><?xml version="1.0" encoding="utf-8"?>
-<p:sld xmlns:a="http://schemas.openxmlformats.org/drawingml/2006/main" xmlns:r="http://schemas.openxmlformats.org/officeDocument/2006/relationships" xmlns:p="http://schemas.openxmlformats.org/presentationml/2006/main">
-  <p:cSld>
-    <p:spTree>
-      <p:nvGrpSpPr>
-        <p:cNvPr id="1" name=""/>
-        <p:cNvGrpSpPr/>
-        <p:nvPr/>
-      </p:nvGrpSpPr>
-      <p:grpSpPr>
-        <a:xfrm>
-          <a:off x="0" y="0"/>
-          <a:ext cx="0" cy="0"/>
-          <a:chOff x="0" y="0"/>
-          <a:chExt cx="0" cy="0"/>
-        </a:xfrm>
-      </p:grpSpPr>
-      <p:sp>
-        <p:nvSpPr>
-          <p:cNvPr id="6" name="직사각형 5"/>
-          <p:cNvSpPr/>
-          <p:nvPr/>
-        </p:nvSpPr>
-        <p:spPr>
-          <a:xfrm>
-            <a:off x="0" y="0"/>
-            <a:ext cx="9144000" cy="6858000"/>
-          </a:xfrm>
-          <a:prstGeom prst="rect">
-            <a:avLst/>
-          </a:prstGeom>
-          <a:solidFill>
-            <a:schemeClr val="tx1">
-              <a:alpha val="13000"/>
-            </a:schemeClr>
-          </a:solidFill>
-          <a:ln>
-            <a:noFill/>
-          </a:ln>
-        </p:spPr>
-        <p:style>
-          <a:lnRef idx="2">
-            <a:schemeClr val="accent1">
-              <a:shade val="50000"/>
-            </a:schemeClr>
-          </a:lnRef>
-          <a:fillRef idx="1">
-            <a:schemeClr val="accent1"/>
-          </a:fillRef>
-          <a:effectRef idx="0">
-            <a:schemeClr val="accent1"/>
-          </a:effectRef>
-          <a:fontRef idx="minor">
-            <a:schemeClr val="lt1"/>
-          </a:fontRef>
-        </p:style>
-        <p:txBody>
-          <a:bodyPr rtlCol="0" anchor="ctr"/>
-          <a:lstStyle/>
-          <a:p>
-            <a:pPr algn="ctr"/>
-            <a:endParaRPr lang="ko-KR" altLang="en-US" sz="3600"/>
-          </a:p>
-        </p:txBody>
-      </p:sp>
-      <p:sp>
-        <p:nvSpPr>
-          <p:cNvPr id="4" name="직사각형 3"/>
-          <p:cNvSpPr/>
-          <p:nvPr/>
-        </p:nvSpPr>
-        <p:spPr>
-          <a:xfrm>
-            <a:off x="2760009" y="2124636"/>
-            <a:ext cx="3623982" cy="2608729"/>
-          </a:xfrm>
-          <a:prstGeom prst="rect">
-            <a:avLst/>
-          </a:prstGeom>
-          <a:noFill/>
-          <a:ln w="28575">
-            <a:solidFill>
-              <a:schemeClr val="bg1"/>
-            </a:solidFill>
-          </a:ln>
-        </p:spPr>
-        <p:style>
-          <a:lnRef idx="2">
-            <a:schemeClr val="accent1">
-              <a:shade val="50000"/>
-            </a:schemeClr>
-          </a:lnRef>
-          <a:fillRef idx="1">
-            <a:schemeClr val="accent1"/>
-          </a:fillRef>
-          <a:effectRef idx="0">
-            <a:schemeClr val="accent1"/>
-          </a:effectRef>
-          <a:fontRef idx="minor">
-            <a:schemeClr val="lt1"/>
-          </a:fontRef>
-        </p:style>
-        <p:txBody>
-          <a:bodyPr rtlCol="0" anchor="ctr"/>
-          <a:lstStyle/>
-          <a:p>
-            <a:pPr algn="ctr"/>
-            <a:endParaRPr lang="ko-KR" altLang="en-US"/>
-          </a:p>
-        </p:txBody>
-      </p:sp>
-      <p:sp>
-        <p:nvSpPr>
-          <p:cNvPr id="5" name="TextBox 4"/>
-          <p:cNvSpPr txBox="1"/>
-          <p:nvPr/>
-        </p:nvSpPr>
-        <p:spPr>
-          <a:xfrm>
-            <a:off x="3521870" y="3025679"/>
-            <a:ext cx="2100255" cy="830997"/>
-          </a:xfrm>
-          <a:prstGeom prst="rect">
-            <a:avLst/>
-          </a:prstGeom>
-          <a:noFill/>
-        </p:spPr>
-        <p:txBody>
-          <a:bodyPr wrap="none" rtlCol="0">
-            <a:spAutoFit/>
-            <a:scene3d>
-              <a:camera prst="obliqueTopLeft"/>
-              <a:lightRig rig="threePt" dir="t"/>
-            </a:scene3d>
-          </a:bodyPr>
-          <a:lstStyle/>
-          <a:p>
-            <a:pPr algn="ctr"/>
-            <a:r>
-              <a:rPr lang="en-US" altLang="ko-KR" sz="4800" spc="300" dirty="0">
-                <a:solidFill>
-                  <a:schemeClr val="bg1"/>
-                </a:solidFill>
-                <a:latin typeface="휴먼옛체" panose="02030504000101010101" pitchFamily="18" charset="-127"/>
-                <a:ea typeface="휴먼옛체" panose="02030504000101010101" pitchFamily="18" charset="-127"/>
-              </a:rPr>
-              <a:t>Q &amp; A</a:t>
-            </a:r>
-            <a:endParaRPr lang="ko-KR" altLang="en-US" sz="4800" spc="300" dirty="0">
-              <a:solidFill>
-                <a:schemeClr val="bg1"/>
-              </a:solidFill>
-              <a:latin typeface="휴먼옛체" panose="02030504000101010101" pitchFamily="18" charset="-127"/>
-              <a:ea typeface="휴먼옛체" panose="02030504000101010101" pitchFamily="18" charset="-127"/>
-            </a:endParaRPr>
-          </a:p>
-        </p:txBody>
-      </p:sp>
-    </p:spTree>
-    <p:extLst>
-      <p:ext uri="{BB962C8B-B14F-4D97-AF65-F5344CB8AC3E}">
-        <p14:creationId xmlns:p14="http://schemas.microsoft.com/office/powerpoint/2010/main" val="880770421"/>
       </p:ext>
     </p:extLst>
   </p:cSld>
@@ -8735,6 +8956,177 @@
 </file>
 
 <file path=ppt/slides/slide20.xml><?xml version="1.0" encoding="utf-8"?>
+<p:sld xmlns:a="http://schemas.openxmlformats.org/drawingml/2006/main" xmlns:r="http://schemas.openxmlformats.org/officeDocument/2006/relationships" xmlns:p="http://schemas.openxmlformats.org/presentationml/2006/main">
+  <p:cSld>
+    <p:spTree>
+      <p:nvGrpSpPr>
+        <p:cNvPr id="1" name=""/>
+        <p:cNvGrpSpPr/>
+        <p:nvPr/>
+      </p:nvGrpSpPr>
+      <p:grpSpPr>
+        <a:xfrm>
+          <a:off x="0" y="0"/>
+          <a:ext cx="0" cy="0"/>
+          <a:chOff x="0" y="0"/>
+          <a:chExt cx="0" cy="0"/>
+        </a:xfrm>
+      </p:grpSpPr>
+      <p:sp>
+        <p:nvSpPr>
+          <p:cNvPr id="6" name="직사각형 5"/>
+          <p:cNvSpPr/>
+          <p:nvPr/>
+        </p:nvSpPr>
+        <p:spPr>
+          <a:xfrm>
+            <a:off x="0" y="0"/>
+            <a:ext cx="9144000" cy="6858000"/>
+          </a:xfrm>
+          <a:prstGeom prst="rect">
+            <a:avLst/>
+          </a:prstGeom>
+          <a:solidFill>
+            <a:schemeClr val="tx1">
+              <a:alpha val="13000"/>
+            </a:schemeClr>
+          </a:solidFill>
+          <a:ln>
+            <a:noFill/>
+          </a:ln>
+        </p:spPr>
+        <p:style>
+          <a:lnRef idx="2">
+            <a:schemeClr val="accent1">
+              <a:shade val="50000"/>
+            </a:schemeClr>
+          </a:lnRef>
+          <a:fillRef idx="1">
+            <a:schemeClr val="accent1"/>
+          </a:fillRef>
+          <a:effectRef idx="0">
+            <a:schemeClr val="accent1"/>
+          </a:effectRef>
+          <a:fontRef idx="minor">
+            <a:schemeClr val="lt1"/>
+          </a:fontRef>
+        </p:style>
+        <p:txBody>
+          <a:bodyPr rtlCol="0" anchor="ctr"/>
+          <a:lstStyle/>
+          <a:p>
+            <a:pPr algn="ctr"/>
+            <a:endParaRPr lang="ko-KR" altLang="en-US" sz="3600"/>
+          </a:p>
+        </p:txBody>
+      </p:sp>
+      <p:sp>
+        <p:nvSpPr>
+          <p:cNvPr id="4" name="직사각형 3"/>
+          <p:cNvSpPr/>
+          <p:nvPr/>
+        </p:nvSpPr>
+        <p:spPr>
+          <a:xfrm>
+            <a:off x="2760009" y="2124636"/>
+            <a:ext cx="3623982" cy="2608729"/>
+          </a:xfrm>
+          <a:prstGeom prst="rect">
+            <a:avLst/>
+          </a:prstGeom>
+          <a:noFill/>
+          <a:ln w="28575">
+            <a:solidFill>
+              <a:schemeClr val="bg1"/>
+            </a:solidFill>
+          </a:ln>
+        </p:spPr>
+        <p:style>
+          <a:lnRef idx="2">
+            <a:schemeClr val="accent1">
+              <a:shade val="50000"/>
+            </a:schemeClr>
+          </a:lnRef>
+          <a:fillRef idx="1">
+            <a:schemeClr val="accent1"/>
+          </a:fillRef>
+          <a:effectRef idx="0">
+            <a:schemeClr val="accent1"/>
+          </a:effectRef>
+          <a:fontRef idx="minor">
+            <a:schemeClr val="lt1"/>
+          </a:fontRef>
+        </p:style>
+        <p:txBody>
+          <a:bodyPr rtlCol="0" anchor="ctr"/>
+          <a:lstStyle/>
+          <a:p>
+            <a:pPr algn="ctr"/>
+            <a:endParaRPr lang="ko-KR" altLang="en-US"/>
+          </a:p>
+        </p:txBody>
+      </p:sp>
+      <p:sp>
+        <p:nvSpPr>
+          <p:cNvPr id="5" name="TextBox 4"/>
+          <p:cNvSpPr txBox="1"/>
+          <p:nvPr/>
+        </p:nvSpPr>
+        <p:spPr>
+          <a:xfrm>
+            <a:off x="3521870" y="3025679"/>
+            <a:ext cx="2100255" cy="830997"/>
+          </a:xfrm>
+          <a:prstGeom prst="rect">
+            <a:avLst/>
+          </a:prstGeom>
+          <a:noFill/>
+        </p:spPr>
+        <p:txBody>
+          <a:bodyPr wrap="none" rtlCol="0">
+            <a:spAutoFit/>
+            <a:scene3d>
+              <a:camera prst="obliqueTopLeft"/>
+              <a:lightRig rig="threePt" dir="t"/>
+            </a:scene3d>
+          </a:bodyPr>
+          <a:lstStyle/>
+          <a:p>
+            <a:pPr algn="ctr"/>
+            <a:r>
+              <a:rPr lang="en-US" altLang="ko-KR" sz="4800" spc="300" dirty="0">
+                <a:solidFill>
+                  <a:schemeClr val="bg1"/>
+                </a:solidFill>
+                <a:latin typeface="휴먼옛체" panose="02030504000101010101" pitchFamily="18" charset="-127"/>
+                <a:ea typeface="휴먼옛체" panose="02030504000101010101" pitchFamily="18" charset="-127"/>
+              </a:rPr>
+              <a:t>Q &amp; A</a:t>
+            </a:r>
+            <a:endParaRPr lang="ko-KR" altLang="en-US" sz="4800" spc="300" dirty="0">
+              <a:solidFill>
+                <a:schemeClr val="bg1"/>
+              </a:solidFill>
+              <a:latin typeface="휴먼옛체" panose="02030504000101010101" pitchFamily="18" charset="-127"/>
+              <a:ea typeface="휴먼옛체" panose="02030504000101010101" pitchFamily="18" charset="-127"/>
+            </a:endParaRPr>
+          </a:p>
+        </p:txBody>
+      </p:sp>
+    </p:spTree>
+    <p:extLst>
+      <p:ext uri="{BB962C8B-B14F-4D97-AF65-F5344CB8AC3E}">
+        <p14:creationId xmlns:p14="http://schemas.microsoft.com/office/powerpoint/2010/main" val="880770421"/>
+      </p:ext>
+    </p:extLst>
+  </p:cSld>
+  <p:clrMapOvr>
+    <a:masterClrMapping/>
+  </p:clrMapOvr>
+</p:sld>
+</file>
+
+<file path=ppt/slides/slide21.xml><?xml version="1.0" encoding="utf-8"?>
 <p:sld xmlns:a="http://schemas.openxmlformats.org/drawingml/2006/main" xmlns:r="http://schemas.openxmlformats.org/officeDocument/2006/relationships" xmlns:p="http://schemas.openxmlformats.org/presentationml/2006/main">
   <p:cSld>
     <p:spTree>
